--- a/powerpoint_presentations/PythonOverview.pptx
+++ b/powerpoint_presentations/PythonOverview.pptx
@@ -5,28 +5,31 @@
     <p:sldMasterId id="2147483648" r:id="rId1"/>
   </p:sldMasterIdLst>
   <p:notesMasterIdLst>
-    <p:notesMasterId r:id="rId18"/>
+    <p:notesMasterId r:id="rId21"/>
   </p:notesMasterIdLst>
   <p:handoutMasterIdLst>
-    <p:handoutMasterId r:id="rId19"/>
+    <p:handoutMasterId r:id="rId22"/>
   </p:handoutMasterIdLst>
   <p:sldIdLst>
     <p:sldId id="318" r:id="rId2"/>
     <p:sldId id="317" r:id="rId3"/>
     <p:sldId id="320" r:id="rId4"/>
-    <p:sldId id="316" r:id="rId5"/>
-    <p:sldId id="315" r:id="rId6"/>
-    <p:sldId id="305" r:id="rId7"/>
-    <p:sldId id="306" r:id="rId8"/>
-    <p:sldId id="314" r:id="rId9"/>
-    <p:sldId id="313" r:id="rId10"/>
-    <p:sldId id="307" r:id="rId11"/>
-    <p:sldId id="311" r:id="rId12"/>
-    <p:sldId id="308" r:id="rId13"/>
-    <p:sldId id="309" r:id="rId14"/>
-    <p:sldId id="312" r:id="rId15"/>
-    <p:sldId id="310" r:id="rId16"/>
-    <p:sldId id="319" r:id="rId17"/>
+    <p:sldId id="322" r:id="rId5"/>
+    <p:sldId id="316" r:id="rId6"/>
+    <p:sldId id="315" r:id="rId7"/>
+    <p:sldId id="305" r:id="rId8"/>
+    <p:sldId id="306" r:id="rId9"/>
+    <p:sldId id="314" r:id="rId10"/>
+    <p:sldId id="313" r:id="rId11"/>
+    <p:sldId id="307" r:id="rId12"/>
+    <p:sldId id="311" r:id="rId13"/>
+    <p:sldId id="308" r:id="rId14"/>
+    <p:sldId id="309" r:id="rId15"/>
+    <p:sldId id="312" r:id="rId16"/>
+    <p:sldId id="321" r:id="rId17"/>
+    <p:sldId id="323" r:id="rId18"/>
+    <p:sldId id="324" r:id="rId19"/>
+    <p:sldId id="310" r:id="rId20"/>
   </p:sldIdLst>
   <p:sldSz cx="9144000" cy="6858000" type="screen4x3"/>
   <p:notesSz cx="6950075" cy="9236075"/>
@@ -628,61 +631,41 @@
           <a:p>
             <a:r>
               <a:rPr lang="en-US" dirty="0"/>
-              <a:t>Maintained by the Python Software Foundation</a:t>
-            </a:r>
-          </a:p>
-          <a:p>
+              <a:t>Based on this blog post: https://</a:t>
+            </a:r>
+            <a:r>
+              <a:rPr lang="en-US" dirty="0" err="1"/>
+              <a:t>blog.pythonanywhere.com</a:t>
+            </a:r>
             <a:r>
               <a:rPr lang="en-US" dirty="0"/>
-              <a:t>Includes many packages (</a:t>
-            </a:r>
-            <a:r>
-              <a:rPr lang="en-US" dirty="0" err="1"/>
-              <a:t>pathlib</a:t>
-            </a:r>
-            <a:r>
-              <a:rPr lang="en-US" dirty="0"/>
-              <a:t>, </a:t>
-            </a:r>
-            <a:r>
-              <a:rPr lang="en-US" dirty="0" err="1"/>
-              <a:t>os</a:t>
-            </a:r>
-            <a:r>
-              <a:rPr lang="en-US" dirty="0"/>
-              <a:t>, </a:t>
-            </a:r>
-            <a:r>
-              <a:rPr lang="en-US" dirty="0" err="1"/>
-              <a:t>shutil</a:t>
-            </a:r>
-            <a:r>
-              <a:rPr lang="en-US" dirty="0"/>
-              <a:t>, </a:t>
-            </a:r>
-            <a:r>
-              <a:rPr lang="en-US" dirty="0" err="1"/>
-              <a:t>zipfile</a:t>
-            </a:r>
-            <a:r>
-              <a:rPr lang="en-US" dirty="0"/>
-              <a:t>, </a:t>
-            </a:r>
-            <a:r>
-              <a:rPr lang="en-US" dirty="0" err="1"/>
-              <a:t>etc</a:t>
-            </a:r>
-            <a:r>
-              <a:rPr lang="en-US" dirty="0"/>
-              <a:t>)</a:t>
-            </a:r>
+              <a:t>/67/, and the graph above, total number of users worldwide might be around 10 million as of 2018.</a:t>
+            </a:r>
+          </a:p>
+          <a:p>
+            <a:endParaRPr lang="en-US" dirty="0"/>
+          </a:p>
+          <a:p>
+            <a:r>
+              <a:rPr lang="en-US" sz="1200" b="0" i="0" kern="1200" dirty="0">
+                <a:solidFill>
+                  <a:schemeClr val="tx1"/>
+                </a:solidFill>
+                <a:effectLst/>
+                <a:latin typeface="Times New Roman" charset="0"/>
+                <a:ea typeface="ＭＳ Ｐゴシック" charset="0"/>
+                <a:cs typeface="ＭＳ Ｐゴシック" charset="0"/>
+              </a:rPr>
+              <a:t>In 2024, Anaconda's user base reached 45 million users (Wikipedia)</a:t>
+            </a:r>
+            <a:endParaRPr lang="en-US" dirty="0"/>
           </a:p>
         </p:txBody>
       </p:sp>
     </p:spTree>
     <p:extLst>
       <p:ext uri="{BB962C8B-B14F-4D97-AF65-F5344CB8AC3E}">
-        <p14:creationId xmlns:p14="http://schemas.microsoft.com/office/powerpoint/2010/main" val="582244282"/>
+        <p14:creationId xmlns:p14="http://schemas.microsoft.com/office/powerpoint/2010/main" val="915358749"/>
       </p:ext>
     </p:extLst>
   </p:cSld>
@@ -737,59 +720,25 @@
           <a:lstStyle/>
           <a:p>
             <a:r>
-              <a:rPr lang="en-US" sz="1200" b="0" i="0" kern="1200" dirty="0">
-                <a:solidFill>
-                  <a:schemeClr val="tx1"/>
-                </a:solidFill>
-                <a:effectLst/>
-                <a:latin typeface="Times New Roman" charset="0"/>
-                <a:ea typeface="ＭＳ Ｐゴシック" charset="0"/>
-                <a:cs typeface="ＭＳ Ｐゴシック" charset="0"/>
-              </a:rPr>
-              <a:t>Unlike </a:t>
-            </a:r>
-            <a:r>
-              <a:rPr lang="en-US" sz="1200" b="0" i="0" kern="1200" dirty="0" err="1">
-                <a:solidFill>
-                  <a:schemeClr val="tx1"/>
-                </a:solidFill>
-                <a:effectLst/>
-                <a:latin typeface="Times New Roman" charset="0"/>
-                <a:ea typeface="ＭＳ Ｐゴシック" charset="0"/>
-                <a:cs typeface="ＭＳ Ｐゴシック" charset="0"/>
-              </a:rPr>
-              <a:t>Matlab</a:t>
-            </a:r>
-            <a:r>
-              <a:rPr lang="en-US" sz="1200" b="0" i="0" kern="1200" dirty="0">
-                <a:solidFill>
-                  <a:schemeClr val="tx1"/>
-                </a:solidFill>
-                <a:effectLst/>
-                <a:latin typeface="Times New Roman" charset="0"/>
-                <a:ea typeface="ＭＳ Ｐゴシック" charset="0"/>
-                <a:cs typeface="ＭＳ Ｐゴシック" charset="0"/>
-              </a:rPr>
-              <a:t>, the set of Python tools used by scientists does not come from one single source. </a:t>
-            </a:r>
-            <a:r>
-              <a:rPr lang="en-US" b="0" i="0" dirty="0">
-                <a:solidFill>
-                  <a:srgbClr val="333333"/>
-                </a:solidFill>
-                <a:effectLst/>
-                <a:latin typeface="-apple-system"/>
-              </a:rPr>
-              <a:t>It is the result of a non-coordinated, chaotic and creative development process originating from a community of volunteers and professionals.</a:t>
-            </a:r>
+              <a:rPr lang="en-US" dirty="0"/>
+              <a:t>If you’re new to scripting, learning Python can require some time.</a:t>
+            </a:r>
+          </a:p>
+          <a:p>
             <a:endParaRPr lang="en-US" dirty="0"/>
+          </a:p>
+          <a:p>
+            <a:r>
+              <a:rPr lang="en-US" dirty="0"/>
+              <a:t>And you get what you put in. The better you know Python, the more you can do, and the faster you can do it with less effort.</a:t>
+            </a:r>
           </a:p>
         </p:txBody>
       </p:sp>
     </p:spTree>
     <p:extLst>
       <p:ext uri="{BB962C8B-B14F-4D97-AF65-F5344CB8AC3E}">
-        <p14:creationId xmlns:p14="http://schemas.microsoft.com/office/powerpoint/2010/main" val="2120063468"/>
+        <p14:creationId xmlns:p14="http://schemas.microsoft.com/office/powerpoint/2010/main" val="1333169682"/>
       </p:ext>
     </p:extLst>
   </p:cSld>
@@ -845,87 +794,53 @@
           <a:p>
             <a:r>
               <a:rPr lang="en-US" dirty="0"/>
-              <a:t>Key benefits of </a:t>
+              <a:t>Maintained by the Python Software Foundation</a:t>
+            </a:r>
+          </a:p>
+          <a:p>
+            <a:r>
+              <a:rPr lang="en-US" dirty="0"/>
+              <a:t>Includes many packages (</a:t>
             </a:r>
             <a:r>
               <a:rPr lang="en-US" dirty="0" err="1"/>
-              <a:t>Jupyter</a:t>
+              <a:t>pathlib</a:t>
             </a:r>
             <a:r>
               <a:rPr lang="en-US" dirty="0"/>
-              <a:t> notebook are non-linear execution, and embedded plots and annotations</a:t>
-            </a:r>
-          </a:p>
-          <a:p>
-            <a:endParaRPr lang="en-US" dirty="0"/>
-          </a:p>
-          <a:p>
+              <a:t>, </a:t>
+            </a:r>
+            <a:r>
+              <a:rPr lang="en-US" dirty="0" err="1"/>
+              <a:t>os</a:t>
+            </a:r>
             <a:r>
               <a:rPr lang="en-US" dirty="0"/>
-              <a:t>Non-linear workflow is also key disadvantage- easy to write code that doesn’t work</a:t>
-            </a:r>
-          </a:p>
-          <a:p>
-            <a:pPr marL="171450" indent="-171450">
-              <a:buFontTx/>
-              <a:buChar char="-"/>
-            </a:pPr>
+              <a:t>, </a:t>
+            </a:r>
+            <a:r>
+              <a:rPr lang="en-US" dirty="0" err="1"/>
+              <a:t>shutil</a:t>
+            </a:r>
             <a:r>
               <a:rPr lang="en-US" dirty="0"/>
-              <a:t>No linting</a:t>
-            </a:r>
-          </a:p>
-          <a:p>
-            <a:pPr marL="171450" indent="-171450">
-              <a:buFontTx/>
-              <a:buChar char="-"/>
-            </a:pPr>
+              <a:t>, </a:t>
+            </a:r>
+            <a:r>
+              <a:rPr lang="en-US" dirty="0" err="1"/>
+              <a:t>zipfile</a:t>
+            </a:r>
             <a:r>
               <a:rPr lang="en-US" dirty="0"/>
-              <a:t>No debugging</a:t>
-            </a:r>
-          </a:p>
-          <a:p>
-            <a:pPr marL="171450" indent="-171450">
-              <a:buFontTx/>
-              <a:buChar char="-"/>
-            </a:pPr>
+              <a:t>, </a:t>
+            </a:r>
+            <a:r>
+              <a:rPr lang="en-US" dirty="0" err="1"/>
+              <a:t>etc</a:t>
+            </a:r>
             <a:r>
               <a:rPr lang="en-US" dirty="0"/>
-              <a:t>Hard to re-use code</a:t>
-            </a:r>
-          </a:p>
-          <a:p>
-            <a:pPr marL="171450" indent="-171450">
-              <a:buFontTx/>
-              <a:buChar char="-"/>
-            </a:pPr>
-            <a:endParaRPr lang="en-US" dirty="0"/>
-          </a:p>
-          <a:p>
-            <a:pPr marL="0" indent="0">
-              <a:buFontTx/>
-              <a:buNone/>
-            </a:pPr>
-            <a:r>
-              <a:rPr lang="en-US" dirty="0"/>
-              <a:t>Some people also use Spyder, which has a </a:t>
-            </a:r>
-            <a:r>
-              <a:rPr lang="en-US" dirty="0" err="1"/>
-              <a:t>Matlab</a:t>
-            </a:r>
-            <a:r>
-              <a:rPr lang="en-US" dirty="0"/>
-              <a:t>-like feel, and is interactive, but without any of the reproducibility aspects of </a:t>
-            </a:r>
-            <a:r>
-              <a:rPr lang="en-US" dirty="0" err="1"/>
-              <a:t>Jupyter</a:t>
-            </a:r>
-            <a:r>
-              <a:rPr lang="en-US" dirty="0"/>
-              <a:t> Notebooks</a:t>
+              <a:t>)</a:t>
             </a:r>
           </a:p>
         </p:txBody>
@@ -933,7 +848,7 @@
     </p:spTree>
     <p:extLst>
       <p:ext uri="{BB962C8B-B14F-4D97-AF65-F5344CB8AC3E}">
-        <p14:creationId xmlns:p14="http://schemas.microsoft.com/office/powerpoint/2010/main" val="3894373632"/>
+        <p14:creationId xmlns:p14="http://schemas.microsoft.com/office/powerpoint/2010/main" val="582244282"/>
       </p:ext>
     </p:extLst>
   </p:cSld>
@@ -988,24 +903,59 @@
           <a:lstStyle/>
           <a:p>
             <a:r>
-              <a:rPr lang="en-US" dirty="0"/>
-              <a:t>Also used to be Enthought Canopy, Python </a:t>
-            </a:r>
-            <a:r>
-              <a:rPr lang="en-US" dirty="0" err="1"/>
-              <a:t>x,y</a:t>
-            </a:r>
-            <a:r>
-              <a:rPr lang="en-US" dirty="0"/>
-              <a:t>, etc.</a:t>
-            </a:r>
+              <a:rPr lang="en-US" sz="1200" b="0" i="0" kern="1200" dirty="0">
+                <a:solidFill>
+                  <a:schemeClr val="tx1"/>
+                </a:solidFill>
+                <a:effectLst/>
+                <a:latin typeface="Times New Roman" charset="0"/>
+                <a:ea typeface="ＭＳ Ｐゴシック" charset="0"/>
+                <a:cs typeface="ＭＳ Ｐゴシック" charset="0"/>
+              </a:rPr>
+              <a:t>Unlike </a:t>
+            </a:r>
+            <a:r>
+              <a:rPr lang="en-US" sz="1200" b="0" i="0" kern="1200" dirty="0" err="1">
+                <a:solidFill>
+                  <a:schemeClr val="tx1"/>
+                </a:solidFill>
+                <a:effectLst/>
+                <a:latin typeface="Times New Roman" charset="0"/>
+                <a:ea typeface="ＭＳ Ｐゴシック" charset="0"/>
+                <a:cs typeface="ＭＳ Ｐゴシック" charset="0"/>
+              </a:rPr>
+              <a:t>Matlab</a:t>
+            </a:r>
+            <a:r>
+              <a:rPr lang="en-US" sz="1200" b="0" i="0" kern="1200" dirty="0">
+                <a:solidFill>
+                  <a:schemeClr val="tx1"/>
+                </a:solidFill>
+                <a:effectLst/>
+                <a:latin typeface="Times New Roman" charset="0"/>
+                <a:ea typeface="ＭＳ Ｐゴシック" charset="0"/>
+                <a:cs typeface="ＭＳ Ｐゴシック" charset="0"/>
+              </a:rPr>
+              <a:t>, the set of Python tools used by scientists does not come from one single source. </a:t>
+            </a:r>
+            <a:r>
+              <a:rPr lang="en-US" b="0" i="0" dirty="0">
+                <a:solidFill>
+                  <a:srgbClr val="333333"/>
+                </a:solidFill>
+                <a:effectLst/>
+                <a:latin typeface="-apple-system"/>
+              </a:rPr>
+              <a:t>It is the result of a non-coordinated, chaotic and creative development process originating from a community of volunteers and professionals.</a:t>
+            </a:r>
+            <a:endParaRPr lang="en-US" dirty="0"/>
           </a:p>
         </p:txBody>
       </p:sp>
     </p:spTree>
     <p:extLst>
       <p:ext uri="{BB962C8B-B14F-4D97-AF65-F5344CB8AC3E}">
-        <p14:creationId xmlns:p14="http://schemas.microsoft.com/office/powerpoint/2010/main" val="2862730428"/>
+        <p14:creationId xmlns:p14="http://schemas.microsoft.com/office/powerpoint/2010/main" val="2120063468"/>
       </p:ext>
     </p:extLst>
   </p:cSld>
@@ -1061,7 +1011,15 @@
           <a:p>
             <a:r>
               <a:rPr lang="en-US" dirty="0"/>
-              <a:t>Your biggest collaborator may be your future self (6 months from now). If nothing else, following best practices helps them. Beyond that, following best practices can help others understand your code and not only reproduce your work, but potentially improve their work as well. They may even want to contribute back to your project.</a:t>
+              <a:t>Key benefits of </a:t>
+            </a:r>
+            <a:r>
+              <a:rPr lang="en-US" dirty="0" err="1"/>
+              <a:t>Jupyter</a:t>
+            </a:r>
+            <a:r>
+              <a:rPr lang="en-US" dirty="0"/>
+              <a:t> notebook are non-linear execution, and embedded plots and annotations</a:t>
             </a:r>
           </a:p>
           <a:p>
@@ -1070,7 +1028,70 @@
           <a:p>
             <a:r>
               <a:rPr lang="en-US" dirty="0"/>
-              <a:t>Best practices make open-source collaboration possible, and the relatively small groundwater modeling community has benefited enormously from this system, which gives us access to high quality software that is developed and used by tens to hundreds of millions of people worldwide.</a:t>
+              <a:t>Non-linear workflow is also key disadvantage- easy to write code that doesn’t work</a:t>
+            </a:r>
+          </a:p>
+          <a:p>
+            <a:pPr marL="171450" indent="-171450">
+              <a:buFontTx/>
+              <a:buChar char="-"/>
+            </a:pPr>
+            <a:r>
+              <a:rPr lang="en-US" dirty="0"/>
+              <a:t>No linting</a:t>
+            </a:r>
+          </a:p>
+          <a:p>
+            <a:pPr marL="171450" indent="-171450">
+              <a:buFontTx/>
+              <a:buChar char="-"/>
+            </a:pPr>
+            <a:r>
+              <a:rPr lang="en-US" dirty="0"/>
+              <a:t>No debugging</a:t>
+            </a:r>
+          </a:p>
+          <a:p>
+            <a:pPr marL="171450" indent="-171450">
+              <a:buFontTx/>
+              <a:buChar char="-"/>
+            </a:pPr>
+            <a:r>
+              <a:rPr lang="en-US" dirty="0"/>
+              <a:t>Hard to re-use code</a:t>
+            </a:r>
+          </a:p>
+          <a:p>
+            <a:pPr marL="171450" indent="-171450">
+              <a:buFontTx/>
+              <a:buChar char="-"/>
+            </a:pPr>
+            <a:endParaRPr lang="en-US" dirty="0"/>
+          </a:p>
+          <a:p>
+            <a:pPr marL="0" indent="0">
+              <a:buFontTx/>
+              <a:buNone/>
+            </a:pPr>
+            <a:r>
+              <a:rPr lang="en-US" dirty="0"/>
+              <a:t>Some people also use Spyder, which has a </a:t>
+            </a:r>
+            <a:r>
+              <a:rPr lang="en-US" dirty="0" err="1"/>
+              <a:t>Matlab</a:t>
+            </a:r>
+            <a:r>
+              <a:rPr lang="en-US" dirty="0"/>
+              <a:t>-like feel, and is interactive, but without any of the reproducibility aspects of </a:t>
+            </a:r>
+            <a:r>
+              <a:rPr lang="en-US" dirty="0" err="1"/>
+              <a:t>Jupyter</a:t>
+            </a:r>
+            <a:r>
+              <a:rPr lang="en-US" dirty="0"/>
+              <a:t> Notebooks</a:t>
             </a:r>
           </a:p>
         </p:txBody>
@@ -1078,7 +1099,658 @@
     </p:spTree>
     <p:extLst>
       <p:ext uri="{BB962C8B-B14F-4D97-AF65-F5344CB8AC3E}">
-        <p14:creationId xmlns:p14="http://schemas.microsoft.com/office/powerpoint/2010/main" val="3601924660"/>
+        <p14:creationId xmlns:p14="http://schemas.microsoft.com/office/powerpoint/2010/main" val="3894373632"/>
+      </p:ext>
+    </p:extLst>
+  </p:cSld>
+  <p:clrMapOvr>
+    <a:masterClrMapping/>
+  </p:clrMapOvr>
+</p:notes>
+</file>
+
+<file path=ppt/notesSlides/notesSlide15.xml><?xml version="1.0" encoding="utf-8"?>
+<p:notes xmlns:a="http://schemas.openxmlformats.org/drawingml/2006/main" xmlns:r="http://schemas.openxmlformats.org/officeDocument/2006/relationships" xmlns:p="http://schemas.openxmlformats.org/presentationml/2006/main">
+  <p:cSld>
+    <p:spTree>
+      <p:nvGrpSpPr>
+        <p:cNvPr id="1" name=""/>
+        <p:cNvGrpSpPr/>
+        <p:nvPr/>
+      </p:nvGrpSpPr>
+      <p:grpSpPr>
+        <a:xfrm>
+          <a:off x="0" y="0"/>
+          <a:ext cx="0" cy="0"/>
+          <a:chOff x="0" y="0"/>
+          <a:chExt cx="0" cy="0"/>
+        </a:xfrm>
+      </p:grpSpPr>
+      <p:sp>
+        <p:nvSpPr>
+          <p:cNvPr id="2" name="Slide Image Placeholder 1"/>
+          <p:cNvSpPr>
+            <a:spLocks noGrp="1" noRot="1" noChangeAspect="1"/>
+          </p:cNvSpPr>
+          <p:nvPr>
+            <p:ph type="sldImg"/>
+          </p:nvPr>
+        </p:nvSpPr>
+        <p:spPr/>
+      </p:sp>
+      <p:sp>
+        <p:nvSpPr>
+          <p:cNvPr id="3" name="Notes Placeholder 2"/>
+          <p:cNvSpPr>
+            <a:spLocks noGrp="1"/>
+          </p:cNvSpPr>
+          <p:nvPr>
+            <p:ph type="body" idx="1"/>
+          </p:nvPr>
+        </p:nvSpPr>
+        <p:spPr/>
+        <p:txBody>
+          <a:bodyPr/>
+          <a:lstStyle/>
+          <a:p>
+            <a:r>
+              <a:rPr lang="en-US" dirty="0"/>
+              <a:t>Also used to be Enthought Canopy, Python </a:t>
+            </a:r>
+            <a:r>
+              <a:rPr lang="en-US" dirty="0" err="1"/>
+              <a:t>x,y</a:t>
+            </a:r>
+            <a:r>
+              <a:rPr lang="en-US" dirty="0"/>
+              <a:t>, etc.</a:t>
+            </a:r>
+          </a:p>
+        </p:txBody>
+      </p:sp>
+    </p:spTree>
+    <p:extLst>
+      <p:ext uri="{BB962C8B-B14F-4D97-AF65-F5344CB8AC3E}">
+        <p14:creationId xmlns:p14="http://schemas.microsoft.com/office/powerpoint/2010/main" val="2862730428"/>
+      </p:ext>
+    </p:extLst>
+  </p:cSld>
+  <p:clrMapOvr>
+    <a:masterClrMapping/>
+  </p:clrMapOvr>
+</p:notes>
+</file>
+
+<file path=ppt/notesSlides/notesSlide16.xml><?xml version="1.0" encoding="utf-8"?>
+<p:notes xmlns:a="http://schemas.openxmlformats.org/drawingml/2006/main" xmlns:r="http://schemas.openxmlformats.org/officeDocument/2006/relationships" xmlns:p="http://schemas.openxmlformats.org/presentationml/2006/main">
+  <p:cSld>
+    <p:spTree>
+      <p:nvGrpSpPr>
+        <p:cNvPr id="1" name="">
+          <a:extLst>
+            <a:ext uri="{FF2B5EF4-FFF2-40B4-BE49-F238E27FC236}">
+              <a16:creationId xmlns:a16="http://schemas.microsoft.com/office/drawing/2014/main" id="{93B1FD25-F38E-B97E-748A-308ED8232E9D}"/>
+            </a:ext>
+          </a:extLst>
+        </p:cNvPr>
+        <p:cNvGrpSpPr/>
+        <p:nvPr/>
+      </p:nvGrpSpPr>
+      <p:grpSpPr>
+        <a:xfrm>
+          <a:off x="0" y="0"/>
+          <a:ext cx="0" cy="0"/>
+          <a:chOff x="0" y="0"/>
+          <a:chExt cx="0" cy="0"/>
+        </a:xfrm>
+      </p:grpSpPr>
+      <p:sp>
+        <p:nvSpPr>
+          <p:cNvPr id="2" name="Slide Image Placeholder 1">
+            <a:extLst>
+              <a:ext uri="{FF2B5EF4-FFF2-40B4-BE49-F238E27FC236}">
+                <a16:creationId xmlns:a16="http://schemas.microsoft.com/office/drawing/2014/main" id="{B358757B-B3BF-2677-1FC8-9E4B088C2DA5}"/>
+              </a:ext>
+            </a:extLst>
+          </p:cNvPr>
+          <p:cNvSpPr>
+            <a:spLocks noGrp="1" noRot="1" noChangeAspect="1"/>
+          </p:cNvSpPr>
+          <p:nvPr>
+            <p:ph type="sldImg"/>
+          </p:nvPr>
+        </p:nvSpPr>
+        <p:spPr/>
+      </p:sp>
+      <p:sp>
+        <p:nvSpPr>
+          <p:cNvPr id="3" name="Notes Placeholder 2">
+            <a:extLst>
+              <a:ext uri="{FF2B5EF4-FFF2-40B4-BE49-F238E27FC236}">
+                <a16:creationId xmlns:a16="http://schemas.microsoft.com/office/drawing/2014/main" id="{88B869C6-72EC-43C3-945C-41D48935965B}"/>
+              </a:ext>
+            </a:extLst>
+          </p:cNvPr>
+          <p:cNvSpPr>
+            <a:spLocks noGrp="1"/>
+          </p:cNvSpPr>
+          <p:nvPr>
+            <p:ph type="body" idx="1"/>
+          </p:nvPr>
+        </p:nvSpPr>
+        <p:spPr/>
+        <p:txBody>
+          <a:bodyPr/>
+          <a:lstStyle/>
+          <a:p>
+            <a:r>
+              <a:rPr lang="en-US" dirty="0"/>
+              <a:t>Also used to be Enthought Canopy, Python </a:t>
+            </a:r>
+            <a:r>
+              <a:rPr lang="en-US" dirty="0" err="1"/>
+              <a:t>x,y</a:t>
+            </a:r>
+            <a:r>
+              <a:rPr lang="en-US" dirty="0"/>
+              <a:t>, etc.</a:t>
+            </a:r>
+          </a:p>
+        </p:txBody>
+      </p:sp>
+    </p:spTree>
+    <p:extLst>
+      <p:ext uri="{BB962C8B-B14F-4D97-AF65-F5344CB8AC3E}">
+        <p14:creationId xmlns:p14="http://schemas.microsoft.com/office/powerpoint/2010/main" val="1089243098"/>
+      </p:ext>
+    </p:extLst>
+  </p:cSld>
+  <p:clrMapOvr>
+    <a:masterClrMapping/>
+  </p:clrMapOvr>
+</p:notes>
+</file>
+
+<file path=ppt/notesSlides/notesSlide17.xml><?xml version="1.0" encoding="utf-8"?>
+<p:notes xmlns:a="http://schemas.openxmlformats.org/drawingml/2006/main" xmlns:r="http://schemas.openxmlformats.org/officeDocument/2006/relationships" xmlns:p="http://schemas.openxmlformats.org/presentationml/2006/main">
+  <p:cSld>
+    <p:spTree>
+      <p:nvGrpSpPr>
+        <p:cNvPr id="1" name="">
+          <a:extLst>
+            <a:ext uri="{FF2B5EF4-FFF2-40B4-BE49-F238E27FC236}">
+              <a16:creationId xmlns:a16="http://schemas.microsoft.com/office/drawing/2014/main" id="{0CB0A4FE-9A4F-6205-E235-037D870CFC7E}"/>
+            </a:ext>
+          </a:extLst>
+        </p:cNvPr>
+        <p:cNvGrpSpPr/>
+        <p:nvPr/>
+      </p:nvGrpSpPr>
+      <p:grpSpPr>
+        <a:xfrm>
+          <a:off x="0" y="0"/>
+          <a:ext cx="0" cy="0"/>
+          <a:chOff x="0" y="0"/>
+          <a:chExt cx="0" cy="0"/>
+        </a:xfrm>
+      </p:grpSpPr>
+      <p:sp>
+        <p:nvSpPr>
+          <p:cNvPr id="2" name="Slide Image Placeholder 1">
+            <a:extLst>
+              <a:ext uri="{FF2B5EF4-FFF2-40B4-BE49-F238E27FC236}">
+                <a16:creationId xmlns:a16="http://schemas.microsoft.com/office/drawing/2014/main" id="{C1D29596-4B8F-9727-0015-7327B207F20D}"/>
+              </a:ext>
+            </a:extLst>
+          </p:cNvPr>
+          <p:cNvSpPr>
+            <a:spLocks noGrp="1" noRot="1" noChangeAspect="1"/>
+          </p:cNvSpPr>
+          <p:nvPr>
+            <p:ph type="sldImg"/>
+          </p:nvPr>
+        </p:nvSpPr>
+        <p:spPr/>
+      </p:sp>
+      <p:sp>
+        <p:nvSpPr>
+          <p:cNvPr id="3" name="Notes Placeholder 2">
+            <a:extLst>
+              <a:ext uri="{FF2B5EF4-FFF2-40B4-BE49-F238E27FC236}">
+                <a16:creationId xmlns:a16="http://schemas.microsoft.com/office/drawing/2014/main" id="{9968AC4A-C7B1-3A4C-EF90-DAC22313D772}"/>
+              </a:ext>
+            </a:extLst>
+          </p:cNvPr>
+          <p:cNvSpPr>
+            <a:spLocks noGrp="1"/>
+          </p:cNvSpPr>
+          <p:nvPr>
+            <p:ph type="body" idx="1"/>
+          </p:nvPr>
+        </p:nvSpPr>
+        <p:spPr/>
+        <p:txBody>
+          <a:bodyPr/>
+          <a:lstStyle/>
+          <a:p>
+            <a:r>
+              <a:rPr lang="en-US" dirty="0"/>
+              <a:t>Also used to be Enthought Canopy, Python </a:t>
+            </a:r>
+            <a:r>
+              <a:rPr lang="en-US" dirty="0" err="1"/>
+              <a:t>x,y</a:t>
+            </a:r>
+            <a:r>
+              <a:rPr lang="en-US" dirty="0"/>
+              <a:t>, etc.</a:t>
+            </a:r>
+          </a:p>
+          <a:p>
+            <a:endParaRPr lang="en-US" dirty="0"/>
+          </a:p>
+          <a:p>
+            <a:r>
+              <a:rPr lang="en-US" dirty="0"/>
+              <a:t>Conflicts between</a:t>
+            </a:r>
+          </a:p>
+        </p:txBody>
+      </p:sp>
+    </p:spTree>
+    <p:extLst>
+      <p:ext uri="{BB962C8B-B14F-4D97-AF65-F5344CB8AC3E}">
+        <p14:creationId xmlns:p14="http://schemas.microsoft.com/office/powerpoint/2010/main" val="1370179787"/>
+      </p:ext>
+    </p:extLst>
+  </p:cSld>
+  <p:clrMapOvr>
+    <a:masterClrMapping/>
+  </p:clrMapOvr>
+</p:notes>
+</file>
+
+<file path=ppt/notesSlides/notesSlide18.xml><?xml version="1.0" encoding="utf-8"?>
+<p:notes xmlns:a="http://schemas.openxmlformats.org/drawingml/2006/main" xmlns:r="http://schemas.openxmlformats.org/officeDocument/2006/relationships" xmlns:p="http://schemas.openxmlformats.org/presentationml/2006/main">
+  <p:cSld>
+    <p:spTree>
+      <p:nvGrpSpPr>
+        <p:cNvPr id="1" name="">
+          <a:extLst>
+            <a:ext uri="{FF2B5EF4-FFF2-40B4-BE49-F238E27FC236}">
+              <a16:creationId xmlns:a16="http://schemas.microsoft.com/office/drawing/2014/main" id="{A9281D6C-44FB-677E-B122-07E8D06FEB85}"/>
+            </a:ext>
+          </a:extLst>
+        </p:cNvPr>
+        <p:cNvGrpSpPr/>
+        <p:nvPr/>
+      </p:nvGrpSpPr>
+      <p:grpSpPr>
+        <a:xfrm>
+          <a:off x="0" y="0"/>
+          <a:ext cx="0" cy="0"/>
+          <a:chOff x="0" y="0"/>
+          <a:chExt cx="0" cy="0"/>
+        </a:xfrm>
+      </p:grpSpPr>
+      <p:sp>
+        <p:nvSpPr>
+          <p:cNvPr id="2" name="Slide Image Placeholder 1">
+            <a:extLst>
+              <a:ext uri="{FF2B5EF4-FFF2-40B4-BE49-F238E27FC236}">
+                <a16:creationId xmlns:a16="http://schemas.microsoft.com/office/drawing/2014/main" id="{52C6B53E-D198-3A02-E0DF-B0822EB6ACA4}"/>
+              </a:ext>
+            </a:extLst>
+          </p:cNvPr>
+          <p:cNvSpPr>
+            <a:spLocks noGrp="1" noRot="1" noChangeAspect="1"/>
+          </p:cNvSpPr>
+          <p:nvPr>
+            <p:ph type="sldImg"/>
+          </p:nvPr>
+        </p:nvSpPr>
+        <p:spPr/>
+      </p:sp>
+      <p:sp>
+        <p:nvSpPr>
+          <p:cNvPr id="3" name="Notes Placeholder 2">
+            <a:extLst>
+              <a:ext uri="{FF2B5EF4-FFF2-40B4-BE49-F238E27FC236}">
+                <a16:creationId xmlns:a16="http://schemas.microsoft.com/office/drawing/2014/main" id="{3D5E817D-F203-1858-644F-C6A25D231B9E}"/>
+              </a:ext>
+            </a:extLst>
+          </p:cNvPr>
+          <p:cNvSpPr>
+            <a:spLocks noGrp="1"/>
+          </p:cNvSpPr>
+          <p:nvPr>
+            <p:ph type="body" idx="1"/>
+          </p:nvPr>
+        </p:nvSpPr>
+        <p:spPr/>
+        <p:txBody>
+          <a:bodyPr/>
+          <a:lstStyle/>
+          <a:p>
+            <a:pPr marL="0" marR="0" lvl="0" indent="0" algn="l" defTabSz="914400" rtl="0" eaLnBrk="0" fontAlgn="base" latinLnBrk="0" hangingPunct="0">
+              <a:lnSpc>
+                <a:spcPct val="100000"/>
+              </a:lnSpc>
+              <a:spcBef>
+                <a:spcPct val="30000"/>
+              </a:spcBef>
+              <a:spcAft>
+                <a:spcPct val="0"/>
+              </a:spcAft>
+              <a:buClrTx/>
+              <a:buSzTx/>
+              <a:buFontTx/>
+              <a:buNone/>
+              <a:tabLst/>
+              <a:defRPr/>
+            </a:pPr>
+            <a:r>
+              <a:rPr lang="en-US" dirty="0"/>
+              <a:t>The constantly changing nature of open-source software and potential for dependency conflict is one reason why package managers are critical.</a:t>
+            </a:r>
+          </a:p>
+          <a:p>
+            <a:pPr marL="0" marR="0" lvl="0" indent="0" algn="l" defTabSz="914400" rtl="0" eaLnBrk="0" fontAlgn="base" latinLnBrk="0" hangingPunct="0">
+              <a:lnSpc>
+                <a:spcPct val="100000"/>
+              </a:lnSpc>
+              <a:spcBef>
+                <a:spcPct val="30000"/>
+              </a:spcBef>
+              <a:spcAft>
+                <a:spcPct val="0"/>
+              </a:spcAft>
+              <a:buClrTx/>
+              <a:buSzTx/>
+              <a:buFontTx/>
+              <a:buNone/>
+              <a:tabLst/>
+              <a:defRPr/>
+            </a:pPr>
+            <a:endParaRPr lang="en-US" dirty="0"/>
+          </a:p>
+          <a:p>
+            <a:pPr marL="0" marR="0" lvl="0" indent="0" algn="l" defTabSz="914400" rtl="0" eaLnBrk="0" fontAlgn="base" latinLnBrk="0" hangingPunct="0">
+              <a:lnSpc>
+                <a:spcPct val="100000"/>
+              </a:lnSpc>
+              <a:spcBef>
+                <a:spcPct val="30000"/>
+              </a:spcBef>
+              <a:spcAft>
+                <a:spcPct val="0"/>
+              </a:spcAft>
+              <a:buClrTx/>
+              <a:buSzTx/>
+              <a:buFontTx/>
+              <a:buNone/>
+              <a:tabLst/>
+              <a:defRPr/>
+            </a:pPr>
+            <a:r>
+              <a:rPr lang="en-US" dirty="0"/>
+              <a:t>Examples</a:t>
+            </a:r>
+          </a:p>
+          <a:p>
+            <a:pPr marL="171450" marR="0" lvl="0" indent="-171450" algn="l" defTabSz="914400" rtl="0" eaLnBrk="0" fontAlgn="base" latinLnBrk="0" hangingPunct="0">
+              <a:lnSpc>
+                <a:spcPct val="100000"/>
+              </a:lnSpc>
+              <a:spcBef>
+                <a:spcPct val="30000"/>
+              </a:spcBef>
+              <a:spcAft>
+                <a:spcPct val="0"/>
+              </a:spcAft>
+              <a:buClrTx/>
+              <a:buSzTx/>
+              <a:buFont typeface="Arial" panose="020B0604020202020204" pitchFamily="34" charset="0"/>
+              <a:buChar char="•"/>
+              <a:tabLst/>
+              <a:defRPr/>
+            </a:pPr>
+            <a:r>
+              <a:rPr lang="en-US" dirty="0"/>
+              <a:t>You have a project that’s almost done, and you don’t want to refactor your codebase to fix breaking changes in a dependency. But you also want to start the next project fresh with the latest versions.</a:t>
+            </a:r>
+          </a:p>
+          <a:p>
+            <a:pPr marL="171450" marR="0" lvl="0" indent="-171450" algn="l" defTabSz="914400" rtl="0" eaLnBrk="0" fontAlgn="base" latinLnBrk="0" hangingPunct="0">
+              <a:lnSpc>
+                <a:spcPct val="100000"/>
+              </a:lnSpc>
+              <a:spcBef>
+                <a:spcPct val="30000"/>
+              </a:spcBef>
+              <a:spcAft>
+                <a:spcPct val="0"/>
+              </a:spcAft>
+              <a:buClrTx/>
+              <a:buSzTx/>
+              <a:buFont typeface="Arial" panose="020B0604020202020204" pitchFamily="34" charset="0"/>
+              <a:buChar char="•"/>
+              <a:tabLst/>
+              <a:defRPr/>
+            </a:pPr>
+            <a:r>
+              <a:rPr lang="en-US" dirty="0"/>
+              <a:t>You bricked a Python environment somehow, and don’t want to have to reinstall everything</a:t>
+            </a:r>
+          </a:p>
+          <a:p>
+            <a:pPr marL="171450" marR="0" lvl="0" indent="-171450" algn="l" defTabSz="914400" rtl="0" eaLnBrk="0" fontAlgn="base" latinLnBrk="0" hangingPunct="0">
+              <a:lnSpc>
+                <a:spcPct val="100000"/>
+              </a:lnSpc>
+              <a:spcBef>
+                <a:spcPct val="30000"/>
+              </a:spcBef>
+              <a:spcAft>
+                <a:spcPct val="0"/>
+              </a:spcAft>
+              <a:buClrTx/>
+              <a:buSzTx/>
+              <a:buFont typeface="Arial" panose="020B0604020202020204" pitchFamily="34" charset="0"/>
+              <a:buChar char="•"/>
+              <a:tabLst/>
+              <a:defRPr/>
+            </a:pPr>
+            <a:r>
+              <a:rPr lang="en-US" dirty="0"/>
+              <a:t>You create a </a:t>
+            </a:r>
+            <a:r>
+              <a:rPr lang="en-US" dirty="0" err="1"/>
+              <a:t>Jupyter</a:t>
+            </a:r>
+            <a:r>
+              <a:rPr lang="en-US" dirty="0"/>
+              <a:t> Notebook demo for a cooperator, or want to collaborate on a workflow or code base. You want to make sure that the other people are running the exact same versions of packages that you are, but you don’t want to share all of the packages that you each use for every task.</a:t>
+            </a:r>
+          </a:p>
+          <a:p>
+            <a:pPr marL="171450" marR="0" lvl="0" indent="-171450" algn="l" defTabSz="914400" rtl="0" eaLnBrk="0" fontAlgn="base" latinLnBrk="0" hangingPunct="0">
+              <a:lnSpc>
+                <a:spcPct val="100000"/>
+              </a:lnSpc>
+              <a:spcBef>
+                <a:spcPct val="30000"/>
+              </a:spcBef>
+              <a:spcAft>
+                <a:spcPct val="0"/>
+              </a:spcAft>
+              <a:buClrTx/>
+              <a:buSzTx/>
+              <a:buFont typeface="Arial" panose="020B0604020202020204" pitchFamily="34" charset="0"/>
+              <a:buChar char="•"/>
+              <a:tabLst/>
+              <a:defRPr/>
+            </a:pPr>
+            <a:r>
+              <a:rPr lang="en-US" dirty="0"/>
+              <a:t>You are maintaining a Python package, and want to test it against multiple versions of python, and potentially, multiple versions of dependencies</a:t>
+            </a:r>
+          </a:p>
+          <a:p>
+            <a:pPr marL="171450" marR="0" lvl="0" indent="-171450" algn="l" defTabSz="914400" rtl="0" eaLnBrk="0" fontAlgn="base" latinLnBrk="0" hangingPunct="0">
+              <a:lnSpc>
+                <a:spcPct val="100000"/>
+              </a:lnSpc>
+              <a:spcBef>
+                <a:spcPct val="30000"/>
+              </a:spcBef>
+              <a:spcAft>
+                <a:spcPct val="0"/>
+              </a:spcAft>
+              <a:buClrTx/>
+              <a:buSzTx/>
+              <a:buFont typeface="Arial" panose="020B0604020202020204" pitchFamily="34" charset="0"/>
+              <a:buChar char="•"/>
+              <a:tabLst/>
+              <a:defRPr/>
+            </a:pPr>
+            <a:endParaRPr lang="en-US" dirty="0"/>
+          </a:p>
+          <a:p>
+            <a:pPr marL="0" marR="0" lvl="0" indent="0" algn="l" defTabSz="914400" rtl="0" eaLnBrk="0" fontAlgn="base" latinLnBrk="0" hangingPunct="0">
+              <a:lnSpc>
+                <a:spcPct val="100000"/>
+              </a:lnSpc>
+              <a:spcBef>
+                <a:spcPct val="30000"/>
+              </a:spcBef>
+              <a:spcAft>
+                <a:spcPct val="0"/>
+              </a:spcAft>
+              <a:buClrTx/>
+              <a:buSzTx/>
+              <a:buFont typeface="Arial" panose="020B0604020202020204" pitchFamily="34" charset="0"/>
+              <a:buNone/>
+              <a:tabLst/>
+              <a:defRPr/>
+            </a:pPr>
+            <a:r>
+              <a:rPr lang="en-US" dirty="0"/>
+              <a:t>Conda is pretty efficient at sharing packages across environments where appropriate, to minimize the disk space needed.</a:t>
+            </a:r>
+          </a:p>
+          <a:p>
+            <a:pPr marL="0" marR="0" lvl="0" indent="0" algn="l" defTabSz="914400" rtl="0" eaLnBrk="0" fontAlgn="base" latinLnBrk="0" hangingPunct="0">
+              <a:lnSpc>
+                <a:spcPct val="100000"/>
+              </a:lnSpc>
+              <a:spcBef>
+                <a:spcPct val="30000"/>
+              </a:spcBef>
+              <a:spcAft>
+                <a:spcPct val="0"/>
+              </a:spcAft>
+              <a:buClrTx/>
+              <a:buSzTx/>
+              <a:buFontTx/>
+              <a:buNone/>
+              <a:tabLst/>
+              <a:defRPr/>
+            </a:pPr>
+            <a:endParaRPr lang="en-US" dirty="0"/>
+          </a:p>
+          <a:p>
+            <a:endParaRPr lang="en-US" dirty="0"/>
+          </a:p>
+        </p:txBody>
+      </p:sp>
+    </p:spTree>
+    <p:extLst>
+      <p:ext uri="{BB962C8B-B14F-4D97-AF65-F5344CB8AC3E}">
+        <p14:creationId xmlns:p14="http://schemas.microsoft.com/office/powerpoint/2010/main" val="3526146366"/>
+      </p:ext>
+    </p:extLst>
+  </p:cSld>
+  <p:clrMapOvr>
+    <a:masterClrMapping/>
+  </p:clrMapOvr>
+</p:notes>
+</file>
+
+<file path=ppt/notesSlides/notesSlide19.xml><?xml version="1.0" encoding="utf-8"?>
+<p:notes xmlns:a="http://schemas.openxmlformats.org/drawingml/2006/main" xmlns:r="http://schemas.openxmlformats.org/officeDocument/2006/relationships" xmlns:p="http://schemas.openxmlformats.org/presentationml/2006/main">
+  <p:cSld>
+    <p:spTree>
+      <p:nvGrpSpPr>
+        <p:cNvPr id="1" name=""/>
+        <p:cNvGrpSpPr/>
+        <p:nvPr/>
+      </p:nvGrpSpPr>
+      <p:grpSpPr>
+        <a:xfrm>
+          <a:off x="0" y="0"/>
+          <a:ext cx="0" cy="0"/>
+          <a:chOff x="0" y="0"/>
+          <a:chExt cx="0" cy="0"/>
+        </a:xfrm>
+      </p:grpSpPr>
+      <p:sp>
+        <p:nvSpPr>
+          <p:cNvPr id="2" name="Slide Image Placeholder 1"/>
+          <p:cNvSpPr>
+            <a:spLocks noGrp="1" noRot="1" noChangeAspect="1"/>
+          </p:cNvSpPr>
+          <p:nvPr>
+            <p:ph type="sldImg"/>
+          </p:nvPr>
+        </p:nvSpPr>
+        <p:spPr/>
+      </p:sp>
+      <p:sp>
+        <p:nvSpPr>
+          <p:cNvPr id="3" name="Notes Placeholder 2"/>
+          <p:cNvSpPr>
+            <a:spLocks noGrp="1"/>
+          </p:cNvSpPr>
+          <p:nvPr>
+            <p:ph type="body" idx="1"/>
+          </p:nvPr>
+        </p:nvSpPr>
+        <p:spPr/>
+        <p:txBody>
+          <a:bodyPr/>
+          <a:lstStyle/>
+          <a:p>
+            <a:r>
+              <a:rPr lang="en-US" dirty="0" err="1"/>
+              <a:t>Major.Minor.Patch</a:t>
+            </a:r>
+            <a:endParaRPr lang="en-US" dirty="0"/>
+          </a:p>
+          <a:p>
+            <a:endParaRPr lang="en-US" dirty="0"/>
+          </a:p>
+          <a:p>
+            <a:r>
+              <a:rPr lang="en-US" dirty="0"/>
+              <a:t>Python 3.13 is available on </a:t>
+            </a:r>
+            <a:r>
+              <a:rPr lang="en-US" dirty="0" err="1"/>
+              <a:t>conda</a:t>
+            </a:r>
+            <a:r>
+              <a:rPr lang="en-US" dirty="0"/>
+              <a:t>-forge. Python 3.14 is due out later this year.</a:t>
+            </a:r>
+          </a:p>
+        </p:txBody>
+      </p:sp>
+    </p:spTree>
+    <p:extLst>
+      <p:ext uri="{BB962C8B-B14F-4D97-AF65-F5344CB8AC3E}">
+        <p14:creationId xmlns:p14="http://schemas.microsoft.com/office/powerpoint/2010/main" val="160621742"/>
       </p:ext>
     </p:extLst>
   </p:cSld>
@@ -1134,7 +1806,7 @@
           <a:p>
             <a:r>
               <a:rPr lang="en-US" dirty="0"/>
-              <a:t>Really these are motivations for scripting; we talk about python specifically in a few slides.</a:t>
+              <a:t>The first two of these are probably apparent the instant you successfully run a script that automates a process or answers a question that couldn’t have been answered.</a:t>
             </a:r>
           </a:p>
           <a:p>
@@ -1210,21 +1882,24 @@
           <a:p>
             <a:r>
               <a:rPr lang="en-US" dirty="0"/>
-              <a:t>Full replication is still very difficult, but Python can help us move further along the reproducibility spectrum.</a:t>
+              <a:t>Advances in collective knowledge and the authority of science rest on consensus, not the work of a single person or the authority of an expert. Consensus usually requires reproducibility.</a:t>
             </a:r>
           </a:p>
           <a:p>
             <a:endParaRPr lang="en-US" dirty="0"/>
           </a:p>
           <a:p>
-            <a:endParaRPr lang="en-US" dirty="0"/>
+            <a:r>
+              <a:rPr lang="en-US" dirty="0"/>
+              <a:t>Repeatability of a workflow or study can ultimately enable reproducibility.</a:t>
+            </a:r>
           </a:p>
         </p:txBody>
       </p:sp>
     </p:spTree>
     <p:extLst>
       <p:ext uri="{BB962C8B-B14F-4D97-AF65-F5344CB8AC3E}">
-        <p14:creationId xmlns:p14="http://schemas.microsoft.com/office/powerpoint/2010/main" val="3043798384"/>
+        <p14:creationId xmlns:p14="http://schemas.microsoft.com/office/powerpoint/2010/main" val="1281323172"/>
       </p:ext>
     </p:extLst>
   </p:cSld>
@@ -1279,7 +1954,7 @@
           <a:lstStyle/>
           <a:p>
             <a:r>
-              <a:rPr lang="en-US" sz="1200" b="0" i="0" kern="1200" dirty="0">
+              <a:rPr lang="en-US" sz="1200" kern="1200" dirty="0">
                 <a:solidFill>
                   <a:schemeClr val="tx1"/>
                 </a:solidFill>
@@ -1288,23 +1963,10 @@
                 <a:ea typeface="ＭＳ Ｐゴシック" charset="0"/>
                 <a:cs typeface="ＭＳ Ｐゴシック" charset="0"/>
               </a:rPr>
-              <a:t>...In December 1989, I was looking for a "hobby" programming project that would keep me occupied during the week around Christmas. My office ... would be closed, but I had a home computer, and not much else on my hands. I decided to write an interpreter for the new scripting language I had been thinking about lately: a descendant of </a:t>
-            </a:r>
-            <a:r>
-              <a:rPr lang="en-US" sz="1200" b="0" i="0" u="none" strike="noStrike" kern="1200" dirty="0">
-                <a:solidFill>
-                  <a:schemeClr val="tx1"/>
-                </a:solidFill>
-                <a:effectLst/>
-                <a:latin typeface="Times New Roman" charset="0"/>
-                <a:ea typeface="ＭＳ Ｐゴシック" charset="0"/>
-                <a:cs typeface="ＭＳ Ｐゴシック" charset="0"/>
-                <a:hlinkClick r:id="rId3" tooltip="ABC (programming language)"/>
-              </a:rPr>
-              <a:t>ABC</a:t>
-            </a:r>
-            <a:r>
-              <a:rPr lang="en-US" sz="1200" b="0" i="0" kern="1200" dirty="0">
+              <a:t>Example: the </a:t>
+            </a:r>
+            <a:r>
+              <a:rPr lang="en-US" sz="1200" b="1" i="1" kern="1200" dirty="0">
                 <a:solidFill>
                   <a:schemeClr val="tx1"/>
                 </a:solidFill>
@@ -1313,23 +1975,10 @@
                 <a:ea typeface="ＭＳ Ｐゴシック" charset="0"/>
                 <a:cs typeface="ＭＳ Ｐゴシック" charset="0"/>
               </a:rPr>
-              <a:t> that would appeal to </a:t>
-            </a:r>
-            <a:r>
-              <a:rPr lang="en-US" sz="1200" b="0" i="0" u="none" strike="noStrike" kern="1200" dirty="0">
-                <a:solidFill>
-                  <a:schemeClr val="tx1"/>
-                </a:solidFill>
-                <a:effectLst/>
-                <a:latin typeface="Times New Roman" charset="0"/>
-                <a:ea typeface="ＭＳ Ｐゴシック" charset="0"/>
-                <a:cs typeface="ＭＳ Ｐゴシック" charset="0"/>
-                <a:hlinkClick r:id="rId4" tooltip="Unix"/>
-              </a:rPr>
-              <a:t>Unix</a:t>
-            </a:r>
-            <a:r>
-              <a:rPr lang="en-US" sz="1200" b="0" i="0" kern="1200" dirty="0">
+              <a:t>pandas</a:t>
+            </a:r>
+            <a:r>
+              <a:rPr lang="en-US" sz="1200" kern="1200" dirty="0">
                 <a:solidFill>
                   <a:schemeClr val="tx1"/>
                 </a:solidFill>
@@ -1338,23 +1987,12 @@
                 <a:ea typeface="ＭＳ Ｐゴシック" charset="0"/>
                 <a:cs typeface="ＭＳ Ｐゴシック" charset="0"/>
               </a:rPr>
-              <a:t>/</a:t>
-            </a:r>
-            <a:r>
-              <a:rPr lang="en-US" sz="1200" b="0" i="0" u="none" strike="noStrike" kern="1200" dirty="0">
-                <a:solidFill>
-                  <a:schemeClr val="tx1"/>
-                </a:solidFill>
-                <a:effectLst/>
-                <a:latin typeface="Times New Roman" charset="0"/>
-                <a:ea typeface="ＭＳ Ｐゴシック" charset="0"/>
-                <a:cs typeface="ＭＳ Ｐゴシック" charset="0"/>
-                <a:hlinkClick r:id="rId5" tooltip="C (programming language)"/>
-              </a:rPr>
-              <a:t>C</a:t>
-            </a:r>
-            <a:r>
-              <a:rPr lang="en-US" sz="1200" b="0" i="0" kern="1200" dirty="0">
+              <a:t> python library was originally developed for quantitative finance, but now we can use it in [less well-</a:t>
+            </a:r>
+          </a:p>
+          <a:p>
+            <a:r>
+              <a:rPr lang="en-US" sz="1200" kern="1200" dirty="0">
                 <a:solidFill>
                   <a:schemeClr val="tx1"/>
                 </a:solidFill>
@@ -1363,23 +2001,12 @@
                 <a:ea typeface="ＭＳ Ｐゴシック" charset="0"/>
                 <a:cs typeface="ＭＳ Ｐゴシック" charset="0"/>
               </a:rPr>
-              <a:t> </a:t>
-            </a:r>
-            <a:r>
-              <a:rPr lang="en-US" sz="1200" b="0" i="0" u="none" strike="noStrike" kern="1200" dirty="0">
-                <a:solidFill>
-                  <a:schemeClr val="tx1"/>
-                </a:solidFill>
-                <a:effectLst/>
-                <a:latin typeface="Times New Roman" charset="0"/>
-                <a:ea typeface="ＭＳ Ｐゴシック" charset="0"/>
-                <a:cs typeface="ＭＳ Ｐゴシック" charset="0"/>
-                <a:hlinkClick r:id="rId6" tooltip="Hacker (programmer subculture)"/>
-              </a:rPr>
-              <a:t>hackers</a:t>
-            </a:r>
-            <a:r>
-              <a:rPr lang="en-US" sz="1200" b="0" i="0" kern="1200" dirty="0">
+              <a:t>funded] water resources work</a:t>
+            </a:r>
+          </a:p>
+          <a:p>
+            <a:r>
+              <a:rPr lang="en-US" sz="1200" kern="1200" dirty="0">
                 <a:solidFill>
                   <a:schemeClr val="tx1"/>
                 </a:solidFill>
@@ -1388,20 +2015,7 @@
                 <a:ea typeface="ＭＳ Ｐゴシック" charset="0"/>
                 <a:cs typeface="ＭＳ Ｐゴシック" charset="0"/>
               </a:rPr>
-              <a:t>. I chose Python as a working title for the project, being in a slightly irreverent mood (and a big fan of </a:t>
-            </a:r>
-            <a:r>
-              <a:rPr lang="en-US" sz="1200" b="0" i="1" u="none" strike="noStrike" kern="1200" dirty="0">
-                <a:solidFill>
-                  <a:schemeClr val="tx1"/>
-                </a:solidFill>
-                <a:effectLst/>
-                <a:latin typeface="Times New Roman" charset="0"/>
-                <a:ea typeface="ＭＳ Ｐゴシック" charset="0"/>
-                <a:cs typeface="ＭＳ Ｐゴシック" charset="0"/>
-                <a:hlinkClick r:id="rId7" tooltip="Monty Python's Flying Circus"/>
-              </a:rPr>
-              <a:t>Monty Python's Flying Circus</a:t>
+              <a:t>* Conda was developed "</a:t>
             </a:r>
             <a:r>
               <a:rPr lang="en-US" sz="1200" b="0" i="0" kern="1200" dirty="0">
@@ -1413,12 +2027,10 @@
                 <a:ea typeface="ＭＳ Ｐゴシック" charset="0"/>
                 <a:cs typeface="ＭＳ Ｐゴシック" charset="0"/>
               </a:rPr>
-              <a:t>).</a:t>
-            </a:r>
-          </a:p>
-          <a:p>
-            <a:r>
-              <a:rPr lang="en-US" sz="1200" b="0" i="0" kern="1200" dirty="0">
+              <a:t>out of [a] need to bring Python into business data analytics. ” (https://</a:t>
+            </a:r>
+            <a:r>
+              <a:rPr lang="en-US" sz="1200" b="0" i="0" kern="1200" dirty="0" err="1">
                 <a:solidFill>
                   <a:schemeClr val="tx1"/>
                 </a:solidFill>
@@ -1427,10 +2039,10 @@
                 <a:ea typeface="ＭＳ Ｐゴシック" charset="0"/>
                 <a:cs typeface="ＭＳ Ｐゴシック" charset="0"/>
               </a:rPr>
-              <a:t>— </a:t>
-            </a:r>
-            <a:r>
-              <a:rPr lang="en-US" sz="1200" b="0" i="1" kern="1200" dirty="0">
+              <a:t>www.anaconda.com</a:t>
+            </a:r>
+            <a:r>
+              <a:rPr lang="en-US" sz="1200" b="0" i="0" kern="1200" dirty="0">
                 <a:solidFill>
                   <a:schemeClr val="tx1"/>
                 </a:solidFill>
@@ -1439,9 +2051,9 @@
                 <a:ea typeface="ＭＳ Ｐゴシック" charset="0"/>
                 <a:cs typeface="ＭＳ Ｐゴシック" charset="0"/>
               </a:rPr>
-              <a:t>Guido van Rossum</a:t>
-            </a:r>
-            <a:endParaRPr lang="en-US" sz="1200" b="0" i="0" kern="1200" dirty="0">
+              <a:t>/about-us)</a:t>
+            </a:r>
+            <a:endParaRPr lang="en-US" sz="1200" kern="1200" dirty="0">
               <a:solidFill>
                 <a:schemeClr val="tx1"/>
               </a:solidFill>
@@ -1452,6 +2064,59 @@
             </a:endParaRPr>
           </a:p>
           <a:p>
+            <a:r>
+              <a:rPr lang="en-US" sz="1200" kern="1200" dirty="0">
+                <a:solidFill>
+                  <a:schemeClr val="tx1"/>
+                </a:solidFill>
+                <a:effectLst/>
+                <a:latin typeface="Times New Roman" charset="0"/>
+                <a:ea typeface="ＭＳ Ｐゴシック" charset="0"/>
+                <a:cs typeface="ＭＳ Ｐゴシック" charset="0"/>
+              </a:rPr>
+              <a:t>• Example: MODFLOW provides for free what might otherwise cost tens of thousands in license fees</a:t>
+            </a:r>
+          </a:p>
+          <a:p>
+            <a:r>
+              <a:rPr lang="en-US" sz="1200" kern="1200" dirty="0">
+                <a:solidFill>
+                  <a:schemeClr val="tx1"/>
+                </a:solidFill>
+                <a:effectLst/>
+                <a:latin typeface="Times New Roman" charset="0"/>
+                <a:ea typeface="ＭＳ Ｐゴシック" charset="0"/>
+                <a:cs typeface="ＭＳ Ｐゴシック" charset="0"/>
+              </a:rPr>
+              <a:t>• High-quality open code, worked examples and other educational materials can help fill apprenticeship/mentoring gap for</a:t>
+            </a:r>
+          </a:p>
+          <a:p>
+            <a:r>
+              <a:rPr lang="en-US" sz="1200" kern="1200" dirty="0">
+                <a:solidFill>
+                  <a:schemeClr val="tx1"/>
+                </a:solidFill>
+                <a:effectLst/>
+                <a:latin typeface="Times New Roman" charset="0"/>
+                <a:ea typeface="ＭＳ Ｐゴシック" charset="0"/>
+                <a:cs typeface="ＭＳ Ｐゴシック" charset="0"/>
+              </a:rPr>
+              <a:t>those without access</a:t>
+            </a:r>
+          </a:p>
+          <a:p>
+            <a:endParaRPr lang="en-US" sz="1200" kern="1200" dirty="0">
+              <a:solidFill>
+                <a:schemeClr val="tx1"/>
+              </a:solidFill>
+              <a:effectLst/>
+              <a:latin typeface="Times New Roman" charset="0"/>
+              <a:ea typeface="ＭＳ Ｐゴシック" charset="0"/>
+              <a:cs typeface="ＭＳ Ｐゴシック" charset="0"/>
+            </a:endParaRPr>
+          </a:p>
+          <a:p>
             <a:endParaRPr lang="en-US" dirty="0"/>
           </a:p>
         </p:txBody>
@@ -1459,7 +2124,7 @@
     </p:spTree>
     <p:extLst>
       <p:ext uri="{BB962C8B-B14F-4D97-AF65-F5344CB8AC3E}">
-        <p14:creationId xmlns:p14="http://schemas.microsoft.com/office/powerpoint/2010/main" val="2286891398"/>
+        <p14:creationId xmlns:p14="http://schemas.microsoft.com/office/powerpoint/2010/main" val="3633533955"/>
       </p:ext>
     </p:extLst>
   </p:cSld>
@@ -1514,7 +2179,25 @@
           <a:lstStyle/>
           <a:p>
             <a:r>
-              <a:rPr lang="en-US" sz="1200" b="0" i="0" kern="1200" dirty="0">
+              <a:rPr lang="en-US" dirty="0"/>
+              <a:t>Full replication is still very difficult.</a:t>
+            </a:r>
+          </a:p>
+          <a:p>
+            <a:endParaRPr lang="en-US" dirty="0"/>
+          </a:p>
+          <a:p>
+            <a:r>
+              <a:rPr lang="en-US" dirty="0"/>
+              <a:t>The goal of this class is to help you on your journey down the spectrum.</a:t>
+            </a:r>
+          </a:p>
+          <a:p>
+            <a:endParaRPr lang="en-US" dirty="0"/>
+          </a:p>
+          <a:p>
+            <a:r>
+              <a:rPr lang="en-US" sz="1200" b="1" kern="1200" dirty="0">
                 <a:solidFill>
                   <a:schemeClr val="tx1"/>
                 </a:solidFill>
@@ -1523,160 +2206,9 @@
                 <a:ea typeface="ＭＳ Ｐゴシック" charset="0"/>
                 <a:cs typeface="ＭＳ Ｐゴシック" charset="0"/>
               </a:rPr>
-              <a:t>...In December 1989, I was looking for a "hobby" programming project that would keep me occupied during the week around Christmas. My office ... would be closed, but I had a home computer, and not much else on my hands. I decided to write an interpreter for the new scripting language I had been thinking about lately: a descendant of </a:t>
-            </a:r>
-            <a:r>
-              <a:rPr lang="en-US" sz="1200" b="0" i="0" u="none" strike="noStrike" kern="1200" dirty="0">
-                <a:solidFill>
-                  <a:schemeClr val="tx1"/>
-                </a:solidFill>
-                <a:effectLst/>
-                <a:latin typeface="Times New Roman" charset="0"/>
-                <a:ea typeface="ＭＳ Ｐゴシック" charset="0"/>
-                <a:cs typeface="ＭＳ Ｐゴシック" charset="0"/>
-                <a:hlinkClick r:id="rId3" tooltip="ABC (programming language)"/>
-              </a:rPr>
-              <a:t>ABC</a:t>
-            </a:r>
-            <a:r>
-              <a:rPr lang="en-US" sz="1200" b="0" i="0" kern="1200" dirty="0">
-                <a:solidFill>
-                  <a:schemeClr val="tx1"/>
-                </a:solidFill>
-                <a:effectLst/>
-                <a:latin typeface="Times New Roman" charset="0"/>
-                <a:ea typeface="ＭＳ Ｐゴシック" charset="0"/>
-                <a:cs typeface="ＭＳ Ｐゴシック" charset="0"/>
-              </a:rPr>
-              <a:t> that would appeal to </a:t>
-            </a:r>
-            <a:r>
-              <a:rPr lang="en-US" sz="1200" b="0" i="0" u="none" strike="noStrike" kern="1200" dirty="0">
-                <a:solidFill>
-                  <a:schemeClr val="tx1"/>
-                </a:solidFill>
-                <a:effectLst/>
-                <a:latin typeface="Times New Roman" charset="0"/>
-                <a:ea typeface="ＭＳ Ｐゴシック" charset="0"/>
-                <a:cs typeface="ＭＳ Ｐゴシック" charset="0"/>
-                <a:hlinkClick r:id="rId4" tooltip="Unix"/>
-              </a:rPr>
-              <a:t>Unix</a:t>
-            </a:r>
-            <a:r>
-              <a:rPr lang="en-US" sz="1200" b="0" i="0" kern="1200" dirty="0">
-                <a:solidFill>
-                  <a:schemeClr val="tx1"/>
-                </a:solidFill>
-                <a:effectLst/>
-                <a:latin typeface="Times New Roman" charset="0"/>
-                <a:ea typeface="ＭＳ Ｐゴシック" charset="0"/>
-                <a:cs typeface="ＭＳ Ｐゴシック" charset="0"/>
-              </a:rPr>
-              <a:t>/</a:t>
-            </a:r>
-            <a:r>
-              <a:rPr lang="en-US" sz="1200" b="0" i="0" u="none" strike="noStrike" kern="1200" dirty="0">
-                <a:solidFill>
-                  <a:schemeClr val="tx1"/>
-                </a:solidFill>
-                <a:effectLst/>
-                <a:latin typeface="Times New Roman" charset="0"/>
-                <a:ea typeface="ＭＳ Ｐゴシック" charset="0"/>
-                <a:cs typeface="ＭＳ Ｐゴシック" charset="0"/>
-                <a:hlinkClick r:id="rId5" tooltip="C (programming language)"/>
-              </a:rPr>
-              <a:t>C</a:t>
-            </a:r>
-            <a:r>
-              <a:rPr lang="en-US" sz="1200" b="0" i="0" kern="1200" dirty="0">
-                <a:solidFill>
-                  <a:schemeClr val="tx1"/>
-                </a:solidFill>
-                <a:effectLst/>
-                <a:latin typeface="Times New Roman" charset="0"/>
-                <a:ea typeface="ＭＳ Ｐゴシック" charset="0"/>
-                <a:cs typeface="ＭＳ Ｐゴシック" charset="0"/>
-              </a:rPr>
-              <a:t> </a:t>
-            </a:r>
-            <a:r>
-              <a:rPr lang="en-US" sz="1200" b="0" i="0" u="none" strike="noStrike" kern="1200" dirty="0">
-                <a:solidFill>
-                  <a:schemeClr val="tx1"/>
-                </a:solidFill>
-                <a:effectLst/>
-                <a:latin typeface="Times New Roman" charset="0"/>
-                <a:ea typeface="ＭＳ Ｐゴシック" charset="0"/>
-                <a:cs typeface="ＭＳ Ｐゴシック" charset="0"/>
-                <a:hlinkClick r:id="rId6" tooltip="Hacker (programmer subculture)"/>
-              </a:rPr>
-              <a:t>hackers</a:t>
-            </a:r>
-            <a:r>
-              <a:rPr lang="en-US" sz="1200" b="0" i="0" kern="1200" dirty="0">
-                <a:solidFill>
-                  <a:schemeClr val="tx1"/>
-                </a:solidFill>
-                <a:effectLst/>
-                <a:latin typeface="Times New Roman" charset="0"/>
-                <a:ea typeface="ＭＳ Ｐゴシック" charset="0"/>
-                <a:cs typeface="ＭＳ Ｐゴシック" charset="0"/>
-              </a:rPr>
-              <a:t>. I chose Python as a working title for the project, being in a slightly irreverent mood (and a big fan of </a:t>
-            </a:r>
-            <a:r>
-              <a:rPr lang="en-US" sz="1200" b="0" i="1" u="none" strike="noStrike" kern="1200" dirty="0">
-                <a:solidFill>
-                  <a:schemeClr val="tx1"/>
-                </a:solidFill>
-                <a:effectLst/>
-                <a:latin typeface="Times New Roman" charset="0"/>
-                <a:ea typeface="ＭＳ Ｐゴシック" charset="0"/>
-                <a:cs typeface="ＭＳ Ｐゴシック" charset="0"/>
-                <a:hlinkClick r:id="rId7" tooltip="Monty Python's Flying Circus"/>
-              </a:rPr>
-              <a:t>Monty Python's Flying Circus</a:t>
-            </a:r>
-            <a:r>
-              <a:rPr lang="en-US" sz="1200" b="0" i="0" kern="1200" dirty="0">
-                <a:solidFill>
-                  <a:schemeClr val="tx1"/>
-                </a:solidFill>
-                <a:effectLst/>
-                <a:latin typeface="Times New Roman" charset="0"/>
-                <a:ea typeface="ＭＳ Ｐゴシック" charset="0"/>
-                <a:cs typeface="ＭＳ Ｐゴシック" charset="0"/>
-              </a:rPr>
-              <a:t>).</a:t>
-            </a:r>
-          </a:p>
-          <a:p>
-            <a:r>
-              <a:rPr lang="en-US" sz="1200" b="0" i="0" kern="1200" dirty="0">
-                <a:solidFill>
-                  <a:schemeClr val="tx1"/>
-                </a:solidFill>
-                <a:effectLst/>
-                <a:latin typeface="Times New Roman" charset="0"/>
-                <a:ea typeface="ＭＳ Ｐゴシック" charset="0"/>
-                <a:cs typeface="ＭＳ Ｐゴシック" charset="0"/>
-              </a:rPr>
-              <a:t>— </a:t>
-            </a:r>
-            <a:r>
-              <a:rPr lang="en-US" sz="1200" b="0" i="1" kern="1200" dirty="0">
-                <a:solidFill>
-                  <a:schemeClr val="tx1"/>
-                </a:solidFill>
-                <a:effectLst/>
-                <a:latin typeface="Times New Roman" charset="0"/>
-                <a:ea typeface="ＭＳ Ｐゴシック" charset="0"/>
-                <a:cs typeface="ＭＳ Ｐゴシック" charset="0"/>
-              </a:rPr>
-              <a:t>Guido van Rossum</a:t>
-            </a:r>
-            <a:endParaRPr lang="en-US" sz="1200" b="0" i="0" kern="1200" dirty="0">
+              <a:t>Repeatable vs Reproducible</a:t>
+            </a:r>
+            <a:endParaRPr lang="en-US" sz="1200" kern="1200" dirty="0">
               <a:solidFill>
                 <a:schemeClr val="tx1"/>
               </a:solidFill>
@@ -1687,6 +2219,149 @@
             </a:endParaRPr>
           </a:p>
           <a:p>
+            <a:r>
+              <a:rPr lang="en-US" sz="1200" kern="1200" dirty="0">
+                <a:solidFill>
+                  <a:schemeClr val="tx1"/>
+                </a:solidFill>
+                <a:effectLst/>
+                <a:latin typeface="Times New Roman" charset="0"/>
+                <a:ea typeface="ＭＳ Ｐゴシック" charset="0"/>
+                <a:cs typeface="ＭＳ Ｐゴシック" charset="0"/>
+              </a:rPr>
+              <a:t>Fienen and Bakker (2016): </a:t>
+            </a:r>
+          </a:p>
+          <a:p>
+            <a:pPr marL="171450" indent="-171450" rtl="0" fontAlgn="ctr">
+              <a:buFont typeface="Arial" panose="020B0604020202020204" pitchFamily="34" charset="0"/>
+              <a:buChar char="•"/>
+            </a:pPr>
+            <a:r>
+              <a:rPr lang="en-US" sz="1200" kern="1200" dirty="0">
+                <a:solidFill>
+                  <a:schemeClr val="tx1"/>
+                </a:solidFill>
+                <a:effectLst/>
+                <a:latin typeface="Times New Roman" charset="0"/>
+                <a:ea typeface="ＭＳ Ｐゴシック" charset="0"/>
+                <a:cs typeface="ＭＳ Ｐゴシック" charset="0"/>
+              </a:rPr>
+              <a:t>"a repeatable process is one in which all steps are documented and the exact steps of data processing can be repeated."</a:t>
+            </a:r>
+          </a:p>
+          <a:p>
+            <a:pPr marL="171450" indent="-171450" rtl="0" fontAlgn="ctr">
+              <a:buFont typeface="Arial" panose="020B0604020202020204" pitchFamily="34" charset="0"/>
+              <a:buChar char="•"/>
+            </a:pPr>
+            <a:r>
+              <a:rPr lang="en-US" sz="1200" kern="1200" dirty="0">
+                <a:solidFill>
+                  <a:schemeClr val="tx1"/>
+                </a:solidFill>
+                <a:effectLst/>
+                <a:latin typeface="Times New Roman" charset="0"/>
+                <a:ea typeface="ＭＳ Ｐゴシック" charset="0"/>
+                <a:cs typeface="ＭＳ Ｐゴシック" charset="0"/>
+              </a:rPr>
+              <a:t>NIST defines “reproducible” as “closeness of the agreement between the results of measurements of the same measurand carried out under </a:t>
+            </a:r>
+            <a:r>
+              <a:rPr lang="en-US" sz="1200" i="1" kern="1200" dirty="0">
+                <a:solidFill>
+                  <a:schemeClr val="tx1"/>
+                </a:solidFill>
+                <a:effectLst/>
+                <a:latin typeface="Times New Roman" charset="0"/>
+                <a:ea typeface="ＭＳ Ｐゴシック" charset="0"/>
+                <a:cs typeface="ＭＳ Ｐゴシック" charset="0"/>
+              </a:rPr>
+              <a:t>changed </a:t>
+            </a:r>
+            <a:r>
+              <a:rPr lang="en-US" sz="1200" kern="1200" dirty="0">
+                <a:solidFill>
+                  <a:schemeClr val="tx1"/>
+                </a:solidFill>
+                <a:effectLst/>
+                <a:latin typeface="Times New Roman" charset="0"/>
+                <a:ea typeface="ＭＳ Ｐゴシック" charset="0"/>
+                <a:cs typeface="ＭＳ Ｐゴシック" charset="0"/>
+              </a:rPr>
+              <a:t>conditions of measurement” and repeatability as “closeness of the agreement between the results of successive measurements of the same measurand carried out under </a:t>
+            </a:r>
+            <a:r>
+              <a:rPr lang="en-US" sz="1200" i="1" kern="1200" dirty="0">
+                <a:solidFill>
+                  <a:schemeClr val="tx1"/>
+                </a:solidFill>
+                <a:effectLst/>
+                <a:latin typeface="Times New Roman" charset="0"/>
+                <a:ea typeface="ＭＳ Ｐゴシック" charset="0"/>
+                <a:cs typeface="ＭＳ Ｐゴシック" charset="0"/>
+              </a:rPr>
+              <a:t>the same </a:t>
+            </a:r>
+            <a:r>
+              <a:rPr lang="en-US" sz="1200" kern="1200" dirty="0">
+                <a:solidFill>
+                  <a:schemeClr val="tx1"/>
+                </a:solidFill>
+                <a:effectLst/>
+                <a:latin typeface="Times New Roman" charset="0"/>
+                <a:ea typeface="ＭＳ Ｐゴシック" charset="0"/>
+                <a:cs typeface="ＭＳ Ｐゴシック" charset="0"/>
+              </a:rPr>
+              <a:t>conditions of measurement” (Taylor and </a:t>
+            </a:r>
+            <a:r>
+              <a:rPr lang="en-US" sz="1200" kern="1200" dirty="0" err="1">
+                <a:solidFill>
+                  <a:schemeClr val="tx1"/>
+                </a:solidFill>
+                <a:effectLst/>
+                <a:latin typeface="Times New Roman" charset="0"/>
+                <a:ea typeface="ＭＳ Ｐゴシック" charset="0"/>
+                <a:cs typeface="ＭＳ Ｐゴシック" charset="0"/>
+              </a:rPr>
+              <a:t>Kuyatt</a:t>
+            </a:r>
+            <a:r>
+              <a:rPr lang="en-US" sz="1200" kern="1200" dirty="0">
+                <a:solidFill>
+                  <a:schemeClr val="tx1"/>
+                </a:solidFill>
+                <a:effectLst/>
+                <a:latin typeface="Times New Roman" charset="0"/>
+                <a:ea typeface="ＭＳ Ｐゴシック" charset="0"/>
+                <a:cs typeface="ＭＳ Ｐゴシック" charset="0"/>
+              </a:rPr>
+              <a:t>, 1994) </a:t>
+            </a:r>
+          </a:p>
+          <a:p>
+            <a:pPr marL="171450" indent="-171450" rtl="0" fontAlgn="ctr">
+              <a:buFont typeface="Arial" panose="020B0604020202020204" pitchFamily="34" charset="0"/>
+              <a:buChar char="•"/>
+            </a:pPr>
+            <a:r>
+              <a:rPr lang="en-US" sz="1200" kern="1200" dirty="0">
+                <a:solidFill>
+                  <a:schemeClr val="tx1"/>
+                </a:solidFill>
+                <a:effectLst/>
+                <a:latin typeface="Times New Roman" charset="0"/>
+                <a:ea typeface="ＭＳ Ｐゴシック" charset="0"/>
+                <a:cs typeface="ＭＳ Ｐゴシック" charset="0"/>
+              </a:rPr>
+              <a:t>"reproducible" implies that a different group given the same data and following the same protocols will interpret and process them in the same way, resulting in the same outcome as another group</a:t>
+            </a:r>
+          </a:p>
+          <a:p>
+            <a:endParaRPr lang="en-US" dirty="0"/>
+          </a:p>
+          <a:p>
             <a:endParaRPr lang="en-US" dirty="0"/>
           </a:p>
         </p:txBody>
@@ -1694,7 +2369,7 @@
     </p:spTree>
     <p:extLst>
       <p:ext uri="{BB962C8B-B14F-4D97-AF65-F5344CB8AC3E}">
-        <p14:creationId xmlns:p14="http://schemas.microsoft.com/office/powerpoint/2010/main" val="2388284242"/>
+        <p14:creationId xmlns:p14="http://schemas.microsoft.com/office/powerpoint/2010/main" val="3043798384"/>
       </p:ext>
     </p:extLst>
   </p:cSld>
@@ -1749,16 +2424,187 @@
           <a:lstStyle/>
           <a:p>
             <a:r>
-              <a:rPr lang="en-US" dirty="0"/>
-              <a:t>The python interpreter translates the Python code into machine language, so the same python code can be run on different hardware and operating systems</a:t>
-            </a:r>
+              <a:rPr lang="en-US" sz="1200" b="0" i="0" kern="1200" dirty="0">
+                <a:solidFill>
+                  <a:schemeClr val="tx1"/>
+                </a:solidFill>
+                <a:effectLst/>
+                <a:latin typeface="Times New Roman" charset="0"/>
+                <a:ea typeface="ＭＳ Ｐゴシック" charset="0"/>
+                <a:cs typeface="ＭＳ Ｐゴシック" charset="0"/>
+              </a:rPr>
+              <a:t>...In December 1989, I was looking for a "hobby" programming project that would keep me occupied during the week around Christmas. My office ... would be closed, but I had a home computer, and not much else on my hands. I decided to write an interpreter for the new scripting language I had been thinking about lately: a descendant of </a:t>
+            </a:r>
+            <a:r>
+              <a:rPr lang="en-US" sz="1200" b="0" i="0" u="none" strike="noStrike" kern="1200" dirty="0">
+                <a:solidFill>
+                  <a:schemeClr val="tx1"/>
+                </a:solidFill>
+                <a:effectLst/>
+                <a:latin typeface="Times New Roman" charset="0"/>
+                <a:ea typeface="ＭＳ Ｐゴシック" charset="0"/>
+                <a:cs typeface="ＭＳ Ｐゴシック" charset="0"/>
+                <a:hlinkClick r:id="rId3" tooltip="ABC (programming language)"/>
+              </a:rPr>
+              <a:t>ABC</a:t>
+            </a:r>
+            <a:r>
+              <a:rPr lang="en-US" sz="1200" b="0" i="0" kern="1200" dirty="0">
+                <a:solidFill>
+                  <a:schemeClr val="tx1"/>
+                </a:solidFill>
+                <a:effectLst/>
+                <a:latin typeface="Times New Roman" charset="0"/>
+                <a:ea typeface="ＭＳ Ｐゴシック" charset="0"/>
+                <a:cs typeface="ＭＳ Ｐゴシック" charset="0"/>
+              </a:rPr>
+              <a:t> that would appeal to </a:t>
+            </a:r>
+            <a:r>
+              <a:rPr lang="en-US" sz="1200" b="0" i="0" u="none" strike="noStrike" kern="1200" dirty="0">
+                <a:solidFill>
+                  <a:schemeClr val="tx1"/>
+                </a:solidFill>
+                <a:effectLst/>
+                <a:latin typeface="Times New Roman" charset="0"/>
+                <a:ea typeface="ＭＳ Ｐゴシック" charset="0"/>
+                <a:cs typeface="ＭＳ Ｐゴシック" charset="0"/>
+                <a:hlinkClick r:id="rId4" tooltip="Unix"/>
+              </a:rPr>
+              <a:t>Unix</a:t>
+            </a:r>
+            <a:r>
+              <a:rPr lang="en-US" sz="1200" b="0" i="0" kern="1200" dirty="0">
+                <a:solidFill>
+                  <a:schemeClr val="tx1"/>
+                </a:solidFill>
+                <a:effectLst/>
+                <a:latin typeface="Times New Roman" charset="0"/>
+                <a:ea typeface="ＭＳ Ｐゴシック" charset="0"/>
+                <a:cs typeface="ＭＳ Ｐゴシック" charset="0"/>
+              </a:rPr>
+              <a:t>/</a:t>
+            </a:r>
+            <a:r>
+              <a:rPr lang="en-US" sz="1200" b="0" i="0" u="none" strike="noStrike" kern="1200" dirty="0">
+                <a:solidFill>
+                  <a:schemeClr val="tx1"/>
+                </a:solidFill>
+                <a:effectLst/>
+                <a:latin typeface="Times New Roman" charset="0"/>
+                <a:ea typeface="ＭＳ Ｐゴシック" charset="0"/>
+                <a:cs typeface="ＭＳ Ｐゴシック" charset="0"/>
+                <a:hlinkClick r:id="rId5" tooltip="C (programming language)"/>
+              </a:rPr>
+              <a:t>C</a:t>
+            </a:r>
+            <a:r>
+              <a:rPr lang="en-US" sz="1200" b="0" i="0" kern="1200" dirty="0">
+                <a:solidFill>
+                  <a:schemeClr val="tx1"/>
+                </a:solidFill>
+                <a:effectLst/>
+                <a:latin typeface="Times New Roman" charset="0"/>
+                <a:ea typeface="ＭＳ Ｐゴシック" charset="0"/>
+                <a:cs typeface="ＭＳ Ｐゴシック" charset="0"/>
+              </a:rPr>
+              <a:t> </a:t>
+            </a:r>
+            <a:r>
+              <a:rPr lang="en-US" sz="1200" b="0" i="0" u="none" strike="noStrike" kern="1200" dirty="0">
+                <a:solidFill>
+                  <a:schemeClr val="tx1"/>
+                </a:solidFill>
+                <a:effectLst/>
+                <a:latin typeface="Times New Roman" charset="0"/>
+                <a:ea typeface="ＭＳ Ｐゴシック" charset="0"/>
+                <a:cs typeface="ＭＳ Ｐゴシック" charset="0"/>
+                <a:hlinkClick r:id="rId6" tooltip="Hacker (programmer subculture)"/>
+              </a:rPr>
+              <a:t>hackers</a:t>
+            </a:r>
+            <a:r>
+              <a:rPr lang="en-US" sz="1200" b="0" i="0" kern="1200" dirty="0">
+                <a:solidFill>
+                  <a:schemeClr val="tx1"/>
+                </a:solidFill>
+                <a:effectLst/>
+                <a:latin typeface="Times New Roman" charset="0"/>
+                <a:ea typeface="ＭＳ Ｐゴシック" charset="0"/>
+                <a:cs typeface="ＭＳ Ｐゴシック" charset="0"/>
+              </a:rPr>
+              <a:t>. I chose Python as a working title for the project, being in a slightly irreverent mood (and a big fan of </a:t>
+            </a:r>
+            <a:r>
+              <a:rPr lang="en-US" sz="1200" b="0" i="1" u="none" strike="noStrike" kern="1200" dirty="0">
+                <a:solidFill>
+                  <a:schemeClr val="tx1"/>
+                </a:solidFill>
+                <a:effectLst/>
+                <a:latin typeface="Times New Roman" charset="0"/>
+                <a:ea typeface="ＭＳ Ｐゴシック" charset="0"/>
+                <a:cs typeface="ＭＳ Ｐゴシック" charset="0"/>
+                <a:hlinkClick r:id="rId7" tooltip="Monty Python's Flying Circus"/>
+              </a:rPr>
+              <a:t>Monty Python's Flying Circus</a:t>
+            </a:r>
+            <a:r>
+              <a:rPr lang="en-US" sz="1200" b="0" i="0" kern="1200" dirty="0">
+                <a:solidFill>
+                  <a:schemeClr val="tx1"/>
+                </a:solidFill>
+                <a:effectLst/>
+                <a:latin typeface="Times New Roman" charset="0"/>
+                <a:ea typeface="ＭＳ Ｐゴシック" charset="0"/>
+                <a:cs typeface="ＭＳ Ｐゴシック" charset="0"/>
+              </a:rPr>
+              <a:t>).</a:t>
+            </a:r>
+          </a:p>
+          <a:p>
+            <a:r>
+              <a:rPr lang="en-US" sz="1200" b="0" i="0" kern="1200" dirty="0">
+                <a:solidFill>
+                  <a:schemeClr val="tx1"/>
+                </a:solidFill>
+                <a:effectLst/>
+                <a:latin typeface="Times New Roman" charset="0"/>
+                <a:ea typeface="ＭＳ Ｐゴシック" charset="0"/>
+                <a:cs typeface="ＭＳ Ｐゴシック" charset="0"/>
+              </a:rPr>
+              <a:t>— </a:t>
+            </a:r>
+            <a:r>
+              <a:rPr lang="en-US" sz="1200" b="0" i="1" kern="1200" dirty="0">
+                <a:solidFill>
+                  <a:schemeClr val="tx1"/>
+                </a:solidFill>
+                <a:effectLst/>
+                <a:latin typeface="Times New Roman" charset="0"/>
+                <a:ea typeface="ＭＳ Ｐゴシック" charset="0"/>
+                <a:cs typeface="ＭＳ Ｐゴシック" charset="0"/>
+              </a:rPr>
+              <a:t>Guido van Rossum</a:t>
+            </a:r>
+            <a:endParaRPr lang="en-US" sz="1200" b="0" i="0" kern="1200" dirty="0">
+              <a:solidFill>
+                <a:schemeClr val="tx1"/>
+              </a:solidFill>
+              <a:effectLst/>
+              <a:latin typeface="Times New Roman" charset="0"/>
+              <a:ea typeface="ＭＳ Ｐゴシック" charset="0"/>
+              <a:cs typeface="ＭＳ Ｐゴシック" charset="0"/>
+            </a:endParaRPr>
+          </a:p>
+          <a:p>
+            <a:endParaRPr lang="en-US" dirty="0"/>
           </a:p>
         </p:txBody>
       </p:sp>
     </p:spTree>
     <p:extLst>
       <p:ext uri="{BB962C8B-B14F-4D97-AF65-F5344CB8AC3E}">
-        <p14:creationId xmlns:p14="http://schemas.microsoft.com/office/powerpoint/2010/main" val="2971289990"/>
+        <p14:creationId xmlns:p14="http://schemas.microsoft.com/office/powerpoint/2010/main" val="2286891398"/>
       </p:ext>
     </p:extLst>
   </p:cSld>
@@ -1813,28 +2659,187 @@
           <a:lstStyle/>
           <a:p>
             <a:r>
-              <a:rPr lang="en-US" dirty="0"/>
-              <a:t>The TIOBE Programming Community index is an indicator of the popularity of programming languages. The index is updated once a month. The ratings are based on the number of skilled engineers world-wide, courses and third party vendors. Popular search engines such as Google, Bing, Yahoo!, Wikipedia, Amazon, YouTube and Baidu are used to calculate the ratings. It is important to note that the TIOBE index is not about the best programming language or the language in which most lines of code have been written.</a:t>
-            </a:r>
+              <a:rPr lang="en-US" sz="1200" b="0" i="0" kern="1200" dirty="0">
+                <a:solidFill>
+                  <a:schemeClr val="tx1"/>
+                </a:solidFill>
+                <a:effectLst/>
+                <a:latin typeface="Times New Roman" charset="0"/>
+                <a:ea typeface="ＭＳ Ｐゴシック" charset="0"/>
+                <a:cs typeface="ＭＳ Ｐゴシック" charset="0"/>
+              </a:rPr>
+              <a:t>...In December 1989, I was looking for a "hobby" programming project that would keep me occupied during the week around Christmas. My office ... would be closed, but I had a home computer, and not much else on my hands. I decided to write an interpreter for the new scripting language I had been thinking about lately: a descendant of </a:t>
+            </a:r>
+            <a:r>
+              <a:rPr lang="en-US" sz="1200" b="0" i="0" u="none" strike="noStrike" kern="1200" dirty="0">
+                <a:solidFill>
+                  <a:schemeClr val="tx1"/>
+                </a:solidFill>
+                <a:effectLst/>
+                <a:latin typeface="Times New Roman" charset="0"/>
+                <a:ea typeface="ＭＳ Ｐゴシック" charset="0"/>
+                <a:cs typeface="ＭＳ Ｐゴシック" charset="0"/>
+                <a:hlinkClick r:id="rId3" tooltip="ABC (programming language)"/>
+              </a:rPr>
+              <a:t>ABC</a:t>
+            </a:r>
+            <a:r>
+              <a:rPr lang="en-US" sz="1200" b="0" i="0" kern="1200" dirty="0">
+                <a:solidFill>
+                  <a:schemeClr val="tx1"/>
+                </a:solidFill>
+                <a:effectLst/>
+                <a:latin typeface="Times New Roman" charset="0"/>
+                <a:ea typeface="ＭＳ Ｐゴシック" charset="0"/>
+                <a:cs typeface="ＭＳ Ｐゴシック" charset="0"/>
+              </a:rPr>
+              <a:t> that would appeal to </a:t>
+            </a:r>
+            <a:r>
+              <a:rPr lang="en-US" sz="1200" b="0" i="0" u="none" strike="noStrike" kern="1200" dirty="0">
+                <a:solidFill>
+                  <a:schemeClr val="tx1"/>
+                </a:solidFill>
+                <a:effectLst/>
+                <a:latin typeface="Times New Roman" charset="0"/>
+                <a:ea typeface="ＭＳ Ｐゴシック" charset="0"/>
+                <a:cs typeface="ＭＳ Ｐゴシック" charset="0"/>
+                <a:hlinkClick r:id="rId4" tooltip="Unix"/>
+              </a:rPr>
+              <a:t>Unix</a:t>
+            </a:r>
+            <a:r>
+              <a:rPr lang="en-US" sz="1200" b="0" i="0" kern="1200" dirty="0">
+                <a:solidFill>
+                  <a:schemeClr val="tx1"/>
+                </a:solidFill>
+                <a:effectLst/>
+                <a:latin typeface="Times New Roman" charset="0"/>
+                <a:ea typeface="ＭＳ Ｐゴシック" charset="0"/>
+                <a:cs typeface="ＭＳ Ｐゴシック" charset="0"/>
+              </a:rPr>
+              <a:t>/</a:t>
+            </a:r>
+            <a:r>
+              <a:rPr lang="en-US" sz="1200" b="0" i="0" u="none" strike="noStrike" kern="1200" dirty="0">
+                <a:solidFill>
+                  <a:schemeClr val="tx1"/>
+                </a:solidFill>
+                <a:effectLst/>
+                <a:latin typeface="Times New Roman" charset="0"/>
+                <a:ea typeface="ＭＳ Ｐゴシック" charset="0"/>
+                <a:cs typeface="ＭＳ Ｐゴシック" charset="0"/>
+                <a:hlinkClick r:id="rId5" tooltip="C (programming language)"/>
+              </a:rPr>
+              <a:t>C</a:t>
+            </a:r>
+            <a:r>
+              <a:rPr lang="en-US" sz="1200" b="0" i="0" kern="1200" dirty="0">
+                <a:solidFill>
+                  <a:schemeClr val="tx1"/>
+                </a:solidFill>
+                <a:effectLst/>
+                <a:latin typeface="Times New Roman" charset="0"/>
+                <a:ea typeface="ＭＳ Ｐゴシック" charset="0"/>
+                <a:cs typeface="ＭＳ Ｐゴシック" charset="0"/>
+              </a:rPr>
+              <a:t> </a:t>
+            </a:r>
+            <a:r>
+              <a:rPr lang="en-US" sz="1200" b="0" i="0" u="none" strike="noStrike" kern="1200" dirty="0">
+                <a:solidFill>
+                  <a:schemeClr val="tx1"/>
+                </a:solidFill>
+                <a:effectLst/>
+                <a:latin typeface="Times New Roman" charset="0"/>
+                <a:ea typeface="ＭＳ Ｐゴシック" charset="0"/>
+                <a:cs typeface="ＭＳ Ｐゴシック" charset="0"/>
+                <a:hlinkClick r:id="rId6" tooltip="Hacker (programmer subculture)"/>
+              </a:rPr>
+              <a:t>hackers</a:t>
+            </a:r>
+            <a:r>
+              <a:rPr lang="en-US" sz="1200" b="0" i="0" kern="1200" dirty="0">
+                <a:solidFill>
+                  <a:schemeClr val="tx1"/>
+                </a:solidFill>
+                <a:effectLst/>
+                <a:latin typeface="Times New Roman" charset="0"/>
+                <a:ea typeface="ＭＳ Ｐゴシック" charset="0"/>
+                <a:cs typeface="ＭＳ Ｐゴシック" charset="0"/>
+              </a:rPr>
+              <a:t>. I chose Python as a working title for the project, being in a slightly irreverent mood (and a big fan of </a:t>
+            </a:r>
+            <a:r>
+              <a:rPr lang="en-US" sz="1200" b="0" i="1" u="none" strike="noStrike" kern="1200" dirty="0">
+                <a:solidFill>
+                  <a:schemeClr val="tx1"/>
+                </a:solidFill>
+                <a:effectLst/>
+                <a:latin typeface="Times New Roman" charset="0"/>
+                <a:ea typeface="ＭＳ Ｐゴシック" charset="0"/>
+                <a:cs typeface="ＭＳ Ｐゴシック" charset="0"/>
+                <a:hlinkClick r:id="rId7" tooltip="Monty Python's Flying Circus"/>
+              </a:rPr>
+              <a:t>Monty Python's Flying Circus</a:t>
+            </a:r>
+            <a:r>
+              <a:rPr lang="en-US" sz="1200" b="0" i="0" kern="1200" dirty="0">
+                <a:solidFill>
+                  <a:schemeClr val="tx1"/>
+                </a:solidFill>
+                <a:effectLst/>
+                <a:latin typeface="Times New Roman" charset="0"/>
+                <a:ea typeface="ＭＳ Ｐゴシック" charset="0"/>
+                <a:cs typeface="ＭＳ Ｐゴシック" charset="0"/>
+              </a:rPr>
+              <a:t>).</a:t>
+            </a:r>
+          </a:p>
+          <a:p>
+            <a:r>
+              <a:rPr lang="en-US" sz="1200" b="0" i="0" kern="1200" dirty="0">
+                <a:solidFill>
+                  <a:schemeClr val="tx1"/>
+                </a:solidFill>
+                <a:effectLst/>
+                <a:latin typeface="Times New Roman" charset="0"/>
+                <a:ea typeface="ＭＳ Ｐゴシック" charset="0"/>
+                <a:cs typeface="ＭＳ Ｐゴシック" charset="0"/>
+              </a:rPr>
+              <a:t>— </a:t>
+            </a:r>
+            <a:r>
+              <a:rPr lang="en-US" sz="1200" b="0" i="1" kern="1200" dirty="0">
+                <a:solidFill>
+                  <a:schemeClr val="tx1"/>
+                </a:solidFill>
+                <a:effectLst/>
+                <a:latin typeface="Times New Roman" charset="0"/>
+                <a:ea typeface="ＭＳ Ｐゴシック" charset="0"/>
+                <a:cs typeface="ＭＳ Ｐゴシック" charset="0"/>
+              </a:rPr>
+              <a:t>Guido van Rossum</a:t>
+            </a:r>
+            <a:endParaRPr lang="en-US" sz="1200" b="0" i="0" kern="1200" dirty="0">
+              <a:solidFill>
+                <a:schemeClr val="tx1"/>
+              </a:solidFill>
+              <a:effectLst/>
+              <a:latin typeface="Times New Roman" charset="0"/>
+              <a:ea typeface="ＭＳ Ｐゴシック" charset="0"/>
+              <a:cs typeface="ＭＳ Ｐゴシック" charset="0"/>
+            </a:endParaRPr>
           </a:p>
           <a:p>
             <a:endParaRPr lang="en-US" dirty="0"/>
-          </a:p>
-          <a:p>
-            <a:endParaRPr lang="en-US" dirty="0"/>
-          </a:p>
-          <a:p>
-            <a:r>
-              <a:rPr lang="en-US" dirty="0"/>
-              <a:t>Python has moved from third to first since the last time we taught this class (in November, 2018 in Madison, WI)</a:t>
-            </a:r>
           </a:p>
         </p:txBody>
       </p:sp>
     </p:spTree>
     <p:extLst>
       <p:ext uri="{BB962C8B-B14F-4D97-AF65-F5344CB8AC3E}">
-        <p14:creationId xmlns:p14="http://schemas.microsoft.com/office/powerpoint/2010/main" val="3334393269"/>
+        <p14:creationId xmlns:p14="http://schemas.microsoft.com/office/powerpoint/2010/main" val="2388284242"/>
       </p:ext>
     </p:extLst>
   </p:cSld>
@@ -1890,15 +2895,7 @@
           <a:p>
             <a:r>
               <a:rPr lang="en-US" dirty="0"/>
-              <a:t>Based on this blog post: https://</a:t>
-            </a:r>
-            <a:r>
-              <a:rPr lang="en-US" dirty="0" err="1"/>
-              <a:t>blog.pythonanywhere.com</a:t>
-            </a:r>
-            <a:r>
-              <a:rPr lang="en-US" dirty="0"/>
-              <a:t>/67/, and the graph above, total number of users worldwide might be around 10 million as of 2018.</a:t>
+              <a:t>The python interpreter translates the Python code into machine language, so the same python code can be run on different hardware and operating systems</a:t>
             </a:r>
           </a:p>
         </p:txBody>
@@ -1906,7 +2903,7 @@
     </p:spTree>
     <p:extLst>
       <p:ext uri="{BB962C8B-B14F-4D97-AF65-F5344CB8AC3E}">
-        <p14:creationId xmlns:p14="http://schemas.microsoft.com/office/powerpoint/2010/main" val="915358749"/>
+        <p14:creationId xmlns:p14="http://schemas.microsoft.com/office/powerpoint/2010/main" val="2971289990"/>
       </p:ext>
     </p:extLst>
   </p:cSld>
@@ -1962,16 +2959,19 @@
           <a:p>
             <a:r>
               <a:rPr lang="en-US" dirty="0"/>
-              <a:t>If you’re new to scripting, learning Python can require some time.</a:t>
+              <a:t>The TIOBE Programming Community index is an indicator of the popularity of programming languages. The index is updated once a month. The ratings are based on the number of skilled engineers world-wide, courses and third party vendors. Popular search engines such as Google, Bing, Yahoo!, Wikipedia, Amazon, YouTube and Baidu are used to calculate the ratings. It is important to note that the TIOBE index is not about the best programming language or the language in which most lines of code have been written.</a:t>
             </a:r>
           </a:p>
           <a:p>
             <a:endParaRPr lang="en-US" dirty="0"/>
           </a:p>
           <a:p>
+            <a:endParaRPr lang="en-US" dirty="0"/>
+          </a:p>
+          <a:p>
             <a:r>
               <a:rPr lang="en-US" dirty="0"/>
-              <a:t>And you get what you put in. The better you know Python, the more you can do, and the faster you can do it with less effort.</a:t>
+              <a:t>Since 2024, Python is the most popular language on GitHub.</a:t>
             </a:r>
           </a:p>
         </p:txBody>
@@ -1979,7 +2979,7 @@
     </p:spTree>
     <p:extLst>
       <p:ext uri="{BB962C8B-B14F-4D97-AF65-F5344CB8AC3E}">
-        <p14:creationId xmlns:p14="http://schemas.microsoft.com/office/powerpoint/2010/main" val="1333169682"/>
+        <p14:creationId xmlns:p14="http://schemas.microsoft.com/office/powerpoint/2010/main" val="3334393269"/>
       </p:ext>
     </p:extLst>
   </p:cSld>
@@ -4541,7 +5541,7 @@
               <a:rPr lang="en-US" sz="2400" b="0" dirty="0">
                 <a:cs typeface="+mn-cs"/>
               </a:rPr>
-              <a:t>Albuquerque, NM, Jan 29–Feb 2, 2024</a:t>
+              <a:t>Madison, WI, Sept. 22–26, 2025</a:t>
             </a:r>
           </a:p>
           <a:p>
@@ -4804,6 +5804,136 @@
       </p:grpSpPr>
       <p:sp>
         <p:nvSpPr>
+          <p:cNvPr id="4" name="Title 3"/>
+          <p:cNvSpPr>
+            <a:spLocks noGrp="1"/>
+          </p:cNvSpPr>
+          <p:nvPr>
+            <p:ph type="title"/>
+          </p:nvPr>
+        </p:nvSpPr>
+        <p:spPr>
+          <a:xfrm>
+            <a:off x="0" y="19878"/>
+            <a:ext cx="8686800" cy="1143000"/>
+          </a:xfrm>
+        </p:spPr>
+        <p:txBody>
+          <a:bodyPr/>
+          <a:lstStyle/>
+          <a:p>
+            <a:r>
+              <a:rPr lang="en-US" sz="3200" dirty="0"/>
+              <a:t>Stack Overflow Questions by language</a:t>
+            </a:r>
+          </a:p>
+        </p:txBody>
+      </p:sp>
+      <p:sp>
+        <p:nvSpPr>
+          <p:cNvPr id="6" name="TextBox 5">
+            <a:extLst>
+              <a:ext uri="{FF2B5EF4-FFF2-40B4-BE49-F238E27FC236}">
+                <a16:creationId xmlns:a16="http://schemas.microsoft.com/office/drawing/2014/main" id="{73AFDA26-8427-B641-9578-ECF6F58A65A6}"/>
+              </a:ext>
+            </a:extLst>
+          </p:cNvPr>
+          <p:cNvSpPr txBox="1"/>
+          <p:nvPr/>
+        </p:nvSpPr>
+        <p:spPr>
+          <a:xfrm>
+            <a:off x="4376093" y="6408006"/>
+            <a:ext cx="4767907" cy="400110"/>
+          </a:xfrm>
+          <a:prstGeom prst="rect">
+            <a:avLst/>
+          </a:prstGeom>
+          <a:noFill/>
+        </p:spPr>
+        <p:txBody>
+          <a:bodyPr wrap="none" rtlCol="0">
+            <a:spAutoFit/>
+          </a:bodyPr>
+          <a:lstStyle/>
+          <a:p>
+            <a:pPr algn="r"/>
+            <a:r>
+              <a:rPr lang="en-US" sz="2000" dirty="0">
+                <a:hlinkClick r:id="rId3"/>
+              </a:rPr>
+              <a:t>https://insights.stackoverflow.com/trends</a:t>
+            </a:r>
+            <a:endParaRPr lang="en-US" sz="2000" dirty="0">
+              <a:solidFill>
+                <a:schemeClr val="accent3"/>
+              </a:solidFill>
+            </a:endParaRPr>
+          </a:p>
+        </p:txBody>
+      </p:sp>
+      <p:pic>
+        <p:nvPicPr>
+          <p:cNvPr id="7" name="Picture 6">
+            <a:extLst>
+              <a:ext uri="{FF2B5EF4-FFF2-40B4-BE49-F238E27FC236}">
+                <a16:creationId xmlns:a16="http://schemas.microsoft.com/office/drawing/2014/main" id="{331C50FE-5386-7B84-A99F-DB5329B752D9}"/>
+              </a:ext>
+            </a:extLst>
+          </p:cNvPr>
+          <p:cNvPicPr>
+            <a:picLocks noChangeAspect="1"/>
+          </p:cNvPicPr>
+          <p:nvPr/>
+        </p:nvPicPr>
+        <p:blipFill>
+          <a:blip r:embed="rId4"/>
+          <a:stretch>
+            <a:fillRect/>
+          </a:stretch>
+        </p:blipFill>
+        <p:spPr>
+          <a:xfrm>
+            <a:off x="685800" y="914655"/>
+            <a:ext cx="7772400" cy="5028690"/>
+          </a:xfrm>
+          <a:prstGeom prst="rect">
+            <a:avLst/>
+          </a:prstGeom>
+        </p:spPr>
+      </p:pic>
+    </p:spTree>
+    <p:extLst>
+      <p:ext uri="{BB962C8B-B14F-4D97-AF65-F5344CB8AC3E}">
+        <p14:creationId xmlns:p14="http://schemas.microsoft.com/office/powerpoint/2010/main" val="3438242964"/>
+      </p:ext>
+    </p:extLst>
+  </p:cSld>
+  <p:clrMapOvr>
+    <a:masterClrMapping/>
+  </p:clrMapOvr>
+</p:sld>
+</file>
+
+<file path=ppt/slides/slide11.xml><?xml version="1.0" encoding="utf-8"?>
+<p:sld xmlns:a="http://schemas.openxmlformats.org/drawingml/2006/main" xmlns:r="http://schemas.openxmlformats.org/officeDocument/2006/relationships" xmlns:p="http://schemas.openxmlformats.org/presentationml/2006/main">
+  <p:cSld>
+    <p:spTree>
+      <p:nvGrpSpPr>
+        <p:cNvPr id="1" name=""/>
+        <p:cNvGrpSpPr/>
+        <p:nvPr/>
+      </p:nvGrpSpPr>
+      <p:grpSpPr>
+        <a:xfrm>
+          <a:off x="0" y="0"/>
+          <a:ext cx="0" cy="0"/>
+          <a:chOff x="0" y="0"/>
+          <a:chExt cx="0" cy="0"/>
+        </a:xfrm>
+      </p:grpSpPr>
+      <p:sp>
+        <p:nvSpPr>
           <p:cNvPr id="2" name="Title 1"/>
           <p:cNvSpPr>
             <a:spLocks noGrp="1"/>
@@ -4893,7 +6023,7 @@
 </p:sld>
 </file>
 
-<file path=ppt/slides/slide11.xml><?xml version="1.0" encoding="utf-8"?>
+<file path=ppt/slides/slide12.xml><?xml version="1.0" encoding="utf-8"?>
 <p:sld xmlns:a="http://schemas.openxmlformats.org/drawingml/2006/main" xmlns:r="http://schemas.openxmlformats.org/officeDocument/2006/relationships" xmlns:p="http://schemas.openxmlformats.org/presentationml/2006/main">
   <p:cSld>
     <p:spTree>
@@ -4975,7 +6105,7 @@
 </p:sld>
 </file>
 
-<file path=ppt/slides/slide12.xml><?xml version="1.0" encoding="utf-8"?>
+<file path=ppt/slides/slide13.xml><?xml version="1.0" encoding="utf-8"?>
 <p:sld xmlns:a="http://schemas.openxmlformats.org/drawingml/2006/main" xmlns:r="http://schemas.openxmlformats.org/officeDocument/2006/relationships" xmlns:p="http://schemas.openxmlformats.org/presentationml/2006/main">
   <p:cSld>
     <p:spTree>
@@ -5106,125 +6236,6 @@
 </p:sld>
 </file>
 
-<file path=ppt/slides/slide13.xml><?xml version="1.0" encoding="utf-8"?>
-<p:sld xmlns:a="http://schemas.openxmlformats.org/drawingml/2006/main" xmlns:r="http://schemas.openxmlformats.org/officeDocument/2006/relationships" xmlns:p="http://schemas.openxmlformats.org/presentationml/2006/main">
-  <p:cSld>
-    <p:spTree>
-      <p:nvGrpSpPr>
-        <p:cNvPr id="1" name=""/>
-        <p:cNvGrpSpPr/>
-        <p:nvPr/>
-      </p:nvGrpSpPr>
-      <p:grpSpPr>
-        <a:xfrm>
-          <a:off x="0" y="0"/>
-          <a:ext cx="0" cy="0"/>
-          <a:chOff x="0" y="0"/>
-          <a:chExt cx="0" cy="0"/>
-        </a:xfrm>
-      </p:grpSpPr>
-      <p:sp>
-        <p:nvSpPr>
-          <p:cNvPr id="2" name="Title 1"/>
-          <p:cNvSpPr>
-            <a:spLocks noGrp="1"/>
-          </p:cNvSpPr>
-          <p:nvPr>
-            <p:ph type="title"/>
-          </p:nvPr>
-        </p:nvSpPr>
-        <p:spPr/>
-        <p:txBody>
-          <a:bodyPr/>
-          <a:lstStyle/>
-          <a:p>
-            <a:r>
-              <a:rPr lang="en-US" dirty="0"/>
-              <a:t>Development Environments</a:t>
-            </a:r>
-          </a:p>
-        </p:txBody>
-      </p:sp>
-      <p:sp>
-        <p:nvSpPr>
-          <p:cNvPr id="3" name="Content Placeholder 2"/>
-          <p:cNvSpPr>
-            <a:spLocks noGrp="1"/>
-          </p:cNvSpPr>
-          <p:nvPr>
-            <p:ph idx="1"/>
-          </p:nvPr>
-        </p:nvSpPr>
-        <p:spPr/>
-        <p:txBody>
-          <a:bodyPr/>
-          <a:lstStyle/>
-          <a:p>
-            <a:r>
-              <a:rPr lang="en-US" dirty="0"/>
-              <a:t>Python interpreter</a:t>
-            </a:r>
-          </a:p>
-          <a:p>
-            <a:r>
-              <a:rPr lang="en-US" dirty="0" err="1"/>
-              <a:t>Ipython</a:t>
-            </a:r>
-            <a:endParaRPr lang="en-US" dirty="0"/>
-          </a:p>
-          <a:p>
-            <a:r>
-              <a:rPr lang="en-US" dirty="0" err="1"/>
-              <a:t>Jupyter</a:t>
-            </a:r>
-            <a:r>
-              <a:rPr lang="en-US" dirty="0"/>
-              <a:t> Notebook or </a:t>
-            </a:r>
-            <a:r>
-              <a:rPr lang="en-US" dirty="0" err="1"/>
-              <a:t>Jupyter</a:t>
-            </a:r>
-            <a:r>
-              <a:rPr lang="en-US" dirty="0"/>
-              <a:t> Lab</a:t>
-            </a:r>
-          </a:p>
-          <a:p>
-            <a:pPr lvl="1"/>
-            <a:r>
-              <a:rPr lang="en-US" dirty="0"/>
-              <a:t>Best for data exploration, demonstrations, works in progress, simple one-off code, etc.</a:t>
-            </a:r>
-          </a:p>
-          <a:p>
-            <a:r>
-              <a:rPr lang="en-US" dirty="0"/>
-              <a:t>IDE (integrated development environment) such as VS Code</a:t>
-            </a:r>
-          </a:p>
-          <a:p>
-            <a:pPr lvl="1"/>
-            <a:r>
-              <a:rPr lang="en-US" dirty="0"/>
-              <a:t>Best option for developing “production” or “operational” code- anything you want to re-use!</a:t>
-            </a:r>
-          </a:p>
-        </p:txBody>
-      </p:sp>
-    </p:spTree>
-    <p:extLst>
-      <p:ext uri="{BB962C8B-B14F-4D97-AF65-F5344CB8AC3E}">
-        <p14:creationId xmlns:p14="http://schemas.microsoft.com/office/powerpoint/2010/main" val="2866687432"/>
-      </p:ext>
-    </p:extLst>
-  </p:cSld>
-  <p:clrMapOvr>
-    <a:masterClrMapping/>
-  </p:clrMapOvr>
-</p:sld>
-</file>
-
 <file path=ppt/slides/slide14.xml><?xml version="1.0" encoding="utf-8"?>
 <p:sld xmlns:a="http://schemas.openxmlformats.org/drawingml/2006/main" xmlns:r="http://schemas.openxmlformats.org/officeDocument/2006/relationships" xmlns:p="http://schemas.openxmlformats.org/presentationml/2006/main">
   <p:cSld>
@@ -5259,7 +6270,11 @@
           <a:p>
             <a:r>
               <a:rPr lang="en-US" dirty="0"/>
-              <a:t>Python Distributions</a:t>
+              <a:t>Ways to interact with Python: </a:t>
+            </a:r>
+            <a:r>
+              <a:rPr lang="en-US" b="0" dirty="0"/>
+              <a:t>Development Environments</a:t>
             </a:r>
           </a:p>
         </p:txBody>
@@ -5276,7 +6291,156 @@
         </p:nvSpPr>
         <p:spPr>
           <a:xfrm>
-            <a:off x="457200" y="1524000"/>
+            <a:off x="609600" y="1600200"/>
+            <a:ext cx="8305800" cy="4495800"/>
+          </a:xfrm>
+        </p:spPr>
+        <p:txBody>
+          <a:bodyPr/>
+          <a:lstStyle/>
+          <a:p>
+            <a:r>
+              <a:rPr lang="en-US" dirty="0"/>
+              <a:t>Python </a:t>
+            </a:r>
+            <a:r>
+              <a:rPr lang="en-US" b="0" dirty="0"/>
+              <a:t>interpreter</a:t>
+            </a:r>
+          </a:p>
+          <a:p>
+            <a:r>
+              <a:rPr lang="en-US" dirty="0" err="1"/>
+              <a:t>IPython</a:t>
+            </a:r>
+            <a:endParaRPr lang="en-US" dirty="0"/>
+          </a:p>
+          <a:p>
+            <a:r>
+              <a:rPr lang="en-US" dirty="0" err="1"/>
+              <a:t>Jupyter</a:t>
+            </a:r>
+            <a:r>
+              <a:rPr lang="en-US" dirty="0"/>
+              <a:t> Notebook </a:t>
+            </a:r>
+            <a:r>
+              <a:rPr lang="en-US" b="0" dirty="0"/>
+              <a:t>or</a:t>
+            </a:r>
+            <a:r>
+              <a:rPr lang="en-US" dirty="0"/>
+              <a:t> </a:t>
+            </a:r>
+            <a:r>
+              <a:rPr lang="en-US" dirty="0" err="1"/>
+              <a:t>Jupyter</a:t>
+            </a:r>
+            <a:r>
+              <a:rPr lang="en-US" dirty="0"/>
+              <a:t> Lab</a:t>
+            </a:r>
+          </a:p>
+          <a:p>
+            <a:pPr lvl="1"/>
+            <a:r>
+              <a:rPr lang="en-US" b="0" dirty="0"/>
+              <a:t>Best for data exploration, demonstrations, works in progress, simple one-off code, etc.</a:t>
+            </a:r>
+          </a:p>
+          <a:p>
+            <a:r>
+              <a:rPr lang="en-US" dirty="0"/>
+              <a:t>IDE </a:t>
+            </a:r>
+            <a:r>
+              <a:rPr lang="en-US" b="0" dirty="0"/>
+              <a:t>(integrated development environment) such as </a:t>
+            </a:r>
+            <a:r>
+              <a:rPr lang="en-US" dirty="0"/>
+              <a:t>VS Code</a:t>
+            </a:r>
+          </a:p>
+          <a:p>
+            <a:pPr lvl="1"/>
+            <a:r>
+              <a:rPr lang="en-US" b="0" dirty="0"/>
+              <a:t>Best option for developing “production” or “operational” code- anything you want to re-use!</a:t>
+            </a:r>
+          </a:p>
+        </p:txBody>
+      </p:sp>
+    </p:spTree>
+    <p:extLst>
+      <p:ext uri="{BB962C8B-B14F-4D97-AF65-F5344CB8AC3E}">
+        <p14:creationId xmlns:p14="http://schemas.microsoft.com/office/powerpoint/2010/main" val="2866687432"/>
+      </p:ext>
+    </p:extLst>
+  </p:cSld>
+  <p:clrMapOvr>
+    <a:masterClrMapping/>
+  </p:clrMapOvr>
+</p:sld>
+</file>
+
+<file path=ppt/slides/slide15.xml><?xml version="1.0" encoding="utf-8"?>
+<p:sld xmlns:a="http://schemas.openxmlformats.org/drawingml/2006/main" xmlns:r="http://schemas.openxmlformats.org/officeDocument/2006/relationships" xmlns:p="http://schemas.openxmlformats.org/presentationml/2006/main">
+  <p:cSld>
+    <p:spTree>
+      <p:nvGrpSpPr>
+        <p:cNvPr id="1" name=""/>
+        <p:cNvGrpSpPr/>
+        <p:nvPr/>
+      </p:nvGrpSpPr>
+      <p:grpSpPr>
+        <a:xfrm>
+          <a:off x="0" y="0"/>
+          <a:ext cx="0" cy="0"/>
+          <a:chOff x="0" y="0"/>
+          <a:chExt cx="0" cy="0"/>
+        </a:xfrm>
+      </p:grpSpPr>
+      <p:sp>
+        <p:nvSpPr>
+          <p:cNvPr id="2" name="Title 1"/>
+          <p:cNvSpPr>
+            <a:spLocks noGrp="1"/>
+          </p:cNvSpPr>
+          <p:nvPr>
+            <p:ph type="title"/>
+          </p:nvPr>
+        </p:nvSpPr>
+        <p:spPr>
+          <a:xfrm>
+            <a:off x="342900" y="80144"/>
+            <a:ext cx="8305800" cy="1143000"/>
+          </a:xfrm>
+        </p:spPr>
+        <p:txBody>
+          <a:bodyPr/>
+          <a:lstStyle/>
+          <a:p>
+            <a:r>
+              <a:rPr lang="en-US" dirty="0"/>
+              <a:t>Python comes in many flavors</a:t>
+            </a:r>
+          </a:p>
+        </p:txBody>
+      </p:sp>
+      <p:sp>
+        <p:nvSpPr>
+          <p:cNvPr id="3" name="Content Placeholder 2"/>
+          <p:cNvSpPr>
+            <a:spLocks noGrp="1"/>
+          </p:cNvSpPr>
+          <p:nvPr>
+            <p:ph idx="1"/>
+          </p:nvPr>
+        </p:nvSpPr>
+        <p:spPr>
+          <a:xfrm>
+            <a:off x="457200" y="1295400"/>
             <a:ext cx="8077200" cy="990600"/>
           </a:xfrm>
         </p:spPr>
@@ -5285,8 +6449,8 @@
           <a:lstStyle/>
           <a:p>
             <a:r>
-              <a:rPr lang="en-US" sz="2400" dirty="0"/>
-              <a:t>A bundled collection of Python and many of the useful packages</a:t>
+              <a:rPr lang="en-US" sz="2400" b="0" dirty="0"/>
+              <a:t>Distribution: A bundled collection of Python and some packages</a:t>
             </a:r>
           </a:p>
         </p:txBody>
@@ -5320,7 +6484,7 @@
         </p:blipFill>
         <p:spPr bwMode="auto">
           <a:xfrm>
-            <a:off x="3989181" y="2667000"/>
+            <a:off x="3951547" y="1987715"/>
             <a:ext cx="5138777" cy="3454400"/>
           </a:xfrm>
           <a:prstGeom prst="rect">
@@ -5354,7 +6518,7 @@
         </p:nvSpPr>
         <p:spPr bwMode="auto">
           <a:xfrm>
-            <a:off x="457200" y="2514600"/>
+            <a:off x="446347" y="2309446"/>
             <a:ext cx="3505200" cy="3606800"/>
           </a:xfrm>
           <a:prstGeom prst="rect">
@@ -5599,59 +6763,77 @@
           </a:lstStyle>
           <a:p>
             <a:r>
-              <a:rPr lang="en-US" sz="2400" kern="0" dirty="0"/>
-              <a:t>There are several flavors</a:t>
+              <a:rPr lang="en-US" sz="2400" b="0" kern="0" dirty="0"/>
+              <a:t>Examples</a:t>
             </a:r>
           </a:p>
           <a:p>
             <a:pPr lvl="1"/>
             <a:r>
-              <a:rPr lang="en-US" sz="2000" kern="0" dirty="0"/>
+              <a:rPr lang="en-US" sz="2000" b="0" kern="0" dirty="0"/>
               <a:t>Anaconda/</a:t>
             </a:r>
             <a:r>
-              <a:rPr lang="en-US" sz="2000" kern="0" dirty="0" err="1"/>
+              <a:rPr lang="en-US" sz="2000" b="0" kern="0" dirty="0" err="1"/>
               <a:t>Miniconda</a:t>
             </a:r>
             <a:r>
-              <a:rPr lang="en-US" sz="2000" kern="0" dirty="0"/>
+              <a:rPr lang="en-US" sz="2000" b="0" kern="0" dirty="0"/>
               <a:t>/</a:t>
             </a:r>
             <a:r>
-              <a:rPr lang="en-US" sz="2000" kern="0" dirty="0" err="1"/>
+              <a:rPr lang="en-US" sz="2000" b="0" kern="0" dirty="0" err="1"/>
               <a:t>Miniforge</a:t>
             </a:r>
-            <a:endParaRPr lang="en-US" sz="2000" kern="0" dirty="0"/>
+            <a:endParaRPr lang="en-US" sz="2000" b="0" kern="0" dirty="0"/>
           </a:p>
           <a:p>
             <a:pPr lvl="1"/>
             <a:r>
-              <a:rPr lang="en-US" sz="2000" kern="0" dirty="0" err="1"/>
+              <a:rPr lang="en-US" sz="2000" b="0" kern="0" dirty="0" err="1"/>
               <a:t>Python.org</a:t>
             </a:r>
-            <a:endParaRPr lang="en-US" sz="2000" kern="0" dirty="0"/>
+            <a:endParaRPr lang="en-US" sz="2000" b="0" kern="0" dirty="0"/>
           </a:p>
           <a:p>
             <a:pPr lvl="1"/>
             <a:r>
-              <a:rPr lang="en-US" sz="2000" kern="0" dirty="0"/>
+              <a:rPr lang="en-US" sz="2000" b="0" kern="0" dirty="0"/>
               <a:t>Your system python</a:t>
             </a:r>
           </a:p>
           <a:p>
             <a:pPr lvl="1"/>
             <a:r>
-              <a:rPr lang="en-US" sz="2000" kern="0" dirty="0"/>
+              <a:rPr lang="en-US" sz="2000" b="0" kern="0" dirty="0"/>
               <a:t>ArcGIS or QGIS python </a:t>
             </a:r>
           </a:p>
           <a:p>
             <a:pPr lvl="1"/>
             <a:r>
-              <a:rPr lang="en-US" sz="2000" kern="0" dirty="0" err="1"/>
-              <a:t>etc</a:t>
-            </a:r>
-            <a:endParaRPr lang="en-US" sz="2000" kern="0" dirty="0"/>
+              <a:rPr lang="en-US" sz="2000" b="0" kern="0" dirty="0" err="1"/>
+              <a:t>Etc</a:t>
+            </a:r>
+            <a:endParaRPr lang="en-US" sz="2000" b="0" kern="0" dirty="0"/>
+          </a:p>
+          <a:p>
+            <a:pPr lvl="1"/>
+            <a:endParaRPr lang="en-US" sz="2000" b="0" kern="0" dirty="0"/>
+          </a:p>
+          <a:p>
+            <a:r>
+              <a:rPr lang="en-US" sz="2400" b="0" kern="0" dirty="0"/>
+              <a:t>Just use </a:t>
+            </a:r>
+            <a:r>
+              <a:rPr lang="en-US" sz="2400" kern="0" dirty="0" err="1"/>
+              <a:t>Miniforge</a:t>
+            </a:r>
+            <a:r>
+              <a:rPr lang="en-US" sz="2400" b="0" kern="0" dirty="0"/>
+              <a:t>!</a:t>
+            </a:r>
           </a:p>
         </p:txBody>
       </p:sp>
@@ -5707,7 +6889,7 @@
         </p:nvSpPr>
         <p:spPr>
           <a:xfrm>
-            <a:off x="4419600" y="4389122"/>
+            <a:off x="4385095" y="3666496"/>
             <a:ext cx="1600200" cy="523220"/>
           </a:xfrm>
           <a:prstGeom prst="rect">
@@ -5743,7 +6925,7 @@
         </p:nvSpPr>
         <p:spPr>
           <a:xfrm>
-            <a:off x="5219700" y="4984598"/>
+            <a:off x="5185195" y="4310391"/>
             <a:ext cx="1808480" cy="523220"/>
           </a:xfrm>
           <a:prstGeom prst="rect">
@@ -5779,7 +6961,753 @@
 </p:sld>
 </file>
 
-<file path=ppt/slides/slide15.xml><?xml version="1.0" encoding="utf-8"?>
+<file path=ppt/slides/slide16.xml><?xml version="1.0" encoding="utf-8"?>
+<p:sld xmlns:a="http://schemas.openxmlformats.org/drawingml/2006/main" xmlns:r="http://schemas.openxmlformats.org/officeDocument/2006/relationships" xmlns:p="http://schemas.openxmlformats.org/presentationml/2006/main">
+  <p:cSld>
+    <p:spTree>
+      <p:nvGrpSpPr>
+        <p:cNvPr id="1" name="">
+          <a:extLst>
+            <a:ext uri="{FF2B5EF4-FFF2-40B4-BE49-F238E27FC236}">
+              <a16:creationId xmlns:a16="http://schemas.microsoft.com/office/drawing/2014/main" id="{318DC07D-D798-9141-86DB-0A3056FB2ECA}"/>
+            </a:ext>
+          </a:extLst>
+        </p:cNvPr>
+        <p:cNvGrpSpPr/>
+        <p:nvPr/>
+      </p:nvGrpSpPr>
+      <p:grpSpPr>
+        <a:xfrm>
+          <a:off x="0" y="0"/>
+          <a:ext cx="0" cy="0"/>
+          <a:chOff x="0" y="0"/>
+          <a:chExt cx="0" cy="0"/>
+        </a:xfrm>
+      </p:grpSpPr>
+      <p:sp>
+        <p:nvSpPr>
+          <p:cNvPr id="2" name="Title 1">
+            <a:extLst>
+              <a:ext uri="{FF2B5EF4-FFF2-40B4-BE49-F238E27FC236}">
+                <a16:creationId xmlns:a16="http://schemas.microsoft.com/office/drawing/2014/main" id="{F29E287C-48CB-B989-1988-1CC3293C79AD}"/>
+              </a:ext>
+            </a:extLst>
+          </p:cNvPr>
+          <p:cNvSpPr>
+            <a:spLocks noGrp="1"/>
+          </p:cNvSpPr>
+          <p:nvPr>
+            <p:ph type="title"/>
+          </p:nvPr>
+        </p:nvSpPr>
+        <p:spPr/>
+        <p:txBody>
+          <a:bodyPr/>
+          <a:lstStyle/>
+          <a:p>
+            <a:r>
+              <a:rPr lang="en-US" dirty="0"/>
+              <a:t>Downloading and managing packages</a:t>
+            </a:r>
+          </a:p>
+        </p:txBody>
+      </p:sp>
+      <p:sp>
+        <p:nvSpPr>
+          <p:cNvPr id="3" name="Content Placeholder 2">
+            <a:extLst>
+              <a:ext uri="{FF2B5EF4-FFF2-40B4-BE49-F238E27FC236}">
+                <a16:creationId xmlns:a16="http://schemas.microsoft.com/office/drawing/2014/main" id="{976F6B53-DC18-CE29-AC90-52F5F68B2E69}"/>
+              </a:ext>
+            </a:extLst>
+          </p:cNvPr>
+          <p:cNvSpPr>
+            <a:spLocks noGrp="1"/>
+          </p:cNvSpPr>
+          <p:nvPr>
+            <p:ph idx="1"/>
+          </p:nvPr>
+        </p:nvSpPr>
+        <p:spPr>
+          <a:xfrm>
+            <a:off x="383345" y="1485900"/>
+            <a:ext cx="3431912" cy="4807894"/>
+          </a:xfrm>
+        </p:spPr>
+        <p:txBody>
+          <a:bodyPr/>
+          <a:lstStyle/>
+          <a:p>
+            <a:r>
+              <a:rPr lang="en-US" sz="2300" dirty="0"/>
+              <a:t>Conda</a:t>
+            </a:r>
+            <a:r>
+              <a:rPr lang="en-US" sz="2300" b="0" dirty="0"/>
+              <a:t> is a package manager (software)</a:t>
+            </a:r>
+          </a:p>
+          <a:p>
+            <a:r>
+              <a:rPr lang="en-US" sz="2300" dirty="0"/>
+              <a:t>Pip</a:t>
+            </a:r>
+            <a:r>
+              <a:rPr lang="en-US" sz="2300" b="0" dirty="0"/>
+              <a:t> is an alternative package manager</a:t>
+            </a:r>
+          </a:p>
+          <a:p>
+            <a:r>
+              <a:rPr lang="en-US" sz="2300" dirty="0"/>
+              <a:t>Mamba</a:t>
+            </a:r>
+            <a:r>
+              <a:rPr lang="en-US" sz="2300" b="0" dirty="0"/>
+              <a:t> was developed as a faster and more robust C++ version of Conda</a:t>
+            </a:r>
+          </a:p>
+          <a:p>
+            <a:r>
+              <a:rPr lang="en-US" sz="2300" b="0" dirty="0"/>
+              <a:t>Conda now uses the mamba solver by default</a:t>
+            </a:r>
+          </a:p>
+          <a:p>
+            <a:r>
+              <a:rPr lang="en-US" sz="2300" b="0" dirty="0"/>
+              <a:t>Just use </a:t>
+            </a:r>
+            <a:r>
+              <a:rPr lang="en-US" sz="2300" dirty="0" err="1"/>
+              <a:t>Miniforge</a:t>
+            </a:r>
+            <a:r>
+              <a:rPr lang="en-US" sz="2300" b="0" dirty="0"/>
+              <a:t>! </a:t>
+            </a:r>
+          </a:p>
+        </p:txBody>
+      </p:sp>
+      <p:pic>
+        <p:nvPicPr>
+          <p:cNvPr id="1026" name="Picture 2" descr="Using Miniconda encourages good environment management practices.">
+            <a:extLst>
+              <a:ext uri="{FF2B5EF4-FFF2-40B4-BE49-F238E27FC236}">
+                <a16:creationId xmlns:a16="http://schemas.microsoft.com/office/drawing/2014/main" id="{7F195FF7-3EC5-8EAE-885A-AE0CA8D8744D}"/>
+              </a:ext>
+            </a:extLst>
+          </p:cNvPr>
+          <p:cNvPicPr>
+            <a:picLocks noChangeAspect="1" noChangeArrowheads="1"/>
+          </p:cNvPicPr>
+          <p:nvPr/>
+        </p:nvPicPr>
+        <p:blipFill>
+          <a:blip r:embed="rId3">
+            <a:extLst>
+              <a:ext uri="{28A0092B-C50C-407E-A947-70E740481C1C}">
+                <a14:useLocalDpi xmlns:a14="http://schemas.microsoft.com/office/drawing/2010/main"/>
+              </a:ext>
+            </a:extLst>
+          </a:blip>
+          <a:srcRect/>
+          <a:stretch>
+            <a:fillRect/>
+          </a:stretch>
+        </p:blipFill>
+        <p:spPr bwMode="auto">
+          <a:xfrm>
+            <a:off x="3815257" y="1981200"/>
+            <a:ext cx="5138777" cy="3454400"/>
+          </a:xfrm>
+          <a:prstGeom prst="rect">
+            <a:avLst/>
+          </a:prstGeom>
+          <a:noFill/>
+          <a:extLst>
+            <a:ext uri="{909E8E84-426E-40DD-AFC4-6F175D3DCCD1}">
+              <a14:hiddenFill xmlns:a14="http://schemas.microsoft.com/office/drawing/2010/main">
+                <a:solidFill>
+                  <a:srgbClr val="FFFFFF"/>
+                </a:solidFill>
+              </a14:hiddenFill>
+            </a:ext>
+          </a:extLst>
+        </p:spPr>
+      </p:pic>
+      <p:sp>
+        <p:nvSpPr>
+          <p:cNvPr id="8" name="TextBox 7">
+            <a:extLst>
+              <a:ext uri="{FF2B5EF4-FFF2-40B4-BE49-F238E27FC236}">
+                <a16:creationId xmlns:a16="http://schemas.microsoft.com/office/drawing/2014/main" id="{C539032C-5C8C-8469-49B1-E8BBC68B821C}"/>
+              </a:ext>
+            </a:extLst>
+          </p:cNvPr>
+          <p:cNvSpPr txBox="1"/>
+          <p:nvPr/>
+        </p:nvSpPr>
+        <p:spPr>
+          <a:xfrm>
+            <a:off x="4025276" y="6103294"/>
+            <a:ext cx="5102682" cy="523220"/>
+          </a:xfrm>
+          <a:prstGeom prst="rect">
+            <a:avLst/>
+          </a:prstGeom>
+          <a:noFill/>
+        </p:spPr>
+        <p:txBody>
+          <a:bodyPr wrap="square">
+            <a:spAutoFit/>
+          </a:bodyPr>
+          <a:lstStyle/>
+          <a:p>
+            <a:r>
+              <a:rPr lang="en-US" sz="1400" dirty="0">
+                <a:hlinkClick r:id="rId4"/>
+              </a:rPr>
+              <a:t>https://towardsdatascience.com/managing-project-specific-environments-with-conda-b8b50aa8be0e</a:t>
+            </a:r>
+            <a:endParaRPr lang="en-US" sz="1400" dirty="0"/>
+          </a:p>
+        </p:txBody>
+      </p:sp>
+      <p:sp>
+        <p:nvSpPr>
+          <p:cNvPr id="4" name="TextBox 3">
+            <a:extLst>
+              <a:ext uri="{FF2B5EF4-FFF2-40B4-BE49-F238E27FC236}">
+                <a16:creationId xmlns:a16="http://schemas.microsoft.com/office/drawing/2014/main" id="{F00D5F3A-A5BA-B5B0-3404-932CCB60EA65}"/>
+              </a:ext>
+            </a:extLst>
+          </p:cNvPr>
+          <p:cNvSpPr txBox="1"/>
+          <p:nvPr/>
+        </p:nvSpPr>
+        <p:spPr>
+          <a:xfrm>
+            <a:off x="4311240" y="3643805"/>
+            <a:ext cx="1600200" cy="523220"/>
+          </a:xfrm>
+          <a:prstGeom prst="rect">
+            <a:avLst/>
+          </a:prstGeom>
+          <a:noFill/>
+        </p:spPr>
+        <p:txBody>
+          <a:bodyPr wrap="square" rtlCol="0">
+            <a:spAutoFit/>
+          </a:bodyPr>
+          <a:lstStyle/>
+          <a:p>
+            <a:pPr algn="ctr"/>
+            <a:r>
+              <a:rPr lang="en-US" sz="2800" dirty="0"/>
+              <a:t>mamba</a:t>
+            </a:r>
+          </a:p>
+        </p:txBody>
+      </p:sp>
+      <p:sp>
+        <p:nvSpPr>
+          <p:cNvPr id="5" name="TextBox 4">
+            <a:extLst>
+              <a:ext uri="{FF2B5EF4-FFF2-40B4-BE49-F238E27FC236}">
+                <a16:creationId xmlns:a16="http://schemas.microsoft.com/office/drawing/2014/main" id="{29CEABBE-A2FC-05FF-EF48-126543B60D84}"/>
+              </a:ext>
+            </a:extLst>
+          </p:cNvPr>
+          <p:cNvSpPr txBox="1"/>
+          <p:nvPr/>
+        </p:nvSpPr>
+        <p:spPr>
+          <a:xfrm>
+            <a:off x="5111340" y="4239281"/>
+            <a:ext cx="1808480" cy="523220"/>
+          </a:xfrm>
+          <a:prstGeom prst="rect">
+            <a:avLst/>
+          </a:prstGeom>
+          <a:noFill/>
+        </p:spPr>
+        <p:txBody>
+          <a:bodyPr wrap="square" rtlCol="0">
+            <a:spAutoFit/>
+          </a:bodyPr>
+          <a:lstStyle/>
+          <a:p>
+            <a:pPr algn="ctr"/>
+            <a:r>
+              <a:rPr lang="en-US" sz="2800" dirty="0" err="1"/>
+              <a:t>Miniforge</a:t>
+            </a:r>
+            <a:endParaRPr lang="en-US" sz="2800" dirty="0"/>
+          </a:p>
+        </p:txBody>
+      </p:sp>
+    </p:spTree>
+    <p:extLst>
+      <p:ext uri="{BB962C8B-B14F-4D97-AF65-F5344CB8AC3E}">
+        <p14:creationId xmlns:p14="http://schemas.microsoft.com/office/powerpoint/2010/main" val="4265866338"/>
+      </p:ext>
+    </p:extLst>
+  </p:cSld>
+  <p:clrMapOvr>
+    <a:masterClrMapping/>
+  </p:clrMapOvr>
+</p:sld>
+</file>
+
+<file path=ppt/slides/slide17.xml><?xml version="1.0" encoding="utf-8"?>
+<p:sld xmlns:a="http://schemas.openxmlformats.org/drawingml/2006/main" xmlns:r="http://schemas.openxmlformats.org/officeDocument/2006/relationships" xmlns:p="http://schemas.openxmlformats.org/presentationml/2006/main">
+  <p:cSld>
+    <p:spTree>
+      <p:nvGrpSpPr>
+        <p:cNvPr id="1" name="">
+          <a:extLst>
+            <a:ext uri="{FF2B5EF4-FFF2-40B4-BE49-F238E27FC236}">
+              <a16:creationId xmlns:a16="http://schemas.microsoft.com/office/drawing/2014/main" id="{A6728280-FB89-6E43-1646-57083319A336}"/>
+            </a:ext>
+          </a:extLst>
+        </p:cNvPr>
+        <p:cNvGrpSpPr/>
+        <p:nvPr/>
+      </p:nvGrpSpPr>
+      <p:grpSpPr>
+        <a:xfrm>
+          <a:off x="0" y="0"/>
+          <a:ext cx="0" cy="0"/>
+          <a:chOff x="0" y="0"/>
+          <a:chExt cx="0" cy="0"/>
+        </a:xfrm>
+      </p:grpSpPr>
+      <p:sp>
+        <p:nvSpPr>
+          <p:cNvPr id="2" name="Title 1">
+            <a:extLst>
+              <a:ext uri="{FF2B5EF4-FFF2-40B4-BE49-F238E27FC236}">
+                <a16:creationId xmlns:a16="http://schemas.microsoft.com/office/drawing/2014/main" id="{7E58ED09-395F-BE6E-E5D9-E06670B038B9}"/>
+              </a:ext>
+            </a:extLst>
+          </p:cNvPr>
+          <p:cNvSpPr>
+            <a:spLocks noGrp="1"/>
+          </p:cNvSpPr>
+          <p:nvPr>
+            <p:ph type="title"/>
+          </p:nvPr>
+        </p:nvSpPr>
+        <p:spPr>
+          <a:xfrm>
+            <a:off x="321788" y="0"/>
+            <a:ext cx="8305800" cy="1143000"/>
+          </a:xfrm>
+        </p:spPr>
+        <p:txBody>
+          <a:bodyPr/>
+          <a:lstStyle/>
+          <a:p>
+            <a:r>
+              <a:rPr lang="en-US" dirty="0"/>
+              <a:t>Where to get packages</a:t>
+            </a:r>
+          </a:p>
+        </p:txBody>
+      </p:sp>
+      <p:sp>
+        <p:nvSpPr>
+          <p:cNvPr id="3" name="Content Placeholder 2">
+            <a:extLst>
+              <a:ext uri="{FF2B5EF4-FFF2-40B4-BE49-F238E27FC236}">
+                <a16:creationId xmlns:a16="http://schemas.microsoft.com/office/drawing/2014/main" id="{2D323FD0-DD4F-3395-5127-8F815955D761}"/>
+              </a:ext>
+            </a:extLst>
+          </p:cNvPr>
+          <p:cNvSpPr>
+            <a:spLocks noGrp="1"/>
+          </p:cNvSpPr>
+          <p:nvPr>
+            <p:ph idx="1"/>
+          </p:nvPr>
+        </p:nvSpPr>
+        <p:spPr>
+          <a:xfrm>
+            <a:off x="485932" y="1144172"/>
+            <a:ext cx="5029200" cy="4807894"/>
+          </a:xfrm>
+        </p:spPr>
+        <p:txBody>
+          <a:bodyPr/>
+          <a:lstStyle/>
+          <a:p>
+            <a:r>
+              <a:rPr lang="en-US" sz="2000" b="0" dirty="0"/>
+              <a:t>Conda fetches packages from </a:t>
+            </a:r>
+            <a:r>
+              <a:rPr lang="en-US" sz="2000" i="1" dirty="0"/>
+              <a:t>channels</a:t>
+            </a:r>
+          </a:p>
+          <a:p>
+            <a:r>
+              <a:rPr lang="en-US" sz="2000" dirty="0"/>
+              <a:t>Conda-forge </a:t>
+            </a:r>
+            <a:r>
+              <a:rPr lang="en-US" sz="2000" b="0" dirty="0"/>
+              <a:t>is a popular community-based channel </a:t>
+            </a:r>
+          </a:p>
+          <a:p>
+            <a:pPr lvl="1"/>
+            <a:r>
+              <a:rPr lang="en-US" sz="1600" b="0" dirty="0"/>
+              <a:t>Anaconda (company that first developed Conda) </a:t>
+            </a:r>
+            <a:r>
+              <a:rPr lang="en-US" sz="1600" b="0"/>
+              <a:t>has its </a:t>
+            </a:r>
+            <a:r>
+              <a:rPr lang="en-US" sz="1600" b="0" dirty="0"/>
+              <a:t>own ”defaults” channel; “</a:t>
+            </a:r>
+            <a:r>
+              <a:rPr lang="en-US" sz="1600" b="0" dirty="0" err="1"/>
+              <a:t>bioconda</a:t>
+            </a:r>
+            <a:r>
+              <a:rPr lang="en-US" sz="1600" b="0" dirty="0"/>
+              <a:t>” is also popular</a:t>
+            </a:r>
+          </a:p>
+          <a:p>
+            <a:r>
+              <a:rPr lang="en-US" sz="2000" dirty="0"/>
+              <a:t>Pip </a:t>
+            </a:r>
+            <a:r>
+              <a:rPr lang="en-US" sz="2000" b="0" dirty="0"/>
+              <a:t>fetches packages from the </a:t>
+            </a:r>
+            <a:r>
+              <a:rPr lang="en-US" sz="2000" dirty="0"/>
+              <a:t>Python Package Index (</a:t>
+            </a:r>
+            <a:r>
+              <a:rPr lang="en-US" sz="2000" dirty="0" err="1"/>
+              <a:t>PyPI</a:t>
+            </a:r>
+            <a:r>
+              <a:rPr lang="en-US" sz="2000" dirty="0"/>
+              <a:t>) </a:t>
+            </a:r>
+            <a:r>
+              <a:rPr lang="en-US" sz="2000" b="0" dirty="0"/>
+              <a:t>and can also fetch them from GitHub</a:t>
+            </a:r>
+          </a:p>
+          <a:p>
+            <a:r>
+              <a:rPr lang="en-US" sz="2000" dirty="0" err="1"/>
+              <a:t>Miniforge</a:t>
+            </a:r>
+            <a:r>
+              <a:rPr lang="en-US" sz="2000" dirty="0"/>
+              <a:t> is configured to use </a:t>
+            </a:r>
+            <a:r>
+              <a:rPr lang="en-US" sz="2000" dirty="0" err="1"/>
+              <a:t>conda</a:t>
+            </a:r>
+            <a:r>
+              <a:rPr lang="en-US" sz="2000" dirty="0"/>
+              <a:t>-forge by default </a:t>
+            </a:r>
+            <a:r>
+              <a:rPr lang="en-US" sz="1600" b="0" dirty="0"/>
+              <a:t>(generally best for our work)</a:t>
+            </a:r>
+          </a:p>
+          <a:p>
+            <a:r>
+              <a:rPr lang="en-US" sz="2000" b="0" dirty="0"/>
+              <a:t>Best practice is to stick to single channel; only use pip for packages not on </a:t>
+            </a:r>
+            <a:r>
+              <a:rPr lang="en-US" sz="2000" b="0" dirty="0" err="1"/>
+              <a:t>conda</a:t>
+            </a:r>
+            <a:r>
+              <a:rPr lang="en-US" sz="2000" b="0" dirty="0"/>
+              <a:t>-forge</a:t>
+            </a:r>
+          </a:p>
+        </p:txBody>
+      </p:sp>
+      <p:pic>
+        <p:nvPicPr>
+          <p:cNvPr id="6" name="Picture 2" descr="conda-forge · GitHub">
+            <a:extLst>
+              <a:ext uri="{FF2B5EF4-FFF2-40B4-BE49-F238E27FC236}">
+                <a16:creationId xmlns:a16="http://schemas.microsoft.com/office/drawing/2014/main" id="{533F7239-7B09-1920-DD40-CBB7FAAD4FD4}"/>
+              </a:ext>
+            </a:extLst>
+          </p:cNvPr>
+          <p:cNvPicPr>
+            <a:picLocks noChangeAspect="1" noChangeArrowheads="1"/>
+          </p:cNvPicPr>
+          <p:nvPr/>
+        </p:nvPicPr>
+        <p:blipFill>
+          <a:blip r:embed="rId3">
+            <a:extLst>
+              <a:ext uri="{28A0092B-C50C-407E-A947-70E740481C1C}">
+                <a14:useLocalDpi xmlns:a14="http://schemas.microsoft.com/office/drawing/2010/main" val="0"/>
+              </a:ext>
+            </a:extLst>
+          </a:blip>
+          <a:srcRect/>
+          <a:stretch>
+            <a:fillRect/>
+          </a:stretch>
+        </p:blipFill>
+        <p:spPr bwMode="auto">
+          <a:xfrm>
+            <a:off x="5782788" y="2030905"/>
+            <a:ext cx="2844800" cy="2844800"/>
+          </a:xfrm>
+          <a:prstGeom prst="rect">
+            <a:avLst/>
+          </a:prstGeom>
+          <a:noFill/>
+          <a:extLst>
+            <a:ext uri="{909E8E84-426E-40DD-AFC4-6F175D3DCCD1}">
+              <a14:hiddenFill xmlns:a14="http://schemas.microsoft.com/office/drawing/2010/main">
+                <a:solidFill>
+                  <a:srgbClr val="FFFFFF"/>
+                </a:solidFill>
+              </a14:hiddenFill>
+            </a:ext>
+          </a:extLst>
+        </p:spPr>
+      </p:pic>
+    </p:spTree>
+    <p:extLst>
+      <p:ext uri="{BB962C8B-B14F-4D97-AF65-F5344CB8AC3E}">
+        <p14:creationId xmlns:p14="http://schemas.microsoft.com/office/powerpoint/2010/main" val="3567351238"/>
+      </p:ext>
+    </p:extLst>
+  </p:cSld>
+  <p:clrMapOvr>
+    <a:masterClrMapping/>
+  </p:clrMapOvr>
+</p:sld>
+</file>
+
+<file path=ppt/slides/slide18.xml><?xml version="1.0" encoding="utf-8"?>
+<p:sld xmlns:a="http://schemas.openxmlformats.org/drawingml/2006/main" xmlns:r="http://schemas.openxmlformats.org/officeDocument/2006/relationships" xmlns:p="http://schemas.openxmlformats.org/presentationml/2006/main">
+  <p:cSld>
+    <p:spTree>
+      <p:nvGrpSpPr>
+        <p:cNvPr id="1" name="">
+          <a:extLst>
+            <a:ext uri="{FF2B5EF4-FFF2-40B4-BE49-F238E27FC236}">
+              <a16:creationId xmlns:a16="http://schemas.microsoft.com/office/drawing/2014/main" id="{C5191EE9-5009-1E76-7D0A-2AAAB981E74C}"/>
+            </a:ext>
+          </a:extLst>
+        </p:cNvPr>
+        <p:cNvGrpSpPr/>
+        <p:nvPr/>
+      </p:nvGrpSpPr>
+      <p:grpSpPr>
+        <a:xfrm>
+          <a:off x="0" y="0"/>
+          <a:ext cx="0" cy="0"/>
+          <a:chOff x="0" y="0"/>
+          <a:chExt cx="0" cy="0"/>
+        </a:xfrm>
+      </p:grpSpPr>
+      <p:sp>
+        <p:nvSpPr>
+          <p:cNvPr id="2" name="Title 1">
+            <a:extLst>
+              <a:ext uri="{FF2B5EF4-FFF2-40B4-BE49-F238E27FC236}">
+                <a16:creationId xmlns:a16="http://schemas.microsoft.com/office/drawing/2014/main" id="{33A3A665-1882-8155-14FB-D43C36558D08}"/>
+              </a:ext>
+            </a:extLst>
+          </p:cNvPr>
+          <p:cNvSpPr>
+            <a:spLocks noGrp="1"/>
+          </p:cNvSpPr>
+          <p:nvPr>
+            <p:ph type="title"/>
+          </p:nvPr>
+        </p:nvSpPr>
+        <p:spPr>
+          <a:xfrm>
+            <a:off x="321788" y="0"/>
+            <a:ext cx="8305800" cy="1143000"/>
+          </a:xfrm>
+        </p:spPr>
+        <p:txBody>
+          <a:bodyPr/>
+          <a:lstStyle/>
+          <a:p>
+            <a:r>
+              <a:rPr lang="en-US" dirty="0"/>
+              <a:t>Virtual environments</a:t>
+            </a:r>
+          </a:p>
+        </p:txBody>
+      </p:sp>
+      <p:sp>
+        <p:nvSpPr>
+          <p:cNvPr id="3" name="Content Placeholder 2">
+            <a:extLst>
+              <a:ext uri="{FF2B5EF4-FFF2-40B4-BE49-F238E27FC236}">
+                <a16:creationId xmlns:a16="http://schemas.microsoft.com/office/drawing/2014/main" id="{36DDBFCD-991D-6098-9539-DE217FA2CFDB}"/>
+              </a:ext>
+            </a:extLst>
+          </p:cNvPr>
+          <p:cNvSpPr>
+            <a:spLocks noGrp="1"/>
+          </p:cNvSpPr>
+          <p:nvPr>
+            <p:ph idx="1"/>
+          </p:nvPr>
+        </p:nvSpPr>
+        <p:spPr>
+          <a:xfrm>
+            <a:off x="526654" y="1143000"/>
+            <a:ext cx="7896068" cy="4807894"/>
+          </a:xfrm>
+        </p:spPr>
+        <p:txBody>
+          <a:bodyPr/>
+          <a:lstStyle/>
+          <a:p>
+            <a:r>
+              <a:rPr lang="en-US" sz="2400" b="0" dirty="0"/>
+              <a:t>Many Python packages have dependencies, which in turn have dependencies…</a:t>
+            </a:r>
+          </a:p>
+          <a:p>
+            <a:r>
+              <a:rPr lang="en-US" sz="2400" b="0" dirty="0"/>
+              <a:t>Oftentimes, we may need different collections of packages for projects, or different versions of packages</a:t>
+            </a:r>
+          </a:p>
+          <a:p>
+            <a:r>
+              <a:rPr lang="en-US" sz="2400" b="0" i="1" dirty="0"/>
+              <a:t>Environments</a:t>
+            </a:r>
+            <a:r>
+              <a:rPr lang="en-US" sz="2400" b="0" dirty="0"/>
+              <a:t> can help us manage these</a:t>
+            </a:r>
+          </a:p>
+          <a:p>
+            <a:r>
+              <a:rPr lang="en-US" sz="2400" b="0" dirty="0"/>
+              <a:t>We created a </a:t>
+            </a:r>
+            <a:r>
+              <a:rPr lang="en-US" sz="2400" b="0" dirty="0" err="1">
+                <a:latin typeface="Menlo" panose="020B0609030804020204" pitchFamily="49" charset="0"/>
+                <a:ea typeface="Menlo" panose="020B0609030804020204" pitchFamily="49" charset="0"/>
+                <a:cs typeface="Menlo" panose="020B0609030804020204" pitchFamily="49" charset="0"/>
+              </a:rPr>
+              <a:t>pyclass</a:t>
+            </a:r>
+            <a:r>
+              <a:rPr lang="en-US" sz="2400" b="0" dirty="0"/>
+              <a:t> environment for this class</a:t>
+            </a:r>
+          </a:p>
+          <a:p>
+            <a:pPr lvl="1"/>
+            <a:r>
+              <a:rPr lang="en-US" sz="2000" b="0" dirty="0"/>
+              <a:t>If you look in the repo, you’ll also find a </a:t>
+            </a:r>
+            <a:r>
+              <a:rPr lang="en-US" sz="2000" b="0" dirty="0" err="1">
+                <a:latin typeface="Menlo" panose="020B0609030804020204" pitchFamily="49" charset="0"/>
+                <a:ea typeface="Menlo" panose="020B0609030804020204" pitchFamily="49" charset="0"/>
+                <a:cs typeface="Menlo" panose="020B0609030804020204" pitchFamily="49" charset="0"/>
+              </a:rPr>
+              <a:t>pyclass</a:t>
+            </a:r>
+            <a:r>
+              <a:rPr lang="en-US" sz="2000" b="0" dirty="0">
+                <a:latin typeface="Menlo" panose="020B0609030804020204" pitchFamily="49" charset="0"/>
+                <a:ea typeface="Menlo" panose="020B0609030804020204" pitchFamily="49" charset="0"/>
+                <a:cs typeface="Menlo" panose="020B0609030804020204" pitchFamily="49" charset="0"/>
+              </a:rPr>
+              <a:t>-docs </a:t>
+            </a:r>
+            <a:r>
+              <a:rPr lang="en-US" sz="2000" b="0" dirty="0"/>
+              <a:t>environment with extra packages for testing the course content and building t</a:t>
+            </a:r>
+          </a:p>
+          <a:p>
+            <a:r>
+              <a:rPr lang="en-US" sz="2400" b="0" dirty="0"/>
+              <a:t>Conda comes with a default </a:t>
+            </a:r>
+            <a:r>
+              <a:rPr lang="en-US" sz="2400" b="0" dirty="0">
+                <a:latin typeface="Menlo" panose="020B0609030804020204" pitchFamily="49" charset="0"/>
+                <a:ea typeface="Menlo" panose="020B0609030804020204" pitchFamily="49" charset="0"/>
+                <a:cs typeface="Menlo" panose="020B0609030804020204" pitchFamily="49" charset="0"/>
+              </a:rPr>
+              <a:t>base</a:t>
+            </a:r>
+            <a:r>
+              <a:rPr lang="en-US" sz="2400" b="0" dirty="0"/>
+              <a:t> environment</a:t>
+            </a:r>
+          </a:p>
+          <a:p>
+            <a:r>
+              <a:rPr lang="en-US" sz="2400" b="0" dirty="0"/>
+              <a:t>Best practice is to leave the </a:t>
+            </a:r>
+            <a:r>
+              <a:rPr lang="en-US" sz="2400" b="0" dirty="0">
+                <a:latin typeface="Menlo" panose="020B0609030804020204" pitchFamily="49" charset="0"/>
+                <a:ea typeface="Menlo" panose="020B0609030804020204" pitchFamily="49" charset="0"/>
+                <a:cs typeface="Menlo" panose="020B0609030804020204" pitchFamily="49" charset="0"/>
+              </a:rPr>
+              <a:t>base</a:t>
+            </a:r>
+            <a:r>
+              <a:rPr lang="en-US" sz="2400" b="0" dirty="0"/>
+              <a:t> alone and make new environments for each project</a:t>
+            </a:r>
+          </a:p>
+        </p:txBody>
+      </p:sp>
+    </p:spTree>
+    <p:extLst>
+      <p:ext uri="{BB962C8B-B14F-4D97-AF65-F5344CB8AC3E}">
+        <p14:creationId xmlns:p14="http://schemas.microsoft.com/office/powerpoint/2010/main" val="2229004556"/>
+      </p:ext>
+    </p:extLst>
+  </p:cSld>
+  <p:clrMapOvr>
+    <a:masterClrMapping/>
+  </p:clrMapOvr>
+</p:sld>
+</file>
+
+<file path=ppt/slides/slide19.xml><?xml version="1.0" encoding="utf-8"?>
 <p:sld xmlns:a="http://schemas.openxmlformats.org/drawingml/2006/main" xmlns:r="http://schemas.openxmlformats.org/officeDocument/2006/relationships" xmlns:p="http://schemas.openxmlformats.org/presentationml/2006/main">
   <p:cSld>
     <p:spTree>
@@ -5840,13 +7768,13 @@
           <a:p>
             <a:r>
               <a:rPr lang="en-US" dirty="0"/>
-              <a:t>Python 2 has long been retired</a:t>
+              <a:t>There was a Python 2</a:t>
             </a:r>
           </a:p>
           <a:p>
             <a:r>
               <a:rPr lang="en-US" dirty="0"/>
-              <a:t>We are using Python 3.11 for the class</a:t>
+              <a:t>We are using Python 3.12 for the class</a:t>
             </a:r>
           </a:p>
         </p:txBody>
@@ -5864,7 +7792,7 @@
 </p:sld>
 </file>
 
-<file path=ppt/slides/slide16.xml><?xml version="1.0" encoding="utf-8"?>
+<file path=ppt/slides/slide2.xml><?xml version="1.0" encoding="utf-8"?>
 <p:sld xmlns:a="http://schemas.openxmlformats.org/drawingml/2006/main" xmlns:r="http://schemas.openxmlformats.org/officeDocument/2006/relationships" xmlns:p="http://schemas.openxmlformats.org/presentationml/2006/main">
   <p:cSld>
     <p:spTree>
@@ -5891,19 +7819,14 @@
             <p:ph type="title"/>
           </p:nvPr>
         </p:nvSpPr>
-        <p:spPr>
-          <a:xfrm>
-            <a:off x="152400" y="0"/>
-            <a:ext cx="8305800" cy="1143000"/>
-          </a:xfrm>
-        </p:spPr>
+        <p:spPr/>
         <p:txBody>
           <a:bodyPr/>
           <a:lstStyle/>
           <a:p>
             <a:r>
               <a:rPr lang="en-US" dirty="0"/>
-              <a:t>On “best practices”…</a:t>
+              <a:t>Motivations for scripting</a:t>
             </a:r>
           </a:p>
         </p:txBody>
@@ -5920,8 +7843,8 @@
         </p:nvSpPr>
         <p:spPr>
           <a:xfrm>
-            <a:off x="228600" y="3276600"/>
-            <a:ext cx="8915400" cy="2895600"/>
+            <a:off x="381000" y="1524000"/>
+            <a:ext cx="8763000" cy="4495800"/>
           </a:xfrm>
         </p:spPr>
         <p:txBody>
@@ -5929,105 +7852,130 @@
           <a:lstStyle/>
           <a:p>
             <a:r>
-              <a:rPr lang="en-US" sz="2400" b="0" dirty="0">
+              <a:rPr lang="en-US" dirty="0"/>
+              <a:t>Automate tedious, boring and repetitive tasks (and manage cognitive load)</a:t>
+            </a:r>
+          </a:p>
+          <a:p>
+            <a:r>
+              <a:rPr lang="en-US" dirty="0"/>
+              <a:t>Escape limits imposed by other people’s software</a:t>
+            </a:r>
+          </a:p>
+          <a:p>
+            <a:r>
+              <a:rPr lang="en-US" dirty="0"/>
+              <a:t>Improve quality and efficiency of work (and life)</a:t>
+            </a:r>
+          </a:p>
+          <a:p>
+            <a:r>
+              <a:rPr lang="en-US" dirty="0"/>
+              <a:t>Open science, repeatability and reproducibility</a:t>
+            </a:r>
+          </a:p>
+          <a:p>
+            <a:r>
+              <a:rPr lang="en-US" dirty="0">
+                <a:latin typeface="Arial" panose="020B0604020202020204" pitchFamily="34" charset="0"/>
+                <a:cs typeface="Arial" panose="020B0604020202020204" pitchFamily="34" charset="0"/>
+              </a:rPr>
+              <a:t>See also </a:t>
+            </a:r>
+            <a:r>
+              <a:rPr lang="en-US" dirty="0">
+                <a:latin typeface="Arial" panose="020B0604020202020204" pitchFamily="34" charset="0"/>
+                <a:cs typeface="Arial" panose="020B0604020202020204" pitchFamily="34" charset="0"/>
                 <a:hlinkClick r:id="rId3"/>
               </a:rPr>
-              <a:t>PEP8 python style guide</a:t>
-            </a:r>
-            <a:r>
-              <a:rPr lang="en-US" sz="2400" b="0" dirty="0"/>
-              <a:t> </a:t>
-            </a:r>
-          </a:p>
-          <a:p>
-            <a:r>
-              <a:rPr lang="en-US" sz="2400" b="0" dirty="0" err="1">
-                <a:hlinkClick r:id="rId4"/>
-              </a:rPr>
-              <a:t>Numpy</a:t>
-            </a:r>
-            <a:r>
-              <a:rPr lang="en-US" sz="2400" b="0" dirty="0">
-                <a:hlinkClick r:id="rId4"/>
-              </a:rPr>
-              <a:t> doc string format</a:t>
-            </a:r>
-            <a:endParaRPr lang="en-US" sz="2400" b="0" dirty="0"/>
-          </a:p>
-          <a:p>
-            <a:r>
-              <a:rPr lang="en-US" sz="2400" b="0" dirty="0">
-                <a:hlinkClick r:id="rId5"/>
-              </a:rPr>
-              <a:t>”Good enough” practices for scientific computing</a:t>
-            </a:r>
-            <a:endParaRPr lang="en-US" sz="2400" b="0" dirty="0"/>
-          </a:p>
-          <a:p>
-            <a:r>
-              <a:rPr lang="en-US" sz="2400" b="0" dirty="0"/>
-              <a:t>Packaging, testing, documenting, and publishing scientific Python code: </a:t>
-            </a:r>
-          </a:p>
-          <a:p>
-            <a:pPr lvl="1"/>
-            <a:r>
-              <a:rPr lang="en-US" sz="1600" b="0" dirty="0">
+              <a:t>this recent debate </a:t>
+            </a:r>
+            <a:r>
+              <a:rPr lang="en-US" dirty="0">
                 <a:latin typeface="Arial" panose="020B0604020202020204" pitchFamily="34" charset="0"/>
                 <a:cs typeface="Arial" panose="020B0604020202020204" pitchFamily="34" charset="0"/>
-                <a:hlinkClick r:id="rId6"/>
               </a:rPr>
-              <a:t>Learn Scientific Python</a:t>
-            </a:r>
-            <a:endParaRPr lang="en-US" sz="1600" b="0" dirty="0">
-              <a:solidFill>
-                <a:srgbClr val="00B0F0"/>
-              </a:solidFill>
-              <a:latin typeface="Arial" panose="020B0604020202020204" pitchFamily="34" charset="0"/>
-              <a:cs typeface="Arial" panose="020B0604020202020204" pitchFamily="34" charset="0"/>
-            </a:endParaRPr>
-          </a:p>
-          <a:p>
-            <a:pPr lvl="1"/>
-            <a:r>
-              <a:rPr lang="en-US" sz="1600" b="0" dirty="0">
-                <a:latin typeface="Arial" panose="020B0604020202020204" pitchFamily="34" charset="0"/>
-                <a:cs typeface="Arial" panose="020B0604020202020204" pitchFamily="34" charset="0"/>
-                <a:hlinkClick r:id="rId7"/>
-              </a:rPr>
-              <a:t>pyOpenSci</a:t>
-            </a:r>
-            <a:endParaRPr lang="en-US" sz="1600" b="0" dirty="0">
-              <a:latin typeface="Arial" panose="020B0604020202020204" pitchFamily="34" charset="0"/>
-              <a:cs typeface="Arial" panose="020B0604020202020204" pitchFamily="34" charset="0"/>
-            </a:endParaRPr>
-          </a:p>
-          <a:p>
-            <a:pPr lvl="1"/>
-            <a:r>
-              <a:rPr lang="en-US" sz="1600" b="0" dirty="0">
-                <a:latin typeface="Arial" panose="020B0604020202020204" pitchFamily="34" charset="0"/>
-                <a:cs typeface="Arial" panose="020B0604020202020204" pitchFamily="34" charset="0"/>
-                <a:hlinkClick r:id="rId8"/>
-              </a:rPr>
-              <a:t>The Scientific Python Cookiecutter</a:t>
-            </a:r>
-            <a:endParaRPr lang="en-US" sz="1600" b="0" dirty="0">
-              <a:latin typeface="Arial" panose="020B0604020202020204" pitchFamily="34" charset="0"/>
-              <a:cs typeface="Arial" panose="020B0604020202020204" pitchFamily="34" charset="0"/>
-            </a:endParaRPr>
-          </a:p>
-          <a:p>
-            <a:endParaRPr lang="en-US" sz="2400" b="0" dirty="0"/>
+              <a:t>about GUIs vs scripting</a:t>
+            </a:r>
+            <a:endParaRPr lang="en-US" sz="2400" dirty="0"/>
+          </a:p>
+          <a:p>
+            <a:endParaRPr lang="en-US" sz="2400" dirty="0"/>
           </a:p>
         </p:txBody>
       </p:sp>
-      <p:sp>
-        <p:nvSpPr>
-          <p:cNvPr id="4" name="Content Placeholder 2">
+    </p:spTree>
+    <p:extLst>
+      <p:ext uri="{BB962C8B-B14F-4D97-AF65-F5344CB8AC3E}">
+        <p14:creationId xmlns:p14="http://schemas.microsoft.com/office/powerpoint/2010/main" val="3601755302"/>
+      </p:ext>
+    </p:extLst>
+  </p:cSld>
+  <p:clrMapOvr>
+    <a:masterClrMapping/>
+  </p:clrMapOvr>
+</p:sld>
+</file>
+
+<file path=ppt/slides/slide3.xml><?xml version="1.0" encoding="utf-8"?>
+<p:sld xmlns:a="http://schemas.openxmlformats.org/drawingml/2006/main" xmlns:r="http://schemas.openxmlformats.org/officeDocument/2006/relationships" xmlns:p="http://schemas.openxmlformats.org/presentationml/2006/main">
+  <p:cSld>
+    <p:spTree>
+      <p:nvGrpSpPr>
+        <p:cNvPr id="1" name=""/>
+        <p:cNvGrpSpPr/>
+        <p:nvPr/>
+      </p:nvGrpSpPr>
+      <p:grpSpPr>
+        <a:xfrm>
+          <a:off x="0" y="0"/>
+          <a:ext cx="0" cy="0"/>
+          <a:chOff x="0" y="0"/>
+          <a:chExt cx="0" cy="0"/>
+        </a:xfrm>
+      </p:grpSpPr>
+      <p:sp>
+        <p:nvSpPr>
+          <p:cNvPr id="3" name="Content Placeholder 2">
             <a:extLst>
               <a:ext uri="{FF2B5EF4-FFF2-40B4-BE49-F238E27FC236}">
-                <a16:creationId xmlns:a16="http://schemas.microsoft.com/office/drawing/2014/main" id="{B8001534-A890-DCF7-B769-2E1BC1744C03}"/>
+                <a16:creationId xmlns:a16="http://schemas.microsoft.com/office/drawing/2014/main" id="{075A3AED-D58D-BC77-581D-28980521D394}"/>
+              </a:ext>
+            </a:extLst>
+          </p:cNvPr>
+          <p:cNvSpPr>
+            <a:spLocks noGrp="1"/>
+          </p:cNvSpPr>
+          <p:nvPr>
+            <p:ph idx="1"/>
+          </p:nvPr>
+        </p:nvSpPr>
+        <p:spPr>
+          <a:xfrm>
+            <a:off x="533400" y="1866900"/>
+            <a:ext cx="8305800" cy="2057400"/>
+          </a:xfrm>
+        </p:spPr>
+        <p:txBody>
+          <a:bodyPr/>
+          <a:lstStyle/>
+          <a:p>
+            <a:pPr marL="0" indent="0">
+              <a:buNone/>
+            </a:pPr>
+            <a:r>
+              <a:rPr lang="en-US" dirty="0"/>
+              <a:t>“an article about [a] computational result is advertising, not scholarship. The actual scholarship is the full software environment, code and data, that produced the result.”</a:t>
+            </a:r>
+          </a:p>
+        </p:txBody>
+      </p:sp>
+      <p:sp>
+        <p:nvSpPr>
+          <p:cNvPr id="6" name="Title 1">
+            <a:extLst>
+              <a:ext uri="{FF2B5EF4-FFF2-40B4-BE49-F238E27FC236}">
+                <a16:creationId xmlns:a16="http://schemas.microsoft.com/office/drawing/2014/main" id="{05C3E832-2748-3110-94C5-41987FF5E548}"/>
               </a:ext>
             </a:extLst>
           </p:cNvPr>
@@ -6038,284 +7986,8 @@
         </p:nvSpPr>
         <p:spPr bwMode="auto">
           <a:xfrm>
-            <a:off x="228600" y="960120"/>
-            <a:ext cx="8915400" cy="2103120"/>
-          </a:xfrm>
-          <a:prstGeom prst="rect">
-            <a:avLst/>
-          </a:prstGeom>
-          <a:noFill/>
-          <a:ln>
-            <a:noFill/>
-          </a:ln>
-          <a:effectLst/>
-          <a:extLst>
-            <a:ext uri="{909E8E84-426E-40dd-AFC4-6F175D3DCCD1}">
-              <a14:hiddenFill xmlns="" xmlns:a14="http://schemas.microsoft.com/office/drawing/2010/main">
-                <a:solidFill>
-                  <a:schemeClr val="accent1"/>
-                </a:solidFill>
-              </a14:hiddenFill>
-            </a:ext>
-            <a:ext uri="{91240B29-F687-4f45-9708-019B960494DF}">
-              <a14:hiddenLine xmlns="" xmlns:a14="http://schemas.microsoft.com/office/drawing/2010/main" w="12700">
-                <a:solidFill>
-                  <a:schemeClr val="tx1"/>
-                </a:solidFill>
-                <a:miter lim="800000"/>
-                <a:headEnd/>
-                <a:tailEnd/>
-              </a14:hiddenLine>
-            </a:ext>
-            <a:ext uri="{AF507438-7753-43e0-B8FC-AC1667EBCBE1}">
-              <a14:hiddenEffects xmlns="" xmlns:a14="http://schemas.microsoft.com/office/drawing/2010/main">
-                <a:effectLst>
-                  <a:outerShdw blurRad="63500" dist="38099" dir="2700000" algn="ctr" rotWithShape="0">
-                    <a:schemeClr val="bg2">
-                      <a:alpha val="74998"/>
-                    </a:schemeClr>
-                  </a:outerShdw>
-                </a:effectLst>
-              </a14:hiddenEffects>
-            </a:ext>
-            <a:ext uri="{FAA26D3D-D897-4be2-8F04-BA451C77F1D7}">
-              <ma14:placeholderFlag xmlns="" xmlns:ma14="http://schemas.microsoft.com/office/mac/drawingml/2011/main" val="1"/>
-            </a:ext>
-          </a:extLst>
-        </p:spPr>
-        <p:txBody>
-          <a:bodyPr vert="horz" wrap="square" lIns="90488" tIns="44450" rIns="90488" bIns="44450" numCol="1" anchor="t" anchorCtr="0" compatLnSpc="1">
-            <a:prstTxWarp prst="textNoShape">
-              <a:avLst/>
-            </a:prstTxWarp>
-          </a:bodyPr>
-          <a:lstStyle>
-            <a:lvl1pPr marL="342900" indent="-342900" algn="l" rtl="0" eaLnBrk="0" fontAlgn="base" hangingPunct="0">
-              <a:spcBef>
-                <a:spcPct val="20000"/>
-              </a:spcBef>
-              <a:spcAft>
-                <a:spcPct val="0"/>
-              </a:spcAft>
-              <a:buClr>
-                <a:srgbClr val="FFFF99"/>
-              </a:buClr>
-              <a:buSzPct val="125000"/>
-              <a:buFont typeface="Wingdings" charset="0"/>
-              <a:buChar char="§"/>
-              <a:defRPr sz="2800" b="1">
-                <a:solidFill>
-                  <a:schemeClr val="bg1"/>
-                </a:solidFill>
-                <a:latin typeface="+mn-lt"/>
-                <a:ea typeface="+mn-ea"/>
-                <a:cs typeface="ＭＳ Ｐゴシック" charset="0"/>
-              </a:defRPr>
-            </a:lvl1pPr>
-            <a:lvl2pPr marL="742950" indent="-285750" algn="l" rtl="0" eaLnBrk="0" fontAlgn="base" hangingPunct="0">
-              <a:spcBef>
-                <a:spcPct val="20000"/>
-              </a:spcBef>
-              <a:spcAft>
-                <a:spcPct val="0"/>
-              </a:spcAft>
-              <a:buClr>
-                <a:srgbClr val="FFFF99"/>
-              </a:buClr>
-              <a:buSzPct val="125000"/>
-              <a:buFont typeface="Wingdings" charset="0"/>
-              <a:buChar char="§"/>
-              <a:defRPr sz="2400" b="1">
-                <a:solidFill>
-                  <a:schemeClr val="bg1"/>
-                </a:solidFill>
-                <a:latin typeface="+mn-lt"/>
-                <a:ea typeface="+mn-ea"/>
-              </a:defRPr>
-            </a:lvl2pPr>
-            <a:lvl3pPr marL="1143000" indent="-228600" algn="l" rtl="0" eaLnBrk="0" fontAlgn="base" hangingPunct="0">
-              <a:spcBef>
-                <a:spcPct val="20000"/>
-              </a:spcBef>
-              <a:spcAft>
-                <a:spcPct val="0"/>
-              </a:spcAft>
-              <a:buClr>
-                <a:srgbClr val="FFFF99"/>
-              </a:buClr>
-              <a:buSzPct val="125000"/>
-              <a:buFont typeface="Wingdings" charset="0"/>
-              <a:buChar char="§"/>
-              <a:defRPr sz="2000" b="1">
-                <a:solidFill>
-                  <a:schemeClr val="bg1"/>
-                </a:solidFill>
-                <a:latin typeface="+mn-lt"/>
-                <a:ea typeface="+mn-ea"/>
-              </a:defRPr>
-            </a:lvl3pPr>
-            <a:lvl4pPr marL="1600200" indent="-228600" algn="l" rtl="0" eaLnBrk="0" fontAlgn="base" hangingPunct="0">
-              <a:spcBef>
-                <a:spcPct val="20000"/>
-              </a:spcBef>
-              <a:spcAft>
-                <a:spcPct val="0"/>
-              </a:spcAft>
-              <a:buClr>
-                <a:srgbClr val="FFFF99"/>
-              </a:buClr>
-              <a:buSzPct val="125000"/>
-              <a:buFont typeface="Wingdings" charset="0"/>
-              <a:buChar char="§"/>
-              <a:defRPr b="1">
-                <a:solidFill>
-                  <a:schemeClr val="bg1"/>
-                </a:solidFill>
-                <a:latin typeface="+mn-lt"/>
-                <a:ea typeface="+mn-ea"/>
-              </a:defRPr>
-            </a:lvl4pPr>
-            <a:lvl5pPr marL="2057400" indent="-228600" algn="l" rtl="0" eaLnBrk="0" fontAlgn="base" hangingPunct="0">
-              <a:spcBef>
-                <a:spcPct val="20000"/>
-              </a:spcBef>
-              <a:spcAft>
-                <a:spcPct val="0"/>
-              </a:spcAft>
-              <a:buClr>
-                <a:srgbClr val="FFFF99"/>
-              </a:buClr>
-              <a:buSzPct val="125000"/>
-              <a:buFont typeface="Wingdings" charset="0"/>
-              <a:buChar char="§"/>
-              <a:defRPr b="1">
-                <a:solidFill>
-                  <a:schemeClr val="bg1"/>
-                </a:solidFill>
-                <a:latin typeface="+mn-lt"/>
-                <a:ea typeface="+mn-ea"/>
-              </a:defRPr>
-            </a:lvl5pPr>
-            <a:lvl6pPr marL="2514600" indent="-228600" algn="l" rtl="0" eaLnBrk="0" fontAlgn="base" hangingPunct="0">
-              <a:spcBef>
-                <a:spcPct val="20000"/>
-              </a:spcBef>
-              <a:spcAft>
-                <a:spcPct val="0"/>
-              </a:spcAft>
-              <a:buClr>
-                <a:srgbClr val="FFFF99"/>
-              </a:buClr>
-              <a:buSzPct val="125000"/>
-              <a:buFont typeface="Wingdings" charset="0"/>
-              <a:buChar char="§"/>
-              <a:defRPr b="1">
-                <a:solidFill>
-                  <a:schemeClr val="bg1"/>
-                </a:solidFill>
-                <a:latin typeface="+mn-lt"/>
-                <a:ea typeface="+mn-ea"/>
-              </a:defRPr>
-            </a:lvl6pPr>
-            <a:lvl7pPr marL="2971800" indent="-228600" algn="l" rtl="0" eaLnBrk="0" fontAlgn="base" hangingPunct="0">
-              <a:spcBef>
-                <a:spcPct val="20000"/>
-              </a:spcBef>
-              <a:spcAft>
-                <a:spcPct val="0"/>
-              </a:spcAft>
-              <a:buClr>
-                <a:srgbClr val="FFFF99"/>
-              </a:buClr>
-              <a:buSzPct val="125000"/>
-              <a:buFont typeface="Wingdings" charset="0"/>
-              <a:buChar char="§"/>
-              <a:defRPr b="1">
-                <a:solidFill>
-                  <a:schemeClr val="bg1"/>
-                </a:solidFill>
-                <a:latin typeface="+mn-lt"/>
-                <a:ea typeface="+mn-ea"/>
-              </a:defRPr>
-            </a:lvl7pPr>
-            <a:lvl8pPr marL="3429000" indent="-228600" algn="l" rtl="0" eaLnBrk="0" fontAlgn="base" hangingPunct="0">
-              <a:spcBef>
-                <a:spcPct val="20000"/>
-              </a:spcBef>
-              <a:spcAft>
-                <a:spcPct val="0"/>
-              </a:spcAft>
-              <a:buClr>
-                <a:srgbClr val="FFFF99"/>
-              </a:buClr>
-              <a:buSzPct val="125000"/>
-              <a:buFont typeface="Wingdings" charset="0"/>
-              <a:buChar char="§"/>
-              <a:defRPr b="1">
-                <a:solidFill>
-                  <a:schemeClr val="bg1"/>
-                </a:solidFill>
-                <a:latin typeface="+mn-lt"/>
-                <a:ea typeface="+mn-ea"/>
-              </a:defRPr>
-            </a:lvl8pPr>
-            <a:lvl9pPr marL="3886200" indent="-228600" algn="l" rtl="0" eaLnBrk="0" fontAlgn="base" hangingPunct="0">
-              <a:spcBef>
-                <a:spcPct val="20000"/>
-              </a:spcBef>
-              <a:spcAft>
-                <a:spcPct val="0"/>
-              </a:spcAft>
-              <a:buClr>
-                <a:srgbClr val="FFFF99"/>
-              </a:buClr>
-              <a:buSzPct val="125000"/>
-              <a:buFont typeface="Wingdings" charset="0"/>
-              <a:buChar char="§"/>
-              <a:defRPr b="1">
-                <a:solidFill>
-                  <a:schemeClr val="bg1"/>
-                </a:solidFill>
-                <a:latin typeface="+mn-lt"/>
-                <a:ea typeface="+mn-ea"/>
-              </a:defRPr>
-            </a:lvl9pPr>
-          </a:lstStyle>
-          <a:p>
-            <a:r>
-              <a:rPr lang="en-US" sz="2400" b="0" kern="0" dirty="0"/>
-              <a:t>“Good code” helps us avoid mistakes, be more efficient and collaborate more effectively</a:t>
-            </a:r>
-          </a:p>
-          <a:p>
-            <a:r>
-              <a:rPr lang="en-US" sz="2400" b="0" kern="0" dirty="0"/>
-              <a:t>Your biggest collaborator may be yourself 6 months from now</a:t>
-            </a:r>
-          </a:p>
-          <a:p>
-            <a:endParaRPr lang="en-US" sz="2400" b="0" kern="0" dirty="0"/>
-          </a:p>
-        </p:txBody>
-      </p:sp>
-      <p:sp>
-        <p:nvSpPr>
-          <p:cNvPr id="5" name="Title 1">
-            <a:extLst>
-              <a:ext uri="{FF2B5EF4-FFF2-40B4-BE49-F238E27FC236}">
-                <a16:creationId xmlns:a16="http://schemas.microsoft.com/office/drawing/2014/main" id="{3E3A0F7F-469F-DCA0-3DA3-0F3F4B6086A8}"/>
-              </a:ext>
-            </a:extLst>
-          </p:cNvPr>
-          <p:cNvSpPr txBox="1">
-            <a:spLocks/>
-          </p:cNvSpPr>
-          <p:nvPr/>
-        </p:nvSpPr>
-        <p:spPr bwMode="auto">
-          <a:xfrm>
-            <a:off x="152400" y="2438400"/>
-            <a:ext cx="8382000" cy="929640"/>
+            <a:off x="304800" y="115669"/>
+            <a:ext cx="8305800" cy="1143000"/>
           </a:xfrm>
           <a:prstGeom prst="rect">
             <a:avLst/>
@@ -6510,15 +8182,240 @@
           <a:p>
             <a:r>
               <a:rPr lang="en-US" kern="0" dirty="0"/>
-              <a:t>Resources</a:t>
-            </a:r>
+              <a:t>Repeatability is critical for good science</a:t>
+            </a:r>
+          </a:p>
+        </p:txBody>
+      </p:sp>
+      <p:sp>
+        <p:nvSpPr>
+          <p:cNvPr id="4" name="TextBox 3">
+            <a:extLst>
+              <a:ext uri="{FF2B5EF4-FFF2-40B4-BE49-F238E27FC236}">
+                <a16:creationId xmlns:a16="http://schemas.microsoft.com/office/drawing/2014/main" id="{D0997DCB-4F21-6F0F-1473-D3B47EE203B4}"/>
+              </a:ext>
+            </a:extLst>
+          </p:cNvPr>
+          <p:cNvSpPr txBox="1"/>
+          <p:nvPr/>
+        </p:nvSpPr>
+        <p:spPr>
+          <a:xfrm>
+            <a:off x="4343400" y="6096000"/>
+            <a:ext cx="4572000" cy="646331"/>
+          </a:xfrm>
+          <a:prstGeom prst="rect">
+            <a:avLst/>
+          </a:prstGeom>
+          <a:noFill/>
+        </p:spPr>
+        <p:txBody>
+          <a:bodyPr wrap="square">
+            <a:spAutoFit/>
+          </a:bodyPr>
+          <a:lstStyle/>
+          <a:p>
+            <a:pPr algn="r"/>
+            <a:r>
+              <a:rPr lang="en-US" sz="1200" b="0" i="0" dirty="0" err="1">
+                <a:solidFill>
+                  <a:schemeClr val="bg1"/>
+                </a:solidFill>
+                <a:effectLst/>
+                <a:latin typeface="Arial" panose="020B0604020202020204" pitchFamily="34" charset="0"/>
+                <a:cs typeface="Arial" panose="020B0604020202020204" pitchFamily="34" charset="0"/>
+              </a:rPr>
+              <a:t>Buckheit</a:t>
+            </a:r>
+            <a:r>
+              <a:rPr lang="en-US" sz="1200" b="0" i="0" dirty="0">
+                <a:solidFill>
+                  <a:schemeClr val="bg1"/>
+                </a:solidFill>
+                <a:effectLst/>
+                <a:latin typeface="Arial" panose="020B0604020202020204" pitchFamily="34" charset="0"/>
+                <a:cs typeface="Arial" panose="020B0604020202020204" pitchFamily="34" charset="0"/>
+              </a:rPr>
+              <a:t> JB, </a:t>
+            </a:r>
+            <a:r>
+              <a:rPr lang="en-US" sz="1200" b="0" i="0" dirty="0" err="1">
+                <a:solidFill>
+                  <a:schemeClr val="bg1"/>
+                </a:solidFill>
+                <a:effectLst/>
+                <a:latin typeface="Arial" panose="020B0604020202020204" pitchFamily="34" charset="0"/>
+                <a:cs typeface="Arial" panose="020B0604020202020204" pitchFamily="34" charset="0"/>
+              </a:rPr>
+              <a:t>Donoho</a:t>
+            </a:r>
+            <a:r>
+              <a:rPr lang="en-US" sz="1200" b="0" i="0" dirty="0">
+                <a:solidFill>
+                  <a:schemeClr val="bg1"/>
+                </a:solidFill>
+                <a:effectLst/>
+                <a:latin typeface="Arial" panose="020B0604020202020204" pitchFamily="34" charset="0"/>
+                <a:cs typeface="Arial" panose="020B0604020202020204" pitchFamily="34" charset="0"/>
+              </a:rPr>
+              <a:t> DL. </a:t>
+            </a:r>
+            <a:r>
+              <a:rPr lang="en-US" sz="1200" b="1" i="0" dirty="0">
+                <a:solidFill>
+                  <a:schemeClr val="bg1"/>
+                </a:solidFill>
+                <a:effectLst/>
+                <a:latin typeface="Arial" panose="020B0604020202020204" pitchFamily="34" charset="0"/>
+                <a:cs typeface="Arial" panose="020B0604020202020204" pitchFamily="34" charset="0"/>
+              </a:rPr>
+              <a:t>1995</a:t>
+            </a:r>
+            <a:r>
+              <a:rPr lang="en-US" sz="1200" b="0" i="0" dirty="0">
+                <a:solidFill>
+                  <a:schemeClr val="bg1"/>
+                </a:solidFill>
+                <a:effectLst/>
+                <a:latin typeface="Arial" panose="020B0604020202020204" pitchFamily="34" charset="0"/>
+                <a:cs typeface="Arial" panose="020B0604020202020204" pitchFamily="34" charset="0"/>
+              </a:rPr>
+              <a:t>. </a:t>
+            </a:r>
+            <a:r>
+              <a:rPr lang="en-US" sz="1200" b="0" i="0" dirty="0" err="1">
+                <a:solidFill>
+                  <a:schemeClr val="bg1"/>
+                </a:solidFill>
+                <a:effectLst/>
+                <a:latin typeface="Arial" panose="020B0604020202020204" pitchFamily="34" charset="0"/>
+                <a:cs typeface="Arial" panose="020B0604020202020204" pitchFamily="34" charset="0"/>
+              </a:rPr>
+              <a:t>Wavelab</a:t>
+            </a:r>
+            <a:r>
+              <a:rPr lang="en-US" sz="1200" b="0" i="0" dirty="0">
+                <a:solidFill>
+                  <a:schemeClr val="bg1"/>
+                </a:solidFill>
+                <a:effectLst/>
+                <a:latin typeface="Arial" panose="020B0604020202020204" pitchFamily="34" charset="0"/>
+                <a:cs typeface="Arial" panose="020B0604020202020204" pitchFamily="34" charset="0"/>
+              </a:rPr>
+              <a:t> and reproducible research. In </a:t>
+            </a:r>
+            <a:r>
+              <a:rPr lang="en-US" sz="1200" b="0" i="1" dirty="0">
+                <a:solidFill>
+                  <a:schemeClr val="bg1"/>
+                </a:solidFill>
+                <a:effectLst/>
+                <a:latin typeface="Arial" panose="020B0604020202020204" pitchFamily="34" charset="0"/>
+                <a:cs typeface="Arial" panose="020B0604020202020204" pitchFamily="34" charset="0"/>
+              </a:rPr>
+              <a:t>Wavelets and Statistics</a:t>
+            </a:r>
+            <a:r>
+              <a:rPr lang="en-US" sz="1200" b="0" i="0" dirty="0">
+                <a:solidFill>
+                  <a:schemeClr val="bg1"/>
+                </a:solidFill>
+                <a:effectLst/>
+                <a:latin typeface="Arial" panose="020B0604020202020204" pitchFamily="34" charset="0"/>
+                <a:cs typeface="Arial" panose="020B0604020202020204" pitchFamily="34" charset="0"/>
+              </a:rPr>
+              <a:t>, ed. A Antoniadis, pp. 55–81. New York: Springer-Verlag</a:t>
+            </a:r>
+            <a:endParaRPr lang="en-US" sz="1200" dirty="0">
+              <a:solidFill>
+                <a:schemeClr val="bg1"/>
+              </a:solidFill>
+              <a:latin typeface="Arial" panose="020B0604020202020204" pitchFamily="34" charset="0"/>
+              <a:cs typeface="Arial" panose="020B0604020202020204" pitchFamily="34" charset="0"/>
+            </a:endParaRPr>
+          </a:p>
+        </p:txBody>
+      </p:sp>
+      <p:sp>
+        <p:nvSpPr>
+          <p:cNvPr id="7" name="TextBox 6">
+            <a:extLst>
+              <a:ext uri="{FF2B5EF4-FFF2-40B4-BE49-F238E27FC236}">
+                <a16:creationId xmlns:a16="http://schemas.microsoft.com/office/drawing/2014/main" id="{F569973B-3AF2-AA6C-C385-36C0D4B7C826}"/>
+              </a:ext>
+            </a:extLst>
+          </p:cNvPr>
+          <p:cNvSpPr txBox="1"/>
+          <p:nvPr/>
+        </p:nvSpPr>
+        <p:spPr>
+          <a:xfrm>
+            <a:off x="3886200" y="4343400"/>
+            <a:ext cx="4572000" cy="707886"/>
+          </a:xfrm>
+          <a:prstGeom prst="rect">
+            <a:avLst/>
+          </a:prstGeom>
+          <a:noFill/>
+        </p:spPr>
+        <p:txBody>
+          <a:bodyPr wrap="square">
+            <a:spAutoFit/>
+          </a:bodyPr>
+          <a:lstStyle/>
+          <a:p>
+            <a:r>
+              <a:rPr lang="en-US" sz="2000" dirty="0" err="1">
+                <a:solidFill>
+                  <a:schemeClr val="bg1"/>
+                </a:solidFill>
+              </a:rPr>
+              <a:t>Buckheit</a:t>
+            </a:r>
+            <a:r>
+              <a:rPr lang="en-US" sz="2000" dirty="0">
+                <a:solidFill>
+                  <a:schemeClr val="bg1"/>
+                </a:solidFill>
+              </a:rPr>
+              <a:t> and </a:t>
+            </a:r>
+            <a:r>
+              <a:rPr lang="en-US" sz="2000" dirty="0" err="1">
+                <a:solidFill>
+                  <a:schemeClr val="bg1"/>
+                </a:solidFill>
+              </a:rPr>
+              <a:t>Donoho</a:t>
+            </a:r>
+            <a:r>
+              <a:rPr lang="en-US" sz="2000" dirty="0">
+                <a:solidFill>
+                  <a:schemeClr val="bg1"/>
+                </a:solidFill>
+              </a:rPr>
+              <a:t> (1995), paraphrasing John </a:t>
+            </a:r>
+            <a:r>
+              <a:rPr lang="en-US" sz="2000" dirty="0" err="1">
+                <a:solidFill>
+                  <a:schemeClr val="bg1"/>
+                </a:solidFill>
+              </a:rPr>
+              <a:t>Claerbout</a:t>
+            </a:r>
+            <a:endParaRPr lang="en-US" sz="2000" dirty="0">
+              <a:solidFill>
+                <a:schemeClr val="bg1"/>
+              </a:solidFill>
+            </a:endParaRPr>
           </a:p>
         </p:txBody>
       </p:sp>
     </p:spTree>
     <p:extLst>
       <p:ext uri="{BB962C8B-B14F-4D97-AF65-F5344CB8AC3E}">
-        <p14:creationId xmlns:p14="http://schemas.microsoft.com/office/powerpoint/2010/main" val="1805047083"/>
+        <p14:creationId xmlns:p14="http://schemas.microsoft.com/office/powerpoint/2010/main" val="1760448523"/>
       </p:ext>
     </p:extLst>
   </p:cSld>
@@ -6528,12 +8425,18 @@
 </p:sld>
 </file>
 
-<file path=ppt/slides/slide2.xml><?xml version="1.0" encoding="utf-8"?>
+<file path=ppt/slides/slide4.xml><?xml version="1.0" encoding="utf-8"?>
 <p:sld xmlns:a="http://schemas.openxmlformats.org/drawingml/2006/main" xmlns:r="http://schemas.openxmlformats.org/officeDocument/2006/relationships" xmlns:p="http://schemas.openxmlformats.org/presentationml/2006/main">
   <p:cSld>
     <p:spTree>
       <p:nvGrpSpPr>
-        <p:cNvPr id="1" name=""/>
+        <p:cNvPr id="1" name="">
+          <a:extLst>
+            <a:ext uri="{FF2B5EF4-FFF2-40B4-BE49-F238E27FC236}">
+              <a16:creationId xmlns:a16="http://schemas.microsoft.com/office/drawing/2014/main" id="{9E4A0767-F539-FE49-563B-E4A493700BB9}"/>
+            </a:ext>
+          </a:extLst>
+        </p:cNvPr>
         <p:cNvGrpSpPr/>
         <p:nvPr/>
       </p:nvGrpSpPr>
@@ -6547,171 +8450,10 @@
       </p:grpSpPr>
       <p:sp>
         <p:nvSpPr>
-          <p:cNvPr id="2" name="Title 1"/>
-          <p:cNvSpPr>
-            <a:spLocks noGrp="1"/>
-          </p:cNvSpPr>
-          <p:nvPr>
-            <p:ph type="title"/>
-          </p:nvPr>
-        </p:nvSpPr>
-        <p:spPr/>
-        <p:txBody>
-          <a:bodyPr/>
-          <a:lstStyle/>
-          <a:p>
-            <a:r>
-              <a:rPr lang="en-US" dirty="0"/>
-              <a:t>Motivations for using Python</a:t>
-            </a:r>
-          </a:p>
-        </p:txBody>
-      </p:sp>
-      <p:sp>
-        <p:nvSpPr>
-          <p:cNvPr id="3" name="Content Placeholder 2"/>
-          <p:cNvSpPr>
-            <a:spLocks noGrp="1"/>
-          </p:cNvSpPr>
-          <p:nvPr>
-            <p:ph idx="1"/>
-          </p:nvPr>
-        </p:nvSpPr>
-        <p:spPr>
-          <a:xfrm>
-            <a:off x="381000" y="1524000"/>
-            <a:ext cx="8763000" cy="4495800"/>
-          </a:xfrm>
-        </p:spPr>
-        <p:txBody>
-          <a:bodyPr/>
-          <a:lstStyle/>
-          <a:p>
-            <a:r>
-              <a:rPr lang="en-US" dirty="0"/>
-              <a:t>Automate tedious, boring and repetitive tasks (and manage cognitive load)</a:t>
-            </a:r>
-          </a:p>
-          <a:p>
-            <a:r>
-              <a:rPr lang="en-US" dirty="0"/>
-              <a:t>Escape limits imposed by other people’s software</a:t>
-            </a:r>
-          </a:p>
-          <a:p>
-            <a:r>
-              <a:rPr lang="en-US" dirty="0"/>
-              <a:t>Improve quality and efficiency of work (and life)</a:t>
-            </a:r>
-          </a:p>
-          <a:p>
-            <a:r>
-              <a:rPr lang="en-US" dirty="0"/>
-              <a:t>Scientific reproducibility</a:t>
-            </a:r>
-          </a:p>
-          <a:p>
-            <a:r>
-              <a:rPr lang="en-US" dirty="0">
-                <a:latin typeface="Arial" panose="020B0604020202020204" pitchFamily="34" charset="0"/>
-                <a:cs typeface="Arial" panose="020B0604020202020204" pitchFamily="34" charset="0"/>
-              </a:rPr>
-              <a:t>See also </a:t>
-            </a:r>
-            <a:r>
-              <a:rPr lang="en-US" dirty="0">
-                <a:latin typeface="Arial" panose="020B0604020202020204" pitchFamily="34" charset="0"/>
-                <a:cs typeface="Arial" panose="020B0604020202020204" pitchFamily="34" charset="0"/>
-                <a:hlinkClick r:id="rId3"/>
-              </a:rPr>
-              <a:t>this recent debate </a:t>
-            </a:r>
-            <a:r>
-              <a:rPr lang="en-US" dirty="0">
-                <a:latin typeface="Arial" panose="020B0604020202020204" pitchFamily="34" charset="0"/>
-                <a:cs typeface="Arial" panose="020B0604020202020204" pitchFamily="34" charset="0"/>
-              </a:rPr>
-              <a:t>about GUIs vs scripting</a:t>
-            </a:r>
-            <a:endParaRPr lang="en-US" sz="2400" dirty="0"/>
-          </a:p>
-          <a:p>
-            <a:endParaRPr lang="en-US" sz="2400" dirty="0"/>
-          </a:p>
-        </p:txBody>
-      </p:sp>
-    </p:spTree>
-    <p:extLst>
-      <p:ext uri="{BB962C8B-B14F-4D97-AF65-F5344CB8AC3E}">
-        <p14:creationId xmlns:p14="http://schemas.microsoft.com/office/powerpoint/2010/main" val="3601755302"/>
-      </p:ext>
-    </p:extLst>
-  </p:cSld>
-  <p:clrMapOvr>
-    <a:masterClrMapping/>
-  </p:clrMapOvr>
-</p:sld>
-</file>
-
-<file path=ppt/slides/slide3.xml><?xml version="1.0" encoding="utf-8"?>
-<p:sld xmlns:a="http://schemas.openxmlformats.org/drawingml/2006/main" xmlns:r="http://schemas.openxmlformats.org/officeDocument/2006/relationships" xmlns:p="http://schemas.openxmlformats.org/presentationml/2006/main">
-  <p:cSld>
-    <p:spTree>
-      <p:nvGrpSpPr>
-        <p:cNvPr id="1" name=""/>
-        <p:cNvGrpSpPr/>
-        <p:nvPr/>
-      </p:nvGrpSpPr>
-      <p:grpSpPr>
-        <a:xfrm>
-          <a:off x="0" y="0"/>
-          <a:ext cx="0" cy="0"/>
-          <a:chOff x="0" y="0"/>
-          <a:chExt cx="0" cy="0"/>
-        </a:xfrm>
-      </p:grpSpPr>
-      <p:sp>
-        <p:nvSpPr>
-          <p:cNvPr id="3" name="Content Placeholder 2">
-            <a:extLst>
-              <a:ext uri="{FF2B5EF4-FFF2-40B4-BE49-F238E27FC236}">
-                <a16:creationId xmlns:a16="http://schemas.microsoft.com/office/drawing/2014/main" id="{075A3AED-D58D-BC77-581D-28980521D394}"/>
-              </a:ext>
-            </a:extLst>
-          </p:cNvPr>
-          <p:cNvSpPr>
-            <a:spLocks noGrp="1"/>
-          </p:cNvSpPr>
-          <p:nvPr>
-            <p:ph idx="1"/>
-          </p:nvPr>
-        </p:nvSpPr>
-        <p:spPr>
-          <a:xfrm>
-            <a:off x="533400" y="1866900"/>
-            <a:ext cx="8305800" cy="2057400"/>
-          </a:xfrm>
-        </p:spPr>
-        <p:txBody>
-          <a:bodyPr/>
-          <a:lstStyle/>
-          <a:p>
-            <a:pPr marL="0" indent="0">
-              <a:buNone/>
-            </a:pPr>
-            <a:r>
-              <a:rPr lang="en-US" dirty="0"/>
-              <a:t>“an article about [a] computational result is advertising, not scholarship. The actual scholarship is the full software environment, code and data, that produced the result.”</a:t>
-            </a:r>
-          </a:p>
-        </p:txBody>
-      </p:sp>
-      <p:sp>
-        <p:nvSpPr>
           <p:cNvPr id="6" name="Title 1">
             <a:extLst>
               <a:ext uri="{FF2B5EF4-FFF2-40B4-BE49-F238E27FC236}">
-                <a16:creationId xmlns:a16="http://schemas.microsoft.com/office/drawing/2014/main" id="{05C3E832-2748-3110-94C5-41987FF5E548}"/>
+                <a16:creationId xmlns:a16="http://schemas.microsoft.com/office/drawing/2014/main" id="{11FEF6DC-15D7-FF53-A807-FEC534208199}"/>
               </a:ext>
             </a:extLst>
           </p:cNvPr>
@@ -6735,14 +8477,14 @@
           <a:effectLst/>
           <a:extLst>
             <a:ext uri="{909E8E84-426E-40dd-AFC4-6F175D3DCCD1}">
-              <a14:hiddenFill xmlns="" xmlns:a14="http://schemas.microsoft.com/office/drawing/2010/main">
+              <a14:hiddenFill xmlns:a14="http://schemas.microsoft.com/office/drawing/2010/main" xmlns="">
                 <a:solidFill>
                   <a:schemeClr val="accent1"/>
                 </a:solidFill>
               </a14:hiddenFill>
             </a:ext>
             <a:ext uri="{91240B29-F687-4f45-9708-019B960494DF}">
-              <a14:hiddenLine xmlns="" xmlns:a14="http://schemas.microsoft.com/office/drawing/2010/main" w="12700">
+              <a14:hiddenLine xmlns:a14="http://schemas.microsoft.com/office/drawing/2010/main" xmlns="" w="12700">
                 <a:solidFill>
                   <a:schemeClr val="tx1"/>
                 </a:solidFill>
@@ -6752,7 +8494,7 @@
               </a14:hiddenLine>
             </a:ext>
             <a:ext uri="{AF507438-7753-43e0-B8FC-AC1667EBCBE1}">
-              <a14:hiddenEffects xmlns="" xmlns:a14="http://schemas.microsoft.com/office/drawing/2010/main">
+              <a14:hiddenEffects xmlns:a14="http://schemas.microsoft.com/office/drawing/2010/main" xmlns="">
                 <a:effectLst>
                   <a:outerShdw blurRad="63500" dist="38099" dir="2700000" algn="ctr" rotWithShape="0">
                     <a:schemeClr val="bg2">
@@ -6763,7 +8505,7 @@
               </a14:hiddenEffects>
             </a:ext>
             <a:ext uri="{FAA26D3D-D897-4be2-8F04-BA451C77F1D7}">
-              <ma14:placeholderFlag xmlns="" xmlns:ma14="http://schemas.microsoft.com/office/mac/drawingml/2011/main" val="1"/>
+              <ma14:placeholderFlag xmlns:ma14="http://schemas.microsoft.com/office/mac/drawingml/2011/main" xmlns="" val="1"/>
             </a:ext>
           </a:extLst>
         </p:spPr>
@@ -6918,240 +8660,69 @@
           <a:p>
             <a:r>
               <a:rPr lang="en-US" kern="0" dirty="0"/>
-              <a:t>Python and Reproducibility</a:t>
+              <a:t>Other benefits of open science and repeatability</a:t>
             </a:r>
           </a:p>
         </p:txBody>
       </p:sp>
       <p:sp>
         <p:nvSpPr>
-          <p:cNvPr id="4" name="TextBox 3">
+          <p:cNvPr id="5" name="Content Placeholder 4">
             <a:extLst>
               <a:ext uri="{FF2B5EF4-FFF2-40B4-BE49-F238E27FC236}">
-                <a16:creationId xmlns:a16="http://schemas.microsoft.com/office/drawing/2014/main" id="{D0997DCB-4F21-6F0F-1473-D3B47EE203B4}"/>
+                <a16:creationId xmlns:a16="http://schemas.microsoft.com/office/drawing/2014/main" id="{81266086-AE58-8052-24D6-3FECBEE99E76}"/>
               </a:ext>
             </a:extLst>
           </p:cNvPr>
-          <p:cNvSpPr txBox="1"/>
-          <p:nvPr/>
+          <p:cNvSpPr>
+            <a:spLocks noGrp="1"/>
+          </p:cNvSpPr>
+          <p:nvPr>
+            <p:ph idx="1"/>
+          </p:nvPr>
         </p:nvSpPr>
         <p:spPr>
           <a:xfrm>
-            <a:off x="4343400" y="6096000"/>
-            <a:ext cx="4572000" cy="646331"/>
+            <a:off x="381000" y="1600200"/>
+            <a:ext cx="8305800" cy="4267200"/>
           </a:xfrm>
-          <a:prstGeom prst="rect">
-            <a:avLst/>
-          </a:prstGeom>
-          <a:noFill/>
         </p:spPr>
         <p:txBody>
-          <a:bodyPr wrap="square">
-            <a:spAutoFit/>
-          </a:bodyPr>
+          <a:bodyPr/>
           <a:lstStyle/>
           <a:p>
-            <a:pPr algn="r"/>
-            <a:r>
-              <a:rPr lang="en-US" sz="1200" b="0" i="0" dirty="0" err="1">
-                <a:solidFill>
-                  <a:schemeClr val="bg1"/>
-                </a:solidFill>
-                <a:effectLst/>
-                <a:latin typeface="Arial" panose="020B0604020202020204" pitchFamily="34" charset="0"/>
-                <a:cs typeface="Arial" panose="020B0604020202020204" pitchFamily="34" charset="0"/>
-              </a:rPr>
-              <a:t>Buckheit</a:t>
-            </a:r>
-            <a:r>
-              <a:rPr lang="en-US" sz="1200" b="0" i="0" dirty="0">
-                <a:solidFill>
-                  <a:schemeClr val="bg1"/>
-                </a:solidFill>
-                <a:effectLst/>
-                <a:latin typeface="Arial" panose="020B0604020202020204" pitchFamily="34" charset="0"/>
-                <a:cs typeface="Arial" panose="020B0604020202020204" pitchFamily="34" charset="0"/>
-              </a:rPr>
-              <a:t> JB, </a:t>
-            </a:r>
-            <a:r>
-              <a:rPr lang="en-US" sz="1200" b="0" i="0" dirty="0" err="1">
-                <a:solidFill>
-                  <a:schemeClr val="bg1"/>
-                </a:solidFill>
-                <a:effectLst/>
-                <a:latin typeface="Arial" panose="020B0604020202020204" pitchFamily="34" charset="0"/>
-                <a:cs typeface="Arial" panose="020B0604020202020204" pitchFamily="34" charset="0"/>
-              </a:rPr>
-              <a:t>Donoho</a:t>
-            </a:r>
-            <a:r>
-              <a:rPr lang="en-US" sz="1200" b="0" i="0" dirty="0">
-                <a:solidFill>
-                  <a:schemeClr val="bg1"/>
-                </a:solidFill>
-                <a:effectLst/>
-                <a:latin typeface="Arial" panose="020B0604020202020204" pitchFamily="34" charset="0"/>
-                <a:cs typeface="Arial" panose="020B0604020202020204" pitchFamily="34" charset="0"/>
-              </a:rPr>
-              <a:t> DL. </a:t>
-            </a:r>
-            <a:r>
-              <a:rPr lang="en-US" sz="1200" b="1" i="0" dirty="0">
-                <a:solidFill>
-                  <a:schemeClr val="bg1"/>
-                </a:solidFill>
-                <a:effectLst/>
-                <a:latin typeface="Arial" panose="020B0604020202020204" pitchFamily="34" charset="0"/>
-                <a:cs typeface="Arial" panose="020B0604020202020204" pitchFamily="34" charset="0"/>
-              </a:rPr>
-              <a:t>1995</a:t>
-            </a:r>
-            <a:r>
-              <a:rPr lang="en-US" sz="1200" b="0" i="0" dirty="0">
-                <a:solidFill>
-                  <a:schemeClr val="bg1"/>
-                </a:solidFill>
-                <a:effectLst/>
-                <a:latin typeface="Arial" panose="020B0604020202020204" pitchFamily="34" charset="0"/>
-                <a:cs typeface="Arial" panose="020B0604020202020204" pitchFamily="34" charset="0"/>
-              </a:rPr>
-              <a:t>. </a:t>
-            </a:r>
-            <a:r>
-              <a:rPr lang="en-US" sz="1200" b="0" i="0" dirty="0" err="1">
-                <a:solidFill>
-                  <a:schemeClr val="bg1"/>
-                </a:solidFill>
-                <a:effectLst/>
-                <a:latin typeface="Arial" panose="020B0604020202020204" pitchFamily="34" charset="0"/>
-                <a:cs typeface="Arial" panose="020B0604020202020204" pitchFamily="34" charset="0"/>
-              </a:rPr>
-              <a:t>Wavelab</a:t>
-            </a:r>
-            <a:r>
-              <a:rPr lang="en-US" sz="1200" b="0" i="0" dirty="0">
-                <a:solidFill>
-                  <a:schemeClr val="bg1"/>
-                </a:solidFill>
-                <a:effectLst/>
-                <a:latin typeface="Arial" panose="020B0604020202020204" pitchFamily="34" charset="0"/>
-                <a:cs typeface="Arial" panose="020B0604020202020204" pitchFamily="34" charset="0"/>
-              </a:rPr>
-              <a:t> and reproducible research. In </a:t>
-            </a:r>
-            <a:r>
-              <a:rPr lang="en-US" sz="1200" b="0" i="1" dirty="0">
-                <a:solidFill>
-                  <a:schemeClr val="bg1"/>
-                </a:solidFill>
-                <a:effectLst/>
-                <a:latin typeface="Arial" panose="020B0604020202020204" pitchFamily="34" charset="0"/>
-                <a:cs typeface="Arial" panose="020B0604020202020204" pitchFamily="34" charset="0"/>
-              </a:rPr>
-              <a:t>Wavelets and Statistics</a:t>
-            </a:r>
-            <a:r>
-              <a:rPr lang="en-US" sz="1200" b="0" i="0" dirty="0">
-                <a:solidFill>
-                  <a:schemeClr val="bg1"/>
-                </a:solidFill>
-                <a:effectLst/>
-                <a:latin typeface="Arial" panose="020B0604020202020204" pitchFamily="34" charset="0"/>
-                <a:cs typeface="Arial" panose="020B0604020202020204" pitchFamily="34" charset="0"/>
-              </a:rPr>
-              <a:t>, ed. A Antoniadis, pp. 55–81. New York: Springer-Verlag</a:t>
-            </a:r>
-            <a:endParaRPr lang="en-US" sz="1200" dirty="0">
-              <a:solidFill>
-                <a:schemeClr val="bg1"/>
-              </a:solidFill>
-              <a:latin typeface="Arial" panose="020B0604020202020204" pitchFamily="34" charset="0"/>
-              <a:cs typeface="Arial" panose="020B0604020202020204" pitchFamily="34" charset="0"/>
-            </a:endParaRPr>
-          </a:p>
-        </p:txBody>
-      </p:sp>
-      <p:sp>
-        <p:nvSpPr>
-          <p:cNvPr id="7" name="TextBox 6">
-            <a:extLst>
-              <a:ext uri="{FF2B5EF4-FFF2-40B4-BE49-F238E27FC236}">
-                <a16:creationId xmlns:a16="http://schemas.microsoft.com/office/drawing/2014/main" id="{F569973B-3AF2-AA6C-C385-36C0D4B7C826}"/>
-              </a:ext>
-            </a:extLst>
-          </p:cNvPr>
-          <p:cNvSpPr txBox="1"/>
-          <p:nvPr/>
-        </p:nvSpPr>
-        <p:spPr>
-          <a:xfrm>
-            <a:off x="3886200" y="4343400"/>
-            <a:ext cx="4572000" cy="707886"/>
-          </a:xfrm>
-          <a:prstGeom prst="rect">
-            <a:avLst/>
-          </a:prstGeom>
-          <a:noFill/>
-        </p:spPr>
-        <p:txBody>
-          <a:bodyPr wrap="square">
-            <a:spAutoFit/>
-          </a:bodyPr>
-          <a:lstStyle/>
-          <a:p>
-            <a:r>
-              <a:rPr lang="en-US" sz="2000" dirty="0" err="1">
-                <a:solidFill>
-                  <a:schemeClr val="bg1"/>
-                </a:solidFill>
-              </a:rPr>
-              <a:t>Buckheit</a:t>
-            </a:r>
-            <a:r>
-              <a:rPr lang="en-US" sz="2000" dirty="0">
-                <a:solidFill>
-                  <a:schemeClr val="bg1"/>
-                </a:solidFill>
-              </a:rPr>
-              <a:t> and </a:t>
-            </a:r>
-            <a:r>
-              <a:rPr lang="en-US" sz="2000" dirty="0" err="1">
-                <a:solidFill>
-                  <a:schemeClr val="bg1"/>
-                </a:solidFill>
-              </a:rPr>
-              <a:t>Donoho</a:t>
-            </a:r>
-            <a:r>
-              <a:rPr lang="en-US" sz="2000" dirty="0">
-                <a:solidFill>
-                  <a:schemeClr val="bg1"/>
-                </a:solidFill>
-              </a:rPr>
-              <a:t> (1995), paraphrasing John </a:t>
-            </a:r>
-            <a:r>
-              <a:rPr lang="en-US" sz="2000" dirty="0" err="1">
-                <a:solidFill>
-                  <a:schemeClr val="bg1"/>
-                </a:solidFill>
-              </a:rPr>
-              <a:t>Claerbout</a:t>
-            </a:r>
-            <a:endParaRPr lang="en-US" sz="2000" dirty="0">
-              <a:solidFill>
-                <a:schemeClr val="bg1"/>
-              </a:solidFill>
-            </a:endParaRPr>
+            <a:r>
+              <a:rPr lang="en-US" dirty="0"/>
+              <a:t>Maintain or increase trust in science</a:t>
+            </a:r>
+          </a:p>
+          <a:p>
+            <a:pPr indent="0">
+              <a:buNone/>
+            </a:pPr>
+            <a:r>
+              <a:rPr lang="en-US" b="0" dirty="0"/>
+              <a:t>(explaining not just what we know, but how we know it)</a:t>
+            </a:r>
+          </a:p>
+          <a:p>
+            <a:r>
+              <a:rPr lang="en-US" dirty="0"/>
+              <a:t>Accelerate discovery</a:t>
+            </a:r>
+          </a:p>
+          <a:p>
+            <a:r>
+              <a:rPr lang="en-US" dirty="0"/>
+              <a:t>Spread benefits of science to all</a:t>
+            </a:r>
           </a:p>
         </p:txBody>
       </p:sp>
     </p:spTree>
     <p:extLst>
       <p:ext uri="{BB962C8B-B14F-4D97-AF65-F5344CB8AC3E}">
-        <p14:creationId xmlns:p14="http://schemas.microsoft.com/office/powerpoint/2010/main" val="1760448523"/>
+        <p14:creationId xmlns:p14="http://schemas.microsoft.com/office/powerpoint/2010/main" val="1272225931"/>
       </p:ext>
     </p:extLst>
   </p:cSld>
@@ -7161,7 +8732,7 @@
 </p:sld>
 </file>
 
-<file path=ppt/slides/slide4.xml><?xml version="1.0" encoding="utf-8"?>
+<file path=ppt/slides/slide5.xml><?xml version="1.0" encoding="utf-8"?>
 <p:sld xmlns:a="http://schemas.openxmlformats.org/drawingml/2006/main" xmlns:r="http://schemas.openxmlformats.org/officeDocument/2006/relationships" xmlns:p="http://schemas.openxmlformats.org/presentationml/2006/main">
   <p:cSld>
     <p:spTree>
@@ -7190,7 +8761,7 @@
         </p:nvSpPr>
         <p:spPr>
           <a:xfrm>
-            <a:off x="319351" y="76200"/>
+            <a:off x="319351" y="228600"/>
             <a:ext cx="8305800" cy="1143000"/>
           </a:xfrm>
         </p:spPr>
@@ -7200,7 +8771,7 @@
           <a:p>
             <a:r>
               <a:rPr lang="en-US" dirty="0"/>
-              <a:t>Python and Reproducibility</a:t>
+              <a:t>“Don’t let the perfect be the enemy of the good”</a:t>
             </a:r>
           </a:p>
         </p:txBody>
@@ -7227,7 +8798,7 @@
         </p:blipFill>
         <p:spPr>
           <a:xfrm>
-            <a:off x="319351" y="1219200"/>
+            <a:off x="319351" y="1932801"/>
             <a:ext cx="8367449" cy="2743200"/>
           </a:xfrm>
           <a:prstGeom prst="rect">
@@ -7254,7 +8825,7 @@
         </p:nvSpPr>
         <p:spPr>
           <a:xfrm>
-            <a:off x="1885369" y="3962400"/>
+            <a:off x="1885369" y="4676001"/>
             <a:ext cx="6806511" cy="276999"/>
           </a:xfrm>
           <a:prstGeom prst="rect">
@@ -7296,37 +8867,6 @@
           </a:p>
         </p:txBody>
       </p:sp>
-      <p:pic>
-        <p:nvPicPr>
-          <p:cNvPr id="5" name="Picture 4">
-            <a:hlinkClick r:id="rId4"/>
-            <a:extLst>
-              <a:ext uri="{FF2B5EF4-FFF2-40B4-BE49-F238E27FC236}">
-                <a16:creationId xmlns:a16="http://schemas.microsoft.com/office/drawing/2014/main" id="{E748FDEF-FC68-C4E3-5AD2-AA0F84ACBD27}"/>
-              </a:ext>
-            </a:extLst>
-          </p:cNvPr>
-          <p:cNvPicPr>
-            <a:picLocks noChangeAspect="1"/>
-          </p:cNvPicPr>
-          <p:nvPr/>
-        </p:nvPicPr>
-        <p:blipFill>
-          <a:blip r:embed="rId5"/>
-          <a:stretch>
-            <a:fillRect/>
-          </a:stretch>
-        </p:blipFill>
-        <p:spPr>
-          <a:xfrm>
-            <a:off x="345099" y="4572000"/>
-            <a:ext cx="8341701" cy="1412007"/>
-          </a:xfrm>
-          <a:prstGeom prst="rect">
-            <a:avLst/>
-          </a:prstGeom>
-        </p:spPr>
-      </p:pic>
     </p:spTree>
     <p:extLst>
       <p:ext uri="{BB962C8B-B14F-4D97-AF65-F5344CB8AC3E}">
@@ -7340,7 +8880,7 @@
 </p:sld>
 </file>
 
-<file path=ppt/slides/slide5.xml><?xml version="1.0" encoding="utf-8"?>
+<file path=ppt/slides/slide6.xml><?xml version="1.0" encoding="utf-8"?>
 <p:sld xmlns:a="http://schemas.openxmlformats.org/drawingml/2006/main" xmlns:r="http://schemas.openxmlformats.org/officeDocument/2006/relationships" xmlns:p="http://schemas.openxmlformats.org/presentationml/2006/main">
   <p:cSld>
     <p:spTree>
@@ -7531,206 +9071,6 @@
 </p:sld>
 </file>
 
-<file path=ppt/slides/slide6.xml><?xml version="1.0" encoding="utf-8"?>
-<p:sld xmlns:a="http://schemas.openxmlformats.org/drawingml/2006/main" xmlns:r="http://schemas.openxmlformats.org/officeDocument/2006/relationships" xmlns:p="http://schemas.openxmlformats.org/presentationml/2006/main">
-  <p:cSld>
-    <p:spTree>
-      <p:nvGrpSpPr>
-        <p:cNvPr id="1" name=""/>
-        <p:cNvGrpSpPr/>
-        <p:nvPr/>
-      </p:nvGrpSpPr>
-      <p:grpSpPr>
-        <a:xfrm>
-          <a:off x="0" y="0"/>
-          <a:ext cx="0" cy="0"/>
-          <a:chOff x="0" y="0"/>
-          <a:chExt cx="0" cy="0"/>
-        </a:xfrm>
-      </p:grpSpPr>
-      <p:sp>
-        <p:nvSpPr>
-          <p:cNvPr id="2" name="Title 1"/>
-          <p:cNvSpPr>
-            <a:spLocks noGrp="1"/>
-          </p:cNvSpPr>
-          <p:nvPr>
-            <p:ph type="title"/>
-          </p:nvPr>
-        </p:nvSpPr>
-        <p:spPr/>
-        <p:txBody>
-          <a:bodyPr/>
-          <a:lstStyle/>
-          <a:p>
-            <a:r>
-              <a:rPr lang="en-US" dirty="0"/>
-              <a:t>What does it mean to be </a:t>
-            </a:r>
-            <a:r>
-              <a:rPr lang="en-US" i="1" dirty="0"/>
-              <a:t>pythonic</a:t>
-            </a:r>
-            <a:r>
-              <a:rPr lang="en-US" dirty="0"/>
-              <a:t>?</a:t>
-            </a:r>
-          </a:p>
-        </p:txBody>
-      </p:sp>
-      <p:sp>
-        <p:nvSpPr>
-          <p:cNvPr id="3" name="Content Placeholder 2"/>
-          <p:cNvSpPr>
-            <a:spLocks noGrp="1"/>
-          </p:cNvSpPr>
-          <p:nvPr>
-            <p:ph idx="1"/>
-          </p:nvPr>
-        </p:nvSpPr>
-        <p:spPr>
-          <a:xfrm>
-            <a:off x="1197624" y="1371600"/>
-            <a:ext cx="6672552" cy="4495800"/>
-          </a:xfrm>
-        </p:spPr>
-        <p:txBody>
-          <a:bodyPr/>
-          <a:lstStyle/>
-          <a:p>
-            <a:pPr marL="0" indent="0">
-              <a:buNone/>
-            </a:pPr>
-            <a:r>
-              <a:rPr lang="en-US" dirty="0"/>
-              <a:t>Some of the core principals:</a:t>
-            </a:r>
-          </a:p>
-          <a:p>
-            <a:endParaRPr lang="en-US" dirty="0"/>
-          </a:p>
-          <a:p>
-            <a:pPr lvl="1"/>
-            <a:r>
-              <a:rPr lang="en-US" sz="2800" b="0" dirty="0"/>
-              <a:t>Beautiful is better than ugly</a:t>
-            </a:r>
-          </a:p>
-          <a:p>
-            <a:pPr lvl="1"/>
-            <a:r>
-              <a:rPr lang="en-US" sz="2800" b="0" dirty="0"/>
-              <a:t>Explicit is better than implicit</a:t>
-            </a:r>
-          </a:p>
-          <a:p>
-            <a:pPr lvl="1"/>
-            <a:r>
-              <a:rPr lang="en-US" sz="2800" b="0" dirty="0"/>
-              <a:t>Simple is better than complex</a:t>
-            </a:r>
-          </a:p>
-          <a:p>
-            <a:pPr lvl="1"/>
-            <a:r>
-              <a:rPr lang="en-US" sz="2800" b="0" dirty="0"/>
-              <a:t>Complex is better than complicated</a:t>
-            </a:r>
-          </a:p>
-          <a:p>
-            <a:pPr lvl="1"/>
-            <a:r>
-              <a:rPr lang="en-US" sz="2800" b="0" dirty="0"/>
-              <a:t>Readability counts</a:t>
-            </a:r>
-          </a:p>
-          <a:p>
-            <a:endParaRPr lang="en-US" sz="2400" dirty="0"/>
-          </a:p>
-        </p:txBody>
-      </p:sp>
-      <p:sp>
-        <p:nvSpPr>
-          <p:cNvPr id="7" name="TextBox 6">
-            <a:extLst>
-              <a:ext uri="{FF2B5EF4-FFF2-40B4-BE49-F238E27FC236}">
-                <a16:creationId xmlns:a16="http://schemas.microsoft.com/office/drawing/2014/main" id="{E76CC6BD-3B52-3547-9060-92C53B133840}"/>
-              </a:ext>
-            </a:extLst>
-          </p:cNvPr>
-          <p:cNvSpPr txBox="1"/>
-          <p:nvPr/>
-        </p:nvSpPr>
-        <p:spPr>
-          <a:xfrm>
-            <a:off x="1742497" y="5391090"/>
-            <a:ext cx="5115503" cy="400110"/>
-          </a:xfrm>
-          <a:prstGeom prst="rect">
-            <a:avLst/>
-          </a:prstGeom>
-          <a:noFill/>
-        </p:spPr>
-        <p:txBody>
-          <a:bodyPr wrap="none" rtlCol="0">
-            <a:spAutoFit/>
-          </a:bodyPr>
-          <a:lstStyle/>
-          <a:p>
-            <a:pPr algn="r"/>
-            <a:r>
-              <a:rPr lang="en-US" sz="2000" dirty="0">
-                <a:solidFill>
-                  <a:schemeClr val="accent3"/>
-                </a:solidFill>
-              </a:rPr>
-              <a:t>https://</a:t>
-            </a:r>
-            <a:r>
-              <a:rPr lang="en-US" sz="2000" dirty="0" err="1">
-                <a:solidFill>
-                  <a:schemeClr val="accent3"/>
-                </a:solidFill>
-              </a:rPr>
-              <a:t>en.wikipedia.org</a:t>
-            </a:r>
-            <a:r>
-              <a:rPr lang="en-US" sz="2000" dirty="0">
-                <a:solidFill>
-                  <a:schemeClr val="accent3"/>
-                </a:solidFill>
-              </a:rPr>
-              <a:t>/wiki/</a:t>
-            </a:r>
-            <a:r>
-              <a:rPr lang="en-US" sz="2000" dirty="0" err="1">
-                <a:solidFill>
-                  <a:schemeClr val="accent3"/>
-                </a:solidFill>
-              </a:rPr>
-              <a:t>Zen_of_Python</a:t>
-            </a:r>
-            <a:endParaRPr lang="en-US" sz="2000" dirty="0">
-              <a:solidFill>
-                <a:schemeClr val="accent3"/>
-              </a:solidFill>
-            </a:endParaRPr>
-          </a:p>
-        </p:txBody>
-      </p:sp>
-    </p:spTree>
-    <p:extLst>
-      <p:ext uri="{BB962C8B-B14F-4D97-AF65-F5344CB8AC3E}">
-        <p14:creationId xmlns:p14="http://schemas.microsoft.com/office/powerpoint/2010/main" val="1905427760"/>
-      </p:ext>
-    </p:extLst>
-  </p:cSld>
-  <p:clrMapOvr>
-    <a:masterClrMapping/>
-  </p:clrMapOvr>
-</p:sld>
-</file>
-
 <file path=ppt/slides/slide7.xml><?xml version="1.0" encoding="utf-8"?>
 <p:sld xmlns:a="http://schemas.openxmlformats.org/drawingml/2006/main" xmlns:r="http://schemas.openxmlformats.org/officeDocument/2006/relationships" xmlns:p="http://schemas.openxmlformats.org/presentationml/2006/main">
   <p:cSld>
@@ -7765,7 +9105,15 @@
           <a:p>
             <a:r>
               <a:rPr lang="en-US" dirty="0"/>
-              <a:t>Advantages</a:t>
+              <a:t>What does it mean to be </a:t>
+            </a:r>
+            <a:r>
+              <a:rPr lang="en-US" i="1" dirty="0"/>
+              <a:t>pythonic</a:t>
+            </a:r>
+            <a:r>
+              <a:rPr lang="en-US" dirty="0"/>
+              <a:t>?</a:t>
             </a:r>
           </a:p>
         </p:txBody>
@@ -7780,66 +9128,140 @@
             <p:ph idx="1"/>
           </p:nvPr>
         </p:nvSpPr>
-        <p:spPr/>
+        <p:spPr>
+          <a:xfrm>
+            <a:off x="1197624" y="1371600"/>
+            <a:ext cx="6672552" cy="4495800"/>
+          </a:xfrm>
+        </p:spPr>
         <p:txBody>
           <a:bodyPr/>
           <a:lstStyle/>
           <a:p>
+            <a:pPr marL="0" indent="0">
+              <a:buNone/>
+            </a:pPr>
             <a:r>
               <a:rPr lang="en-US" dirty="0"/>
-              <a:t>Easy to write code</a:t>
-            </a:r>
-          </a:p>
-          <a:p>
-            <a:r>
-              <a:rPr lang="en-US" dirty="0"/>
-              <a:t>Easy to read</a:t>
-            </a:r>
-          </a:p>
-          <a:p>
-            <a:r>
-              <a:rPr lang="en-US" dirty="0"/>
-              <a:t>General purpose:</a:t>
-            </a:r>
+              <a:t>Some of the core principals:</a:t>
+            </a:r>
+          </a:p>
+          <a:p>
+            <a:endParaRPr lang="en-US" dirty="0"/>
           </a:p>
           <a:p>
             <a:pPr lvl="1"/>
             <a:r>
-              <a:rPr lang="en-US" dirty="0"/>
-              <a:t>Large standard library</a:t>
+              <a:rPr lang="en-US" sz="2800" b="0" dirty="0"/>
+              <a:t>Beautiful is better than ugly</a:t>
             </a:r>
           </a:p>
           <a:p>
             <a:pPr lvl="1"/>
             <a:r>
-              <a:rPr lang="en-US" dirty="0"/>
-              <a:t>Larger collection of add-on packages</a:t>
-            </a:r>
-          </a:p>
-          <a:p>
-            <a:r>
-              <a:rPr lang="en-US" dirty="0"/>
-              <a:t>Platform-independent</a:t>
-            </a:r>
-          </a:p>
-          <a:p>
-            <a:r>
-              <a:rPr lang="en-US" dirty="0"/>
-              <a:t>Popular (now the #1 language)</a:t>
-            </a:r>
-          </a:p>
-          <a:p>
-            <a:r>
-              <a:rPr lang="en-US" dirty="0"/>
-              <a:t>Free!</a:t>
-            </a:r>
+              <a:rPr lang="en-US" sz="2800" b="0" dirty="0"/>
+              <a:t>Explicit is better than implicit</a:t>
+            </a:r>
+          </a:p>
+          <a:p>
+            <a:pPr lvl="1"/>
+            <a:r>
+              <a:rPr lang="en-US" sz="2800" b="0" dirty="0"/>
+              <a:t>Simple is better than complex</a:t>
+            </a:r>
+          </a:p>
+          <a:p>
+            <a:pPr lvl="1"/>
+            <a:r>
+              <a:rPr lang="en-US" sz="2800" b="0" dirty="0"/>
+              <a:t>Complex is better than complicated</a:t>
+            </a:r>
+          </a:p>
+          <a:p>
+            <a:pPr lvl="1"/>
+            <a:r>
+              <a:rPr lang="en-US" sz="2800" b="0" dirty="0"/>
+              <a:t>Readability counts</a:t>
+            </a:r>
+          </a:p>
+          <a:p>
+            <a:endParaRPr lang="en-US" sz="2400" dirty="0"/>
+          </a:p>
+        </p:txBody>
+      </p:sp>
+      <p:sp>
+        <p:nvSpPr>
+          <p:cNvPr id="7" name="TextBox 6">
+            <a:extLst>
+              <a:ext uri="{FF2B5EF4-FFF2-40B4-BE49-F238E27FC236}">
+                <a16:creationId xmlns:a16="http://schemas.microsoft.com/office/drawing/2014/main" id="{E76CC6BD-3B52-3547-9060-92C53B133840}"/>
+              </a:ext>
+            </a:extLst>
+          </p:cNvPr>
+          <p:cNvSpPr txBox="1"/>
+          <p:nvPr/>
+        </p:nvSpPr>
+        <p:spPr>
+          <a:xfrm>
+            <a:off x="1742497" y="5391090"/>
+            <a:ext cx="5115503" cy="400110"/>
+          </a:xfrm>
+          <a:prstGeom prst="rect">
+            <a:avLst/>
+          </a:prstGeom>
+          <a:noFill/>
+        </p:spPr>
+        <p:txBody>
+          <a:bodyPr wrap="none" rtlCol="0">
+            <a:spAutoFit/>
+          </a:bodyPr>
+          <a:lstStyle/>
+          <a:p>
+            <a:pPr algn="r"/>
+            <a:r>
+              <a:rPr lang="en-US" sz="2000" dirty="0">
+                <a:solidFill>
+                  <a:schemeClr val="accent3"/>
+                </a:solidFill>
+              </a:rPr>
+              <a:t>https://</a:t>
+            </a:r>
+            <a:r>
+              <a:rPr lang="en-US" sz="2000" dirty="0" err="1">
+                <a:solidFill>
+                  <a:schemeClr val="accent3"/>
+                </a:solidFill>
+              </a:rPr>
+              <a:t>en.wikipedia.org</a:t>
+            </a:r>
+            <a:r>
+              <a:rPr lang="en-US" sz="2000" dirty="0">
+                <a:solidFill>
+                  <a:schemeClr val="accent3"/>
+                </a:solidFill>
+              </a:rPr>
+              <a:t>/wiki/</a:t>
+            </a:r>
+            <a:r>
+              <a:rPr lang="en-US" sz="2000" dirty="0" err="1">
+                <a:solidFill>
+                  <a:schemeClr val="accent3"/>
+                </a:solidFill>
+              </a:rPr>
+              <a:t>Zen_of_Python</a:t>
+            </a:r>
+            <a:endParaRPr lang="en-US" sz="2000" dirty="0">
+              <a:solidFill>
+                <a:schemeClr val="accent3"/>
+              </a:solidFill>
+            </a:endParaRPr>
           </a:p>
         </p:txBody>
       </p:sp>
     </p:spTree>
     <p:extLst>
       <p:ext uri="{BB962C8B-B14F-4D97-AF65-F5344CB8AC3E}">
-        <p14:creationId xmlns:p14="http://schemas.microsoft.com/office/powerpoint/2010/main" val="3780682530"/>
+        <p14:creationId xmlns:p14="http://schemas.microsoft.com/office/powerpoint/2010/main" val="1905427760"/>
       </p:ext>
     </p:extLst>
   </p:cSld>
@@ -7883,110 +9305,81 @@
           <a:p>
             <a:r>
               <a:rPr lang="en-US" dirty="0"/>
-              <a:t>TIOBE Index (January 2024)</a:t>
+              <a:t>Why Python?</a:t>
             </a:r>
           </a:p>
         </p:txBody>
       </p:sp>
       <p:sp>
         <p:nvSpPr>
-          <p:cNvPr id="4" name="TextBox 3"/>
-          <p:cNvSpPr txBox="1"/>
-          <p:nvPr/>
-        </p:nvSpPr>
-        <p:spPr>
-          <a:xfrm>
-            <a:off x="3200400" y="6392719"/>
-            <a:ext cx="4865434" cy="461665"/>
-          </a:xfrm>
-          <a:prstGeom prst="rect">
-            <a:avLst/>
-          </a:prstGeom>
-          <a:noFill/>
-        </p:spPr>
+          <p:cNvPr id="3" name="Content Placeholder 2"/>
+          <p:cNvSpPr>
+            <a:spLocks noGrp="1"/>
+          </p:cNvSpPr>
+          <p:nvPr>
+            <p:ph idx="1"/>
+          </p:nvPr>
+        </p:nvSpPr>
+        <p:spPr/>
         <p:txBody>
-          <a:bodyPr wrap="none" rtlCol="0">
-            <a:spAutoFit/>
-          </a:bodyPr>
+          <a:bodyPr/>
           <a:lstStyle/>
           <a:p>
             <a:r>
-              <a:rPr lang="en-US" sz="2400" dirty="0">
-                <a:solidFill>
-                  <a:schemeClr val="accent3"/>
-                </a:solidFill>
-              </a:rPr>
-              <a:t>https://</a:t>
-            </a:r>
-            <a:r>
-              <a:rPr lang="en-US" sz="2400" dirty="0" err="1">
-                <a:solidFill>
-                  <a:schemeClr val="accent3"/>
-                </a:solidFill>
-              </a:rPr>
-              <a:t>www.tiobe.com</a:t>
-            </a:r>
-            <a:r>
-              <a:rPr lang="en-US" sz="2400" dirty="0">
-                <a:solidFill>
-                  <a:schemeClr val="accent3"/>
-                </a:solidFill>
-              </a:rPr>
-              <a:t>/</a:t>
-            </a:r>
-            <a:r>
-              <a:rPr lang="en-US" sz="2400" dirty="0" err="1">
-                <a:solidFill>
-                  <a:schemeClr val="accent3"/>
-                </a:solidFill>
-              </a:rPr>
-              <a:t>tiobe</a:t>
-            </a:r>
-            <a:r>
-              <a:rPr lang="en-US" sz="2400" dirty="0">
-                <a:solidFill>
-                  <a:schemeClr val="accent3"/>
-                </a:solidFill>
-              </a:rPr>
-              <a:t>-index/</a:t>
+              <a:rPr lang="en-US" dirty="0"/>
+              <a:t>Easy to write code</a:t>
+            </a:r>
+          </a:p>
+          <a:p>
+            <a:r>
+              <a:rPr lang="en-US" dirty="0"/>
+              <a:t>Easy to read</a:t>
+            </a:r>
+          </a:p>
+          <a:p>
+            <a:r>
+              <a:rPr lang="en-US" dirty="0"/>
+              <a:t>General purpose:</a:t>
+            </a:r>
+          </a:p>
+          <a:p>
+            <a:pPr lvl="1"/>
+            <a:r>
+              <a:rPr lang="en-US" dirty="0"/>
+              <a:t>Large standard library</a:t>
+            </a:r>
+          </a:p>
+          <a:p>
+            <a:pPr lvl="1"/>
+            <a:r>
+              <a:rPr lang="en-US" dirty="0"/>
+              <a:t>Larger collection of add-on packages</a:t>
+            </a:r>
+          </a:p>
+          <a:p>
+            <a:r>
+              <a:rPr lang="en-US" dirty="0"/>
+              <a:t>Platform-independent</a:t>
+            </a:r>
+          </a:p>
+          <a:p>
+            <a:r>
+              <a:rPr lang="en-US" dirty="0"/>
+              <a:t>Popular (now the #1 language)</a:t>
+            </a:r>
+          </a:p>
+          <a:p>
+            <a:r>
+              <a:rPr lang="en-US" dirty="0"/>
+              <a:t>Free!</a:t>
             </a:r>
           </a:p>
         </p:txBody>
       </p:sp>
-      <p:pic>
-        <p:nvPicPr>
-          <p:cNvPr id="3" name="Picture 2">
-            <a:extLst>
-              <a:ext uri="{FF2B5EF4-FFF2-40B4-BE49-F238E27FC236}">
-                <a16:creationId xmlns:a16="http://schemas.microsoft.com/office/drawing/2014/main" id="{39ECDEDB-5D58-F6A5-80AC-0EA5191FF6D8}"/>
-              </a:ext>
-            </a:extLst>
-          </p:cNvPr>
-          <p:cNvPicPr>
-            <a:picLocks noChangeAspect="1"/>
-          </p:cNvPicPr>
-          <p:nvPr/>
-        </p:nvPicPr>
-        <p:blipFill>
-          <a:blip r:embed="rId3"/>
-          <a:stretch>
-            <a:fillRect/>
-          </a:stretch>
-        </p:blipFill>
-        <p:spPr>
-          <a:xfrm>
-            <a:off x="685800" y="1590228"/>
-            <a:ext cx="7772400" cy="3677544"/>
-          </a:xfrm>
-          <a:prstGeom prst="rect">
-            <a:avLst/>
-          </a:prstGeom>
-        </p:spPr>
-      </p:pic>
     </p:spTree>
     <p:extLst>
       <p:ext uri="{BB962C8B-B14F-4D97-AF65-F5344CB8AC3E}">
-        <p14:creationId xmlns:p14="http://schemas.microsoft.com/office/powerpoint/2010/main" val="2116011701"/>
+        <p14:creationId xmlns:p14="http://schemas.microsoft.com/office/powerpoint/2010/main" val="3780682530"/>
       </p:ext>
     </p:extLst>
   </p:cSld>
@@ -8015,7 +9408,7 @@
       </p:grpSpPr>
       <p:sp>
         <p:nvSpPr>
-          <p:cNvPr id="4" name="Title 3"/>
+          <p:cNvPr id="2" name="Title 1"/>
           <p:cNvSpPr>
             <a:spLocks noGrp="1"/>
           </p:cNvSpPr>
@@ -8023,39 +9416,28 @@
             <p:ph type="title"/>
           </p:nvPr>
         </p:nvSpPr>
-        <p:spPr>
-          <a:xfrm>
-            <a:off x="0" y="19878"/>
-            <a:ext cx="8686800" cy="1143000"/>
-          </a:xfrm>
-        </p:spPr>
+        <p:spPr/>
         <p:txBody>
           <a:bodyPr/>
           <a:lstStyle/>
           <a:p>
             <a:r>
-              <a:rPr lang="en-US" sz="3200" dirty="0"/>
-              <a:t>Stack Overflow Questions by language</a:t>
+              <a:rPr lang="en-US" dirty="0"/>
+              <a:t>TIOBE Index (September 2025)</a:t>
             </a:r>
           </a:p>
         </p:txBody>
       </p:sp>
       <p:sp>
         <p:nvSpPr>
-          <p:cNvPr id="6" name="TextBox 5">
-            <a:extLst>
-              <a:ext uri="{FF2B5EF4-FFF2-40B4-BE49-F238E27FC236}">
-                <a16:creationId xmlns:a16="http://schemas.microsoft.com/office/drawing/2014/main" id="{73AFDA26-8427-B641-9578-ECF6F58A65A6}"/>
-              </a:ext>
-            </a:extLst>
-          </p:cNvPr>
+          <p:cNvPr id="4" name="TextBox 3"/>
           <p:cNvSpPr txBox="1"/>
           <p:nvPr/>
         </p:nvSpPr>
         <p:spPr>
           <a:xfrm>
-            <a:off x="4376093" y="6408006"/>
-            <a:ext cx="4767907" cy="400110"/>
+            <a:off x="3200400" y="6392719"/>
+            <a:ext cx="4865434" cy="461665"/>
           </a:xfrm>
           <a:prstGeom prst="rect">
             <a:avLst/>
@@ -8068,27 +9450,55 @@
           </a:bodyPr>
           <a:lstStyle/>
           <a:p>
-            <a:pPr algn="r"/>
-            <a:r>
-              <a:rPr lang="en-US" sz="2000" dirty="0">
-                <a:hlinkClick r:id="rId3"/>
+            <a:r>
+              <a:rPr lang="en-US" sz="2400" dirty="0">
+                <a:solidFill>
+                  <a:schemeClr val="accent3"/>
+                </a:solidFill>
               </a:rPr>
-              <a:t>https://insights.stackoverflow.com/trends</a:t>
-            </a:r>
-            <a:endParaRPr lang="en-US" sz="2000" dirty="0">
-              <a:solidFill>
-                <a:schemeClr val="accent3"/>
-              </a:solidFill>
-            </a:endParaRPr>
+              <a:t>https://</a:t>
+            </a:r>
+            <a:r>
+              <a:rPr lang="en-US" sz="2400" dirty="0" err="1">
+                <a:solidFill>
+                  <a:schemeClr val="accent3"/>
+                </a:solidFill>
+              </a:rPr>
+              <a:t>www.tiobe.com</a:t>
+            </a:r>
+            <a:r>
+              <a:rPr lang="en-US" sz="2400" dirty="0">
+                <a:solidFill>
+                  <a:schemeClr val="accent3"/>
+                </a:solidFill>
+              </a:rPr>
+              <a:t>/</a:t>
+            </a:r>
+            <a:r>
+              <a:rPr lang="en-US" sz="2400" dirty="0" err="1">
+                <a:solidFill>
+                  <a:schemeClr val="accent3"/>
+                </a:solidFill>
+              </a:rPr>
+              <a:t>tiobe</a:t>
+            </a:r>
+            <a:r>
+              <a:rPr lang="en-US" sz="2400" dirty="0">
+                <a:solidFill>
+                  <a:schemeClr val="accent3"/>
+                </a:solidFill>
+              </a:rPr>
+              <a:t>-index/</a:t>
+            </a:r>
           </a:p>
         </p:txBody>
       </p:sp>
       <p:pic>
         <p:nvPicPr>
-          <p:cNvPr id="3" name="Picture 2">
+          <p:cNvPr id="5" name="Picture 4">
             <a:extLst>
               <a:ext uri="{FF2B5EF4-FFF2-40B4-BE49-F238E27FC236}">
-                <a16:creationId xmlns:a16="http://schemas.microsoft.com/office/drawing/2014/main" id="{72746352-3061-B1C5-6ED1-71E662C342D9}"/>
+                <a16:creationId xmlns:a16="http://schemas.microsoft.com/office/drawing/2014/main" id="{3AC82906-D822-6DC6-4141-602AD10FB5F0}"/>
               </a:ext>
             </a:extLst>
           </p:cNvPr>
@@ -8098,15 +9508,15 @@
           <p:nvPr/>
         </p:nvPicPr>
         <p:blipFill>
-          <a:blip r:embed="rId4"/>
+          <a:blip r:embed="rId3"/>
           <a:stretch>
             <a:fillRect/>
           </a:stretch>
         </p:blipFill>
         <p:spPr>
           <a:xfrm>
-            <a:off x="781050" y="1016000"/>
-            <a:ext cx="7581900" cy="4826000"/>
+            <a:off x="70782" y="1600200"/>
+            <a:ext cx="9002436" cy="3124200"/>
           </a:xfrm>
           <a:prstGeom prst="rect">
             <a:avLst/>
@@ -8116,7 +9526,7 @@
     </p:spTree>
     <p:extLst>
       <p:ext uri="{BB962C8B-B14F-4D97-AF65-F5344CB8AC3E}">
-        <p14:creationId xmlns:p14="http://schemas.microsoft.com/office/powerpoint/2010/main" val="3438242964"/>
+        <p14:creationId xmlns:p14="http://schemas.microsoft.com/office/powerpoint/2010/main" val="2116011701"/>
       </p:ext>
     </p:extLst>
   </p:cSld>
